--- a/Assets/Specs/仕様書.pptx
+++ b/Assets/Specs/仕様書.pptx
@@ -11,7 +11,8 @@
     <p:sldId id="259" r:id="rId5"/>
     <p:sldId id="260" r:id="rId6"/>
     <p:sldId id="261" r:id="rId7"/>
-    <p:sldId id="262" r:id="rId8"/>
+    <p:sldId id="263" r:id="rId8"/>
+    <p:sldId id="262" r:id="rId9"/>
   </p:sldIdLst>
   <p:sldSz cx="9906000" cy="6858000" type="A4"/>
   <p:notesSz cx="6858000" cy="9144000"/>
@@ -3420,14 +3421,14 @@
           <p:nvPr>
             <p:extLst>
               <p:ext uri="{D42A27DB-BD31-4B8C-83A1-F6EECF244321}">
-                <p14:modId xmlns:p14="http://schemas.microsoft.com/office/powerpoint/2010/main" val="1750678085"/>
+                <p14:modId xmlns:p14="http://schemas.microsoft.com/office/powerpoint/2010/main" val="919747735"/>
               </p:ext>
             </p:extLst>
           </p:nvPr>
         </p:nvGraphicFramePr>
         <p:xfrm>
           <a:off x="194732" y="1041399"/>
-          <a:ext cx="7382934" cy="2560320"/>
+          <a:ext cx="7382934" cy="2926080"/>
         </p:xfrm>
         <a:graphic>
           <a:graphicData uri="http://schemas.openxmlformats.org/drawingml/2006/table">
@@ -3485,15 +3486,6 @@
                       <a:headEnd type="none" w="med" len="med"/>
                       <a:tailEnd type="none" w="med" len="med"/>
                     </a:lnR>
-                    <a:lnT w="12700" cap="flat" cmpd="sng" algn="ctr">
-                      <a:solidFill>
-                        <a:schemeClr val="tx1"/>
-                      </a:solidFill>
-                      <a:prstDash val="solid"/>
-                      <a:round/>
-                      <a:headEnd type="none" w="med" len="med"/>
-                      <a:tailEnd type="none" w="med" len="med"/>
-                    </a:lnT>
                   </a:tcPr>
                 </a:tc>
                 <a:tc hMerge="1">
@@ -3879,6 +3871,76 @@
                       </a:pPr>
                       <a:r>
                         <a:rPr kumimoji="1" lang="ja-JP" altLang="en-US" dirty="0"/>
+                        <a:t>・コイン挙動</a:t>
+                      </a:r>
+                    </a:p>
+                  </a:txBody>
+                  <a:tcPr>
+                    <a:lnL w="12700" cap="flat" cmpd="sng" algn="ctr">
+                      <a:solidFill>
+                        <a:schemeClr val="tx1"/>
+                      </a:solidFill>
+                      <a:prstDash val="solid"/>
+                      <a:round/>
+                      <a:headEnd type="none" w="med" len="med"/>
+                      <a:tailEnd type="none" w="med" len="med"/>
+                    </a:lnL>
+                  </a:tcPr>
+                </a:tc>
+                <a:tc>
+                  <a:txBody>
+                    <a:bodyPr/>
+                    <a:lstStyle/>
+                    <a:p>
+                      <a:r>
+                        <a:rPr kumimoji="1" lang="ja-JP" altLang="en-US" dirty="0"/>
+                        <a:t>コインの説明</a:t>
+                      </a:r>
+                    </a:p>
+                  </a:txBody>
+                  <a:tcPr>
+                    <a:lnR w="12700" cap="flat" cmpd="sng" algn="ctr">
+                      <a:solidFill>
+                        <a:schemeClr val="tx1"/>
+                      </a:solidFill>
+                      <a:prstDash val="solid"/>
+                      <a:round/>
+                      <a:headEnd type="none" w="med" len="med"/>
+                      <a:tailEnd type="none" w="med" len="med"/>
+                    </a:lnR>
+                  </a:tcPr>
+                </a:tc>
+                <a:extLst>
+                  <a:ext uri="{0D108BD9-81ED-4DB2-BD59-A6C34878D82A}">
+                    <a16:rowId xmlns:a16="http://schemas.microsoft.com/office/drawing/2014/main" val="1598057044"/>
+                  </a:ext>
+                </a:extLst>
+              </a:tr>
+              <a:tr h="324000">
+                <a:tc>
+                  <a:txBody>
+                    <a:bodyPr/>
+                    <a:lstStyle/>
+                    <a:p>
+                      <a:pPr marL="0" marR="0" lvl="0" indent="0" algn="l" defTabSz="914400" rtl="0" eaLnBrk="1" fontAlgn="auto" latinLnBrk="0" hangingPunct="1">
+                        <a:lnSpc>
+                          <a:spcPct val="100000"/>
+                        </a:lnSpc>
+                        <a:spcBef>
+                          <a:spcPts val="0"/>
+                        </a:spcBef>
+                        <a:spcAft>
+                          <a:spcPts val="0"/>
+                        </a:spcAft>
+                        <a:buClrTx/>
+                        <a:buSzTx/>
+                        <a:buFontTx/>
+                        <a:buNone/>
+                        <a:tabLst/>
+                        <a:defRPr/>
+                      </a:pPr>
+                      <a:r>
+                        <a:rPr kumimoji="1" lang="ja-JP" altLang="en-US" dirty="0"/>
                         <a:t>・敵デザイン</a:t>
                       </a:r>
                     </a:p>
@@ -3961,13 +4023,13 @@
           <p:nvPr>
             <p:extLst>
               <p:ext uri="{D42A27DB-BD31-4B8C-83A1-F6EECF244321}">
-                <p14:modId xmlns:p14="http://schemas.microsoft.com/office/powerpoint/2010/main" val="1998918043"/>
+                <p14:modId xmlns:p14="http://schemas.microsoft.com/office/powerpoint/2010/main" val="521218341"/>
               </p:ext>
             </p:extLst>
           </p:nvPr>
         </p:nvGraphicFramePr>
         <p:xfrm>
-          <a:off x="194731" y="3804918"/>
+          <a:off x="194731" y="4306145"/>
           <a:ext cx="7382935" cy="1788160"/>
         </p:xfrm>
         <a:graphic>
@@ -13798,6 +13860,2402 @@
                 </a:solidFill>
                 <a:latin typeface="+mn-ea"/>
               </a:rPr>
+              <a:t>■コイン挙動</a:t>
+            </a:r>
+          </a:p>
+        </p:txBody>
+      </p:sp>
+      <p:grpSp>
+        <p:nvGrpSpPr>
+          <p:cNvPr id="58" name="グループ化 57">
+            <a:extLst>
+              <a:ext uri="{FF2B5EF4-FFF2-40B4-BE49-F238E27FC236}">
+                <a16:creationId xmlns:a16="http://schemas.microsoft.com/office/drawing/2014/main" id="{8B16AC8B-F439-4DD1-A1CB-5F7A69D85BEE}"/>
+              </a:ext>
+            </a:extLst>
+          </p:cNvPr>
+          <p:cNvGrpSpPr/>
+          <p:nvPr/>
+        </p:nvGrpSpPr>
+        <p:grpSpPr>
+          <a:xfrm>
+            <a:off x="185294" y="3930958"/>
+            <a:ext cx="4114800" cy="2335419"/>
+            <a:chOff x="296331" y="4274084"/>
+            <a:chExt cx="4114800" cy="2335419"/>
+          </a:xfrm>
+        </p:grpSpPr>
+        <p:pic>
+          <p:nvPicPr>
+            <p:cNvPr id="59" name="図 58">
+              <a:extLst>
+                <a:ext uri="{FF2B5EF4-FFF2-40B4-BE49-F238E27FC236}">
+                  <a16:creationId xmlns:a16="http://schemas.microsoft.com/office/drawing/2014/main" id="{24C7863F-43DE-4963-AE97-6D5A497DC2E0}"/>
+                </a:ext>
+              </a:extLst>
+            </p:cNvPr>
+            <p:cNvPicPr>
+              <a:picLocks noChangeAspect="1"/>
+            </p:cNvPicPr>
+            <p:nvPr/>
+          </p:nvPicPr>
+          <p:blipFill>
+            <a:blip r:embed="rId2">
+              <a:extLst>
+                <a:ext uri="{28A0092B-C50C-407E-A947-70E740481C1C}">
+                  <a14:useLocalDpi xmlns:a14="http://schemas.microsoft.com/office/drawing/2010/main" val="0"/>
+                </a:ext>
+              </a:extLst>
+            </a:blip>
+            <a:stretch>
+              <a:fillRect/>
+            </a:stretch>
+          </p:blipFill>
+          <p:spPr>
+            <a:xfrm>
+              <a:off x="296331" y="4311899"/>
+              <a:ext cx="4114800" cy="2297604"/>
+            </a:xfrm>
+            <a:prstGeom prst="rect">
+              <a:avLst/>
+            </a:prstGeom>
+          </p:spPr>
+        </p:pic>
+        <p:pic>
+          <p:nvPicPr>
+            <p:cNvPr id="60" name="図 59">
+              <a:extLst>
+                <a:ext uri="{FF2B5EF4-FFF2-40B4-BE49-F238E27FC236}">
+                  <a16:creationId xmlns:a16="http://schemas.microsoft.com/office/drawing/2014/main" id="{C073BE13-F5FE-49B9-AB38-2FDE0BC60015}"/>
+                </a:ext>
+              </a:extLst>
+            </p:cNvPr>
+            <p:cNvPicPr>
+              <a:picLocks noChangeAspect="1"/>
+            </p:cNvPicPr>
+            <p:nvPr/>
+          </p:nvPicPr>
+          <p:blipFill>
+            <a:blip r:embed="rId3">
+              <a:extLst>
+                <a:ext uri="{28A0092B-C50C-407E-A947-70E740481C1C}">
+                  <a14:useLocalDpi xmlns:a14="http://schemas.microsoft.com/office/drawing/2010/main" val="0"/>
+                </a:ext>
+              </a:extLst>
+            </a:blip>
+            <a:stretch>
+              <a:fillRect/>
+            </a:stretch>
+          </p:blipFill>
+          <p:spPr>
+            <a:xfrm>
+              <a:off x="296331" y="4274084"/>
+              <a:ext cx="406402" cy="406402"/>
+            </a:xfrm>
+            <a:prstGeom prst="rect">
+              <a:avLst/>
+            </a:prstGeom>
+          </p:spPr>
+        </p:pic>
+        <p:pic>
+          <p:nvPicPr>
+            <p:cNvPr id="61" name="図 60">
+              <a:extLst>
+                <a:ext uri="{FF2B5EF4-FFF2-40B4-BE49-F238E27FC236}">
+                  <a16:creationId xmlns:a16="http://schemas.microsoft.com/office/drawing/2014/main" id="{104476A8-2722-4859-8376-6BC41C3C98FB}"/>
+                </a:ext>
+              </a:extLst>
+            </p:cNvPr>
+            <p:cNvPicPr>
+              <a:picLocks noChangeAspect="1"/>
+            </p:cNvPicPr>
+            <p:nvPr/>
+          </p:nvPicPr>
+          <p:blipFill>
+            <a:blip r:embed="rId4">
+              <a:extLst>
+                <a:ext uri="{28A0092B-C50C-407E-A947-70E740481C1C}">
+                  <a14:useLocalDpi xmlns:a14="http://schemas.microsoft.com/office/drawing/2010/main" val="0"/>
+                </a:ext>
+              </a:extLst>
+            </a:blip>
+            <a:stretch>
+              <a:fillRect/>
+            </a:stretch>
+          </p:blipFill>
+          <p:spPr>
+            <a:xfrm>
+              <a:off x="350836" y="4584467"/>
+              <a:ext cx="267667" cy="267667"/>
+            </a:xfrm>
+            <a:prstGeom prst="rect">
+              <a:avLst/>
+            </a:prstGeom>
+          </p:spPr>
+        </p:pic>
+        <p:pic>
+          <p:nvPicPr>
+            <p:cNvPr id="62" name="図 61">
+              <a:extLst>
+                <a:ext uri="{FF2B5EF4-FFF2-40B4-BE49-F238E27FC236}">
+                  <a16:creationId xmlns:a16="http://schemas.microsoft.com/office/drawing/2014/main" id="{E02F9C4F-E9B8-4570-AB06-52747120429D}"/>
+                </a:ext>
+              </a:extLst>
+            </p:cNvPr>
+            <p:cNvPicPr>
+              <a:picLocks noChangeAspect="1"/>
+            </p:cNvPicPr>
+            <p:nvPr/>
+          </p:nvPicPr>
+          <p:blipFill>
+            <a:blip r:embed="rId3">
+              <a:extLst>
+                <a:ext uri="{28A0092B-C50C-407E-A947-70E740481C1C}">
+                  <a14:useLocalDpi xmlns:a14="http://schemas.microsoft.com/office/drawing/2010/main" val="0"/>
+                </a:ext>
+              </a:extLst>
+            </a:blip>
+            <a:stretch>
+              <a:fillRect/>
+            </a:stretch>
+          </p:blipFill>
+          <p:spPr>
+            <a:xfrm>
+              <a:off x="546006" y="4274084"/>
+              <a:ext cx="406402" cy="406402"/>
+            </a:xfrm>
+            <a:prstGeom prst="rect">
+              <a:avLst/>
+            </a:prstGeom>
+          </p:spPr>
+        </p:pic>
+        <p:pic>
+          <p:nvPicPr>
+            <p:cNvPr id="63" name="図 62">
+              <a:extLst>
+                <a:ext uri="{FF2B5EF4-FFF2-40B4-BE49-F238E27FC236}">
+                  <a16:creationId xmlns:a16="http://schemas.microsoft.com/office/drawing/2014/main" id="{0A57B13B-695E-4B38-8775-32D3BF7ECC61}"/>
+                </a:ext>
+              </a:extLst>
+            </p:cNvPr>
+            <p:cNvPicPr>
+              <a:picLocks noChangeAspect="1"/>
+            </p:cNvPicPr>
+            <p:nvPr/>
+          </p:nvPicPr>
+          <p:blipFill>
+            <a:blip r:embed="rId3">
+              <a:extLst>
+                <a:ext uri="{28A0092B-C50C-407E-A947-70E740481C1C}">
+                  <a14:useLocalDpi xmlns:a14="http://schemas.microsoft.com/office/drawing/2010/main" val="0"/>
+                </a:ext>
+              </a:extLst>
+            </a:blip>
+            <a:stretch>
+              <a:fillRect/>
+            </a:stretch>
+          </p:blipFill>
+          <p:spPr>
+            <a:xfrm>
+              <a:off x="795681" y="4274084"/>
+              <a:ext cx="406402" cy="406402"/>
+            </a:xfrm>
+            <a:prstGeom prst="rect">
+              <a:avLst/>
+            </a:prstGeom>
+          </p:spPr>
+        </p:pic>
+        <p:sp>
+          <p:nvSpPr>
+            <p:cNvPr id="64" name="テキスト ボックス 63">
+              <a:extLst>
+                <a:ext uri="{FF2B5EF4-FFF2-40B4-BE49-F238E27FC236}">
+                  <a16:creationId xmlns:a16="http://schemas.microsoft.com/office/drawing/2014/main" id="{211FD714-6B86-449E-BF09-C264EE0AA5D5}"/>
+                </a:ext>
+              </a:extLst>
+            </p:cNvPr>
+            <p:cNvSpPr txBox="1"/>
+            <p:nvPr/>
+          </p:nvSpPr>
+          <p:spPr>
+            <a:xfrm>
+              <a:off x="489340" y="4596680"/>
+              <a:ext cx="498613" cy="261610"/>
+            </a:xfrm>
+            <a:prstGeom prst="rect">
+              <a:avLst/>
+            </a:prstGeom>
+            <a:noFill/>
+            <a:ln>
+              <a:noFill/>
+            </a:ln>
+          </p:spPr>
+          <p:txBody>
+            <a:bodyPr wrap="square" rtlCol="0">
+              <a:spAutoFit/>
+            </a:bodyPr>
+            <a:lstStyle/>
+            <a:p>
+              <a:r>
+                <a:rPr kumimoji="1" lang="en-US" altLang="ja-JP" sz="1100" b="1" dirty="0">
+                  <a:latin typeface="+mn-ea"/>
+                </a:rPr>
+                <a:t>×30</a:t>
+              </a:r>
+              <a:endParaRPr kumimoji="1" lang="ja-JP" altLang="en-US" sz="1100" b="1" dirty="0">
+                <a:latin typeface="+mn-ea"/>
+              </a:endParaRPr>
+            </a:p>
+          </p:txBody>
+        </p:sp>
+        <p:sp>
+          <p:nvSpPr>
+            <p:cNvPr id="65" name="四角形: 角を丸くする 64">
+              <a:extLst>
+                <a:ext uri="{FF2B5EF4-FFF2-40B4-BE49-F238E27FC236}">
+                  <a16:creationId xmlns:a16="http://schemas.microsoft.com/office/drawing/2014/main" id="{F45A4349-8912-4644-BD50-B1A2B4B57E7B}"/>
+                </a:ext>
+              </a:extLst>
+            </p:cNvPr>
+            <p:cNvSpPr/>
+            <p:nvPr/>
+          </p:nvSpPr>
+          <p:spPr>
+            <a:xfrm>
+              <a:off x="442196" y="6419007"/>
+              <a:ext cx="135515" cy="135515"/>
+            </a:xfrm>
+            <a:prstGeom prst="roundRect">
+              <a:avLst/>
+            </a:prstGeom>
+            <a:noFill/>
+            <a:ln w="12700">
+              <a:solidFill>
+                <a:schemeClr val="bg1"/>
+              </a:solidFill>
+            </a:ln>
+          </p:spPr>
+          <p:style>
+            <a:lnRef idx="2">
+              <a:schemeClr val="accent1">
+                <a:shade val="50000"/>
+              </a:schemeClr>
+            </a:lnRef>
+            <a:fillRef idx="1">
+              <a:schemeClr val="accent1"/>
+            </a:fillRef>
+            <a:effectRef idx="0">
+              <a:schemeClr val="accent1"/>
+            </a:effectRef>
+            <a:fontRef idx="minor">
+              <a:schemeClr val="lt1"/>
+            </a:fontRef>
+          </p:style>
+          <p:txBody>
+            <a:bodyPr rtlCol="0" anchor="ctr"/>
+            <a:lstStyle/>
+            <a:p>
+              <a:pPr algn="ctr"/>
+              <a:endParaRPr kumimoji="1" lang="ja-JP" altLang="en-US"/>
+            </a:p>
+          </p:txBody>
+        </p:sp>
+        <p:sp>
+          <p:nvSpPr>
+            <p:cNvPr id="66" name="テキスト ボックス 65">
+              <a:extLst>
+                <a:ext uri="{FF2B5EF4-FFF2-40B4-BE49-F238E27FC236}">
+                  <a16:creationId xmlns:a16="http://schemas.microsoft.com/office/drawing/2014/main" id="{28110783-18B9-4C6F-9A64-DD856B3664C8}"/>
+                </a:ext>
+              </a:extLst>
+            </p:cNvPr>
+            <p:cNvSpPr txBox="1"/>
+            <p:nvPr/>
+          </p:nvSpPr>
+          <p:spPr>
+            <a:xfrm>
+              <a:off x="359118" y="6402125"/>
+              <a:ext cx="375320" cy="169277"/>
+            </a:xfrm>
+            <a:prstGeom prst="rect">
+              <a:avLst/>
+            </a:prstGeom>
+            <a:noFill/>
+          </p:spPr>
+          <p:txBody>
+            <a:bodyPr wrap="square" rtlCol="0">
+              <a:spAutoFit/>
+            </a:bodyPr>
+            <a:lstStyle/>
+            <a:p>
+              <a:r>
+                <a:rPr kumimoji="1" lang="en-US" altLang="ja-JP" sz="500" b="1" dirty="0">
+                  <a:solidFill>
+                    <a:schemeClr val="bg1"/>
+                  </a:solidFill>
+                  <a:latin typeface="+mn-ea"/>
+                </a:rPr>
+                <a:t>ESC</a:t>
+              </a:r>
+              <a:endParaRPr kumimoji="1" lang="ja-JP" altLang="en-US" sz="500" b="1" dirty="0">
+                <a:solidFill>
+                  <a:schemeClr val="bg1"/>
+                </a:solidFill>
+                <a:latin typeface="+mn-ea"/>
+              </a:endParaRPr>
+            </a:p>
+          </p:txBody>
+        </p:sp>
+        <p:sp>
+          <p:nvSpPr>
+            <p:cNvPr id="67" name="テキスト ボックス 66">
+              <a:extLst>
+                <a:ext uri="{FF2B5EF4-FFF2-40B4-BE49-F238E27FC236}">
+                  <a16:creationId xmlns:a16="http://schemas.microsoft.com/office/drawing/2014/main" id="{2309103C-72FD-4026-8EC1-6E891A104154}"/>
+                </a:ext>
+              </a:extLst>
+            </p:cNvPr>
+            <p:cNvSpPr txBox="1"/>
+            <p:nvPr/>
+          </p:nvSpPr>
+          <p:spPr>
+            <a:xfrm>
+              <a:off x="495573" y="6385191"/>
+              <a:ext cx="683828" cy="215444"/>
+            </a:xfrm>
+            <a:prstGeom prst="rect">
+              <a:avLst/>
+            </a:prstGeom>
+            <a:noFill/>
+          </p:spPr>
+          <p:txBody>
+            <a:bodyPr wrap="square" rtlCol="0">
+              <a:spAutoFit/>
+            </a:bodyPr>
+            <a:lstStyle/>
+            <a:p>
+              <a:r>
+                <a:rPr kumimoji="1" lang="ja-JP" altLang="en-US" sz="800" b="1" dirty="0">
+                  <a:solidFill>
+                    <a:schemeClr val="bg1"/>
+                  </a:solidFill>
+                  <a:latin typeface="+mn-ea"/>
+                </a:rPr>
+                <a:t>：中断</a:t>
+              </a:r>
+            </a:p>
+          </p:txBody>
+        </p:sp>
+      </p:grpSp>
+      <p:sp>
+        <p:nvSpPr>
+          <p:cNvPr id="2" name="テキスト ボックス 1">
+            <a:extLst>
+              <a:ext uri="{FF2B5EF4-FFF2-40B4-BE49-F238E27FC236}">
+                <a16:creationId xmlns:a16="http://schemas.microsoft.com/office/drawing/2014/main" id="{88868942-708A-42C7-9B7F-61B4024D5937}"/>
+              </a:ext>
+            </a:extLst>
+          </p:cNvPr>
+          <p:cNvSpPr txBox="1"/>
+          <p:nvPr/>
+        </p:nvSpPr>
+        <p:spPr>
+          <a:xfrm>
+            <a:off x="185294" y="1012985"/>
+            <a:ext cx="8108310" cy="1021370"/>
+          </a:xfrm>
+          <a:prstGeom prst="rect">
+            <a:avLst/>
+          </a:prstGeom>
+          <a:noFill/>
+        </p:spPr>
+        <p:txBody>
+          <a:bodyPr wrap="none" rtlCol="0">
+            <a:spAutoFit/>
+          </a:bodyPr>
+          <a:lstStyle/>
+          <a:p>
+            <a:pPr>
+              <a:lnSpc>
+                <a:spcPts val="2500"/>
+              </a:lnSpc>
+            </a:pPr>
+            <a:r>
+              <a:rPr kumimoji="1" lang="ja-JP" altLang="en-US" sz="1400" b="1" dirty="0"/>
+              <a:t>コイン</a:t>
+            </a:r>
+            <a:r>
+              <a:rPr kumimoji="1" lang="en-US" altLang="ja-JP" sz="1400" b="1" dirty="0"/>
+              <a:t>(</a:t>
+            </a:r>
+            <a:r>
+              <a:rPr kumimoji="1" lang="ja-JP" altLang="en-US" sz="1400" b="1" dirty="0"/>
+              <a:t>ボタン</a:t>
+            </a:r>
+            <a:r>
+              <a:rPr kumimoji="1" lang="en-US" altLang="ja-JP" sz="1400" b="1" dirty="0"/>
+              <a:t>)</a:t>
+            </a:r>
+            <a:r>
+              <a:rPr kumimoji="1" lang="ja-JP" altLang="en-US" sz="1400" b="1" dirty="0"/>
+              <a:t>：コイン</a:t>
+            </a:r>
+            <a:r>
+              <a:rPr kumimoji="1" lang="en-US" altLang="ja-JP" sz="1400" b="1" dirty="0"/>
+              <a:t>(</a:t>
+            </a:r>
+            <a:r>
+              <a:rPr kumimoji="1" lang="ja-JP" altLang="en-US" sz="1400" b="1" dirty="0"/>
+              <a:t>ボタン</a:t>
+            </a:r>
+            <a:r>
+              <a:rPr kumimoji="1" lang="en-US" altLang="ja-JP" sz="1400" b="1" dirty="0"/>
+              <a:t>)</a:t>
+            </a:r>
+            <a:r>
+              <a:rPr kumimoji="1" lang="ja-JP" altLang="en-US" sz="1400" b="1" dirty="0"/>
+              <a:t>接触時に獲得できる</a:t>
+            </a:r>
+            <a:endParaRPr kumimoji="1" lang="en-US" altLang="ja-JP" sz="1400" b="1" dirty="0"/>
+          </a:p>
+          <a:p>
+            <a:pPr>
+              <a:lnSpc>
+                <a:spcPts val="2500"/>
+              </a:lnSpc>
+            </a:pPr>
+            <a:r>
+              <a:rPr kumimoji="1" lang="ja-JP" altLang="en-US" sz="1400" b="1" dirty="0"/>
+              <a:t>一定数集めるとステージのどこかにあるコイン交換所でライフと交換できる</a:t>
+            </a:r>
+            <a:r>
+              <a:rPr kumimoji="1" lang="en-US" altLang="ja-JP" sz="1400" b="1" dirty="0"/>
+              <a:t>(</a:t>
+            </a:r>
+            <a:r>
+              <a:rPr kumimoji="1" lang="ja-JP" altLang="en-US" sz="1400" b="1" dirty="0"/>
+              <a:t>ステージごとに</a:t>
+            </a:r>
+            <a:r>
+              <a:rPr kumimoji="1" lang="en-US" altLang="ja-JP" sz="1400" b="1" dirty="0"/>
+              <a:t>1</a:t>
+            </a:r>
+            <a:r>
+              <a:rPr kumimoji="1" lang="ja-JP" altLang="en-US" sz="1400" b="1" dirty="0"/>
+              <a:t>か所</a:t>
+            </a:r>
+            <a:r>
+              <a:rPr kumimoji="1" lang="en-US" altLang="ja-JP" sz="1400" b="1" dirty="0"/>
+              <a:t>)</a:t>
+            </a:r>
+          </a:p>
+          <a:p>
+            <a:pPr>
+              <a:lnSpc>
+                <a:spcPts val="2500"/>
+              </a:lnSpc>
+            </a:pPr>
+            <a:r>
+              <a:rPr kumimoji="1" lang="ja-JP" altLang="en-US" sz="1400" b="1" dirty="0"/>
+              <a:t>コイン交換所キャラクリックで話しかける</a:t>
+            </a:r>
+          </a:p>
+        </p:txBody>
+      </p:sp>
+      <p:sp>
+        <p:nvSpPr>
+          <p:cNvPr id="68" name="テキスト ボックス 67">
+            <a:extLst>
+              <a:ext uri="{FF2B5EF4-FFF2-40B4-BE49-F238E27FC236}">
+                <a16:creationId xmlns:a16="http://schemas.microsoft.com/office/drawing/2014/main" id="{DE3D7580-A7D2-4992-8381-FA5AC41596D9}"/>
+              </a:ext>
+            </a:extLst>
+          </p:cNvPr>
+          <p:cNvSpPr txBox="1"/>
+          <p:nvPr/>
+        </p:nvSpPr>
+        <p:spPr>
+          <a:xfrm>
+            <a:off x="1813206" y="4015109"/>
+            <a:ext cx="858977" cy="261610"/>
+          </a:xfrm>
+          <a:prstGeom prst="rect">
+            <a:avLst/>
+          </a:prstGeom>
+          <a:noFill/>
+          <a:ln>
+            <a:noFill/>
+          </a:ln>
+        </p:spPr>
+        <p:txBody>
+          <a:bodyPr wrap="square" rtlCol="0">
+            <a:spAutoFit/>
+          </a:bodyPr>
+          <a:lstStyle/>
+          <a:p>
+            <a:r>
+              <a:rPr kumimoji="1" lang="en-US" altLang="ja-JP" sz="1100" b="1" dirty="0">
+                <a:latin typeface="+mn-ea"/>
+              </a:rPr>
+              <a:t>STAGE</a:t>
+            </a:r>
+            <a:r>
+              <a:rPr kumimoji="1" lang="ja-JP" altLang="en-US" sz="1100" b="1" dirty="0">
+                <a:latin typeface="+mn-ea"/>
+              </a:rPr>
+              <a:t>１</a:t>
+            </a:r>
+          </a:p>
+        </p:txBody>
+      </p:sp>
+      <p:sp>
+        <p:nvSpPr>
+          <p:cNvPr id="15" name="矢印: 右 14">
+            <a:extLst>
+              <a:ext uri="{FF2B5EF4-FFF2-40B4-BE49-F238E27FC236}">
+                <a16:creationId xmlns:a16="http://schemas.microsoft.com/office/drawing/2014/main" id="{2656FBDC-AE53-4DE9-9670-BEFFE46F7840}"/>
+              </a:ext>
+            </a:extLst>
+          </p:cNvPr>
+          <p:cNvSpPr/>
+          <p:nvPr/>
+        </p:nvSpPr>
+        <p:spPr>
+          <a:xfrm>
+            <a:off x="4460966" y="4619259"/>
+            <a:ext cx="922868" cy="882630"/>
+          </a:xfrm>
+          <a:prstGeom prst="rightArrow">
+            <a:avLst/>
+          </a:prstGeom>
+          <a:solidFill>
+            <a:schemeClr val="accent1">
+              <a:lumMod val="60000"/>
+              <a:lumOff val="40000"/>
+            </a:schemeClr>
+          </a:solidFill>
+          <a:ln>
+            <a:noFill/>
+          </a:ln>
+        </p:spPr>
+        <p:style>
+          <a:lnRef idx="2">
+            <a:schemeClr val="accent1">
+              <a:shade val="50000"/>
+            </a:schemeClr>
+          </a:lnRef>
+          <a:fillRef idx="1">
+            <a:schemeClr val="accent1"/>
+          </a:fillRef>
+          <a:effectRef idx="0">
+            <a:schemeClr val="accent1"/>
+          </a:effectRef>
+          <a:fontRef idx="minor">
+            <a:schemeClr val="lt1"/>
+          </a:fontRef>
+        </p:style>
+        <p:txBody>
+          <a:bodyPr rtlCol="0" anchor="ctr"/>
+          <a:lstStyle/>
+          <a:p>
+            <a:pPr algn="ctr"/>
+            <a:endParaRPr kumimoji="1" lang="ja-JP" altLang="en-US"/>
+          </a:p>
+        </p:txBody>
+      </p:sp>
+      <p:sp>
+        <p:nvSpPr>
+          <p:cNvPr id="70" name="テキスト ボックス 69">
+            <a:extLst>
+              <a:ext uri="{FF2B5EF4-FFF2-40B4-BE49-F238E27FC236}">
+                <a16:creationId xmlns:a16="http://schemas.microsoft.com/office/drawing/2014/main" id="{E18C0C3A-F951-4AF4-B78E-F2CBD59BB214}"/>
+              </a:ext>
+            </a:extLst>
+          </p:cNvPr>
+          <p:cNvSpPr txBox="1"/>
+          <p:nvPr/>
+        </p:nvSpPr>
+        <p:spPr>
+          <a:xfrm>
+            <a:off x="4519559" y="4253554"/>
+            <a:ext cx="607859" cy="275781"/>
+          </a:xfrm>
+          <a:prstGeom prst="rect">
+            <a:avLst/>
+          </a:prstGeom>
+          <a:noFill/>
+        </p:spPr>
+        <p:txBody>
+          <a:bodyPr wrap="none" rtlCol="0">
+            <a:spAutoFit/>
+          </a:bodyPr>
+          <a:lstStyle/>
+          <a:p>
+            <a:pPr>
+              <a:lnSpc>
+                <a:spcPts val="1500"/>
+              </a:lnSpc>
+            </a:pPr>
+            <a:r>
+              <a:rPr kumimoji="1" lang="ja-JP" altLang="en-US" sz="1100" dirty="0"/>
+              <a:t>交換後</a:t>
+            </a:r>
+          </a:p>
+        </p:txBody>
+      </p:sp>
+      <p:grpSp>
+        <p:nvGrpSpPr>
+          <p:cNvPr id="71" name="グループ化 70">
+            <a:extLst>
+              <a:ext uri="{FF2B5EF4-FFF2-40B4-BE49-F238E27FC236}">
+                <a16:creationId xmlns:a16="http://schemas.microsoft.com/office/drawing/2014/main" id="{C3FCDB55-8776-40D4-869E-2A70E6981E00}"/>
+              </a:ext>
+            </a:extLst>
+          </p:cNvPr>
+          <p:cNvGrpSpPr/>
+          <p:nvPr/>
+        </p:nvGrpSpPr>
+        <p:grpSpPr>
+          <a:xfrm>
+            <a:off x="5418891" y="3930958"/>
+            <a:ext cx="4114800" cy="2335419"/>
+            <a:chOff x="296331" y="4274084"/>
+            <a:chExt cx="4114800" cy="2335419"/>
+          </a:xfrm>
+        </p:grpSpPr>
+        <p:pic>
+          <p:nvPicPr>
+            <p:cNvPr id="72" name="図 71">
+              <a:extLst>
+                <a:ext uri="{FF2B5EF4-FFF2-40B4-BE49-F238E27FC236}">
+                  <a16:creationId xmlns:a16="http://schemas.microsoft.com/office/drawing/2014/main" id="{76F7865D-7E80-4D84-BDEF-8359FF4EB9FE}"/>
+                </a:ext>
+              </a:extLst>
+            </p:cNvPr>
+            <p:cNvPicPr>
+              <a:picLocks noChangeAspect="1"/>
+            </p:cNvPicPr>
+            <p:nvPr/>
+          </p:nvPicPr>
+          <p:blipFill>
+            <a:blip r:embed="rId2">
+              <a:extLst>
+                <a:ext uri="{28A0092B-C50C-407E-A947-70E740481C1C}">
+                  <a14:useLocalDpi xmlns:a14="http://schemas.microsoft.com/office/drawing/2010/main" val="0"/>
+                </a:ext>
+              </a:extLst>
+            </a:blip>
+            <a:stretch>
+              <a:fillRect/>
+            </a:stretch>
+          </p:blipFill>
+          <p:spPr>
+            <a:xfrm>
+              <a:off x="296331" y="4311899"/>
+              <a:ext cx="4114800" cy="2297604"/>
+            </a:xfrm>
+            <a:prstGeom prst="rect">
+              <a:avLst/>
+            </a:prstGeom>
+          </p:spPr>
+        </p:pic>
+        <p:pic>
+          <p:nvPicPr>
+            <p:cNvPr id="73" name="図 72">
+              <a:extLst>
+                <a:ext uri="{FF2B5EF4-FFF2-40B4-BE49-F238E27FC236}">
+                  <a16:creationId xmlns:a16="http://schemas.microsoft.com/office/drawing/2014/main" id="{56E2BD77-3663-498D-B72F-884EA99CF952}"/>
+                </a:ext>
+              </a:extLst>
+            </p:cNvPr>
+            <p:cNvPicPr>
+              <a:picLocks noChangeAspect="1"/>
+            </p:cNvPicPr>
+            <p:nvPr/>
+          </p:nvPicPr>
+          <p:blipFill>
+            <a:blip r:embed="rId3">
+              <a:extLst>
+                <a:ext uri="{28A0092B-C50C-407E-A947-70E740481C1C}">
+                  <a14:useLocalDpi xmlns:a14="http://schemas.microsoft.com/office/drawing/2010/main" val="0"/>
+                </a:ext>
+              </a:extLst>
+            </a:blip>
+            <a:stretch>
+              <a:fillRect/>
+            </a:stretch>
+          </p:blipFill>
+          <p:spPr>
+            <a:xfrm>
+              <a:off x="296331" y="4274084"/>
+              <a:ext cx="406402" cy="406402"/>
+            </a:xfrm>
+            <a:prstGeom prst="rect">
+              <a:avLst/>
+            </a:prstGeom>
+          </p:spPr>
+        </p:pic>
+        <p:pic>
+          <p:nvPicPr>
+            <p:cNvPr id="74" name="図 73">
+              <a:extLst>
+                <a:ext uri="{FF2B5EF4-FFF2-40B4-BE49-F238E27FC236}">
+                  <a16:creationId xmlns:a16="http://schemas.microsoft.com/office/drawing/2014/main" id="{20798C0C-B853-44DE-B6B1-B3D8DCFA73DD}"/>
+                </a:ext>
+              </a:extLst>
+            </p:cNvPr>
+            <p:cNvPicPr>
+              <a:picLocks noChangeAspect="1"/>
+            </p:cNvPicPr>
+            <p:nvPr/>
+          </p:nvPicPr>
+          <p:blipFill>
+            <a:blip r:embed="rId4">
+              <a:extLst>
+                <a:ext uri="{28A0092B-C50C-407E-A947-70E740481C1C}">
+                  <a14:useLocalDpi xmlns:a14="http://schemas.microsoft.com/office/drawing/2010/main" val="0"/>
+                </a:ext>
+              </a:extLst>
+            </a:blip>
+            <a:stretch>
+              <a:fillRect/>
+            </a:stretch>
+          </p:blipFill>
+          <p:spPr>
+            <a:xfrm>
+              <a:off x="350836" y="4584467"/>
+              <a:ext cx="267667" cy="267667"/>
+            </a:xfrm>
+            <a:prstGeom prst="rect">
+              <a:avLst/>
+            </a:prstGeom>
+          </p:spPr>
+        </p:pic>
+        <p:pic>
+          <p:nvPicPr>
+            <p:cNvPr id="75" name="図 74">
+              <a:extLst>
+                <a:ext uri="{FF2B5EF4-FFF2-40B4-BE49-F238E27FC236}">
+                  <a16:creationId xmlns:a16="http://schemas.microsoft.com/office/drawing/2014/main" id="{A25256AE-1A4E-4ED5-9A36-3B65DBA8B0DA}"/>
+                </a:ext>
+              </a:extLst>
+            </p:cNvPr>
+            <p:cNvPicPr>
+              <a:picLocks noChangeAspect="1"/>
+            </p:cNvPicPr>
+            <p:nvPr/>
+          </p:nvPicPr>
+          <p:blipFill>
+            <a:blip r:embed="rId3">
+              <a:extLst>
+                <a:ext uri="{28A0092B-C50C-407E-A947-70E740481C1C}">
+                  <a14:useLocalDpi xmlns:a14="http://schemas.microsoft.com/office/drawing/2010/main" val="0"/>
+                </a:ext>
+              </a:extLst>
+            </a:blip>
+            <a:stretch>
+              <a:fillRect/>
+            </a:stretch>
+          </p:blipFill>
+          <p:spPr>
+            <a:xfrm>
+              <a:off x="546006" y="4274084"/>
+              <a:ext cx="406402" cy="406402"/>
+            </a:xfrm>
+            <a:prstGeom prst="rect">
+              <a:avLst/>
+            </a:prstGeom>
+          </p:spPr>
+        </p:pic>
+        <p:pic>
+          <p:nvPicPr>
+            <p:cNvPr id="76" name="図 75">
+              <a:extLst>
+                <a:ext uri="{FF2B5EF4-FFF2-40B4-BE49-F238E27FC236}">
+                  <a16:creationId xmlns:a16="http://schemas.microsoft.com/office/drawing/2014/main" id="{236522D2-D608-4A49-AC6F-51F7B09DB4F2}"/>
+                </a:ext>
+              </a:extLst>
+            </p:cNvPr>
+            <p:cNvPicPr>
+              <a:picLocks noChangeAspect="1"/>
+            </p:cNvPicPr>
+            <p:nvPr/>
+          </p:nvPicPr>
+          <p:blipFill>
+            <a:blip r:embed="rId3">
+              <a:extLst>
+                <a:ext uri="{28A0092B-C50C-407E-A947-70E740481C1C}">
+                  <a14:useLocalDpi xmlns:a14="http://schemas.microsoft.com/office/drawing/2010/main" val="0"/>
+                </a:ext>
+              </a:extLst>
+            </a:blip>
+            <a:stretch>
+              <a:fillRect/>
+            </a:stretch>
+          </p:blipFill>
+          <p:spPr>
+            <a:xfrm>
+              <a:off x="795681" y="4274084"/>
+              <a:ext cx="406402" cy="406402"/>
+            </a:xfrm>
+            <a:prstGeom prst="rect">
+              <a:avLst/>
+            </a:prstGeom>
+          </p:spPr>
+        </p:pic>
+        <p:sp>
+          <p:nvSpPr>
+            <p:cNvPr id="77" name="テキスト ボックス 76">
+              <a:extLst>
+                <a:ext uri="{FF2B5EF4-FFF2-40B4-BE49-F238E27FC236}">
+                  <a16:creationId xmlns:a16="http://schemas.microsoft.com/office/drawing/2014/main" id="{8677F5EF-678B-4353-82AA-0F12CA72F52F}"/>
+                </a:ext>
+              </a:extLst>
+            </p:cNvPr>
+            <p:cNvSpPr txBox="1"/>
+            <p:nvPr/>
+          </p:nvSpPr>
+          <p:spPr>
+            <a:xfrm>
+              <a:off x="489341" y="4596680"/>
+              <a:ext cx="452870" cy="261610"/>
+            </a:xfrm>
+            <a:prstGeom prst="rect">
+              <a:avLst/>
+            </a:prstGeom>
+            <a:noFill/>
+            <a:ln>
+              <a:noFill/>
+            </a:ln>
+          </p:spPr>
+          <p:txBody>
+            <a:bodyPr wrap="square" rtlCol="0">
+              <a:spAutoFit/>
+            </a:bodyPr>
+            <a:lstStyle/>
+            <a:p>
+              <a:r>
+                <a:rPr kumimoji="1" lang="en-US" altLang="ja-JP" sz="1100" b="1" dirty="0">
+                  <a:latin typeface="+mn-ea"/>
+                </a:rPr>
+                <a:t>×0</a:t>
+              </a:r>
+              <a:endParaRPr kumimoji="1" lang="ja-JP" altLang="en-US" sz="1100" b="1" dirty="0">
+                <a:latin typeface="+mn-ea"/>
+              </a:endParaRPr>
+            </a:p>
+          </p:txBody>
+        </p:sp>
+        <p:sp>
+          <p:nvSpPr>
+            <p:cNvPr id="78" name="四角形: 角を丸くする 77">
+              <a:extLst>
+                <a:ext uri="{FF2B5EF4-FFF2-40B4-BE49-F238E27FC236}">
+                  <a16:creationId xmlns:a16="http://schemas.microsoft.com/office/drawing/2014/main" id="{F990BB48-FAF9-429A-AC58-2378E0E3E930}"/>
+                </a:ext>
+              </a:extLst>
+            </p:cNvPr>
+            <p:cNvSpPr/>
+            <p:nvPr/>
+          </p:nvSpPr>
+          <p:spPr>
+            <a:xfrm>
+              <a:off x="442196" y="6419007"/>
+              <a:ext cx="135515" cy="135515"/>
+            </a:xfrm>
+            <a:prstGeom prst="roundRect">
+              <a:avLst/>
+            </a:prstGeom>
+            <a:noFill/>
+            <a:ln w="12700">
+              <a:solidFill>
+                <a:schemeClr val="bg1"/>
+              </a:solidFill>
+            </a:ln>
+          </p:spPr>
+          <p:style>
+            <a:lnRef idx="2">
+              <a:schemeClr val="accent1">
+                <a:shade val="50000"/>
+              </a:schemeClr>
+            </a:lnRef>
+            <a:fillRef idx="1">
+              <a:schemeClr val="accent1"/>
+            </a:fillRef>
+            <a:effectRef idx="0">
+              <a:schemeClr val="accent1"/>
+            </a:effectRef>
+            <a:fontRef idx="minor">
+              <a:schemeClr val="lt1"/>
+            </a:fontRef>
+          </p:style>
+          <p:txBody>
+            <a:bodyPr rtlCol="0" anchor="ctr"/>
+            <a:lstStyle/>
+            <a:p>
+              <a:pPr algn="ctr"/>
+              <a:endParaRPr kumimoji="1" lang="ja-JP" altLang="en-US"/>
+            </a:p>
+          </p:txBody>
+        </p:sp>
+        <p:sp>
+          <p:nvSpPr>
+            <p:cNvPr id="79" name="テキスト ボックス 78">
+              <a:extLst>
+                <a:ext uri="{FF2B5EF4-FFF2-40B4-BE49-F238E27FC236}">
+                  <a16:creationId xmlns:a16="http://schemas.microsoft.com/office/drawing/2014/main" id="{D10EEBA1-44F0-4D48-82CF-936A81E69E32}"/>
+                </a:ext>
+              </a:extLst>
+            </p:cNvPr>
+            <p:cNvSpPr txBox="1"/>
+            <p:nvPr/>
+          </p:nvSpPr>
+          <p:spPr>
+            <a:xfrm>
+              <a:off x="359118" y="6402125"/>
+              <a:ext cx="375320" cy="169277"/>
+            </a:xfrm>
+            <a:prstGeom prst="rect">
+              <a:avLst/>
+            </a:prstGeom>
+            <a:noFill/>
+          </p:spPr>
+          <p:txBody>
+            <a:bodyPr wrap="square" rtlCol="0">
+              <a:spAutoFit/>
+            </a:bodyPr>
+            <a:lstStyle/>
+            <a:p>
+              <a:r>
+                <a:rPr kumimoji="1" lang="en-US" altLang="ja-JP" sz="500" b="1" dirty="0">
+                  <a:solidFill>
+                    <a:schemeClr val="bg1"/>
+                  </a:solidFill>
+                  <a:latin typeface="+mn-ea"/>
+                </a:rPr>
+                <a:t>ESC</a:t>
+              </a:r>
+              <a:endParaRPr kumimoji="1" lang="ja-JP" altLang="en-US" sz="500" b="1" dirty="0">
+                <a:solidFill>
+                  <a:schemeClr val="bg1"/>
+                </a:solidFill>
+                <a:latin typeface="+mn-ea"/>
+              </a:endParaRPr>
+            </a:p>
+          </p:txBody>
+        </p:sp>
+        <p:sp>
+          <p:nvSpPr>
+            <p:cNvPr id="80" name="テキスト ボックス 79">
+              <a:extLst>
+                <a:ext uri="{FF2B5EF4-FFF2-40B4-BE49-F238E27FC236}">
+                  <a16:creationId xmlns:a16="http://schemas.microsoft.com/office/drawing/2014/main" id="{6756CCA7-9933-4F8C-8B01-401782BBE5A5}"/>
+                </a:ext>
+              </a:extLst>
+            </p:cNvPr>
+            <p:cNvSpPr txBox="1"/>
+            <p:nvPr/>
+          </p:nvSpPr>
+          <p:spPr>
+            <a:xfrm>
+              <a:off x="495573" y="6385191"/>
+              <a:ext cx="683828" cy="215444"/>
+            </a:xfrm>
+            <a:prstGeom prst="rect">
+              <a:avLst/>
+            </a:prstGeom>
+            <a:noFill/>
+          </p:spPr>
+          <p:txBody>
+            <a:bodyPr wrap="square" rtlCol="0">
+              <a:spAutoFit/>
+            </a:bodyPr>
+            <a:lstStyle/>
+            <a:p>
+              <a:r>
+                <a:rPr kumimoji="1" lang="ja-JP" altLang="en-US" sz="800" b="1" dirty="0">
+                  <a:solidFill>
+                    <a:schemeClr val="bg1"/>
+                  </a:solidFill>
+                  <a:latin typeface="+mn-ea"/>
+                </a:rPr>
+                <a:t>：中断</a:t>
+              </a:r>
+            </a:p>
+          </p:txBody>
+        </p:sp>
+      </p:grpSp>
+      <p:sp>
+        <p:nvSpPr>
+          <p:cNvPr id="81" name="テキスト ボックス 80">
+            <a:extLst>
+              <a:ext uri="{FF2B5EF4-FFF2-40B4-BE49-F238E27FC236}">
+                <a16:creationId xmlns:a16="http://schemas.microsoft.com/office/drawing/2014/main" id="{5C121DF9-BE9A-4AA6-A806-81A753F3CCDC}"/>
+              </a:ext>
+            </a:extLst>
+          </p:cNvPr>
+          <p:cNvSpPr txBox="1"/>
+          <p:nvPr/>
+        </p:nvSpPr>
+        <p:spPr>
+          <a:xfrm>
+            <a:off x="7046803" y="4015109"/>
+            <a:ext cx="858977" cy="261610"/>
+          </a:xfrm>
+          <a:prstGeom prst="rect">
+            <a:avLst/>
+          </a:prstGeom>
+          <a:noFill/>
+          <a:ln>
+            <a:noFill/>
+          </a:ln>
+        </p:spPr>
+        <p:txBody>
+          <a:bodyPr wrap="square" rtlCol="0">
+            <a:spAutoFit/>
+          </a:bodyPr>
+          <a:lstStyle/>
+          <a:p>
+            <a:r>
+              <a:rPr kumimoji="1" lang="en-US" altLang="ja-JP" sz="1100" b="1" dirty="0">
+                <a:latin typeface="+mn-ea"/>
+              </a:rPr>
+              <a:t>STAGE</a:t>
+            </a:r>
+            <a:r>
+              <a:rPr kumimoji="1" lang="ja-JP" altLang="en-US" sz="1100" b="1" dirty="0">
+                <a:latin typeface="+mn-ea"/>
+              </a:rPr>
+              <a:t>１</a:t>
+            </a:r>
+          </a:p>
+        </p:txBody>
+      </p:sp>
+      <p:sp>
+        <p:nvSpPr>
+          <p:cNvPr id="49" name="テキスト ボックス 48">
+            <a:extLst>
+              <a:ext uri="{FF2B5EF4-FFF2-40B4-BE49-F238E27FC236}">
+                <a16:creationId xmlns:a16="http://schemas.microsoft.com/office/drawing/2014/main" id="{19A8AEA9-32D9-45BE-B9AE-11E146E3F61C}"/>
+              </a:ext>
+            </a:extLst>
+          </p:cNvPr>
+          <p:cNvSpPr txBox="1"/>
+          <p:nvPr/>
+        </p:nvSpPr>
+        <p:spPr>
+          <a:xfrm>
+            <a:off x="185294" y="2473767"/>
+            <a:ext cx="3348994" cy="699230"/>
+          </a:xfrm>
+          <a:prstGeom prst="rect">
+            <a:avLst/>
+          </a:prstGeom>
+          <a:noFill/>
+        </p:spPr>
+        <p:txBody>
+          <a:bodyPr wrap="none" rtlCol="0">
+            <a:spAutoFit/>
+          </a:bodyPr>
+          <a:lstStyle/>
+          <a:p>
+            <a:pPr>
+              <a:lnSpc>
+                <a:spcPts val="2500"/>
+              </a:lnSpc>
+            </a:pPr>
+            <a:r>
+              <a:rPr kumimoji="1" lang="ja-JP" altLang="en-US" sz="1400" b="1" dirty="0"/>
+              <a:t>・トレードレート</a:t>
+            </a:r>
+            <a:endParaRPr kumimoji="1" lang="en-US" altLang="ja-JP" sz="1400" b="1" dirty="0"/>
+          </a:p>
+          <a:p>
+            <a:pPr>
+              <a:lnSpc>
+                <a:spcPts val="2500"/>
+              </a:lnSpc>
+            </a:pPr>
+            <a:r>
+              <a:rPr kumimoji="1" lang="ja-JP" altLang="en-US" sz="1400" b="1" dirty="0"/>
+              <a:t>コイン</a:t>
+            </a:r>
+            <a:r>
+              <a:rPr kumimoji="1" lang="en-US" altLang="ja-JP" sz="1400" b="1" dirty="0"/>
+              <a:t>(</a:t>
+            </a:r>
+            <a:r>
+              <a:rPr kumimoji="1" lang="ja-JP" altLang="en-US" sz="1400" b="1" dirty="0"/>
+              <a:t>決まり次第記入</a:t>
+            </a:r>
+            <a:r>
+              <a:rPr kumimoji="1" lang="en-US" altLang="ja-JP" sz="1400" b="1" dirty="0"/>
+              <a:t>)</a:t>
+            </a:r>
+            <a:r>
+              <a:rPr kumimoji="1" lang="ja-JP" altLang="en-US" sz="1400" b="1" dirty="0"/>
+              <a:t>個⇔ライフ１個</a:t>
+            </a:r>
+          </a:p>
+        </p:txBody>
+      </p:sp>
+      <p:pic>
+        <p:nvPicPr>
+          <p:cNvPr id="50" name="図 49">
+            <a:extLst>
+              <a:ext uri="{FF2B5EF4-FFF2-40B4-BE49-F238E27FC236}">
+                <a16:creationId xmlns:a16="http://schemas.microsoft.com/office/drawing/2014/main" id="{41C7BB1A-F06B-4345-BFDC-D00D24FB8E6F}"/>
+              </a:ext>
+            </a:extLst>
+          </p:cNvPr>
+          <p:cNvPicPr>
+            <a:picLocks noChangeAspect="1"/>
+          </p:cNvPicPr>
+          <p:nvPr/>
+        </p:nvPicPr>
+        <p:blipFill>
+          <a:blip r:embed="rId3">
+            <a:extLst>
+              <a:ext uri="{28A0092B-C50C-407E-A947-70E740481C1C}">
+                <a14:useLocalDpi xmlns:a14="http://schemas.microsoft.com/office/drawing/2010/main" val="0"/>
+              </a:ext>
+            </a:extLst>
+          </a:blip>
+          <a:stretch>
+            <a:fillRect/>
+          </a:stretch>
+        </p:blipFill>
+        <p:spPr>
+          <a:xfrm>
+            <a:off x="6178801" y="3930958"/>
+            <a:ext cx="406402" cy="406402"/>
+          </a:xfrm>
+          <a:prstGeom prst="rect">
+            <a:avLst/>
+          </a:prstGeom>
+        </p:spPr>
+      </p:pic>
+      <p:pic>
+        <p:nvPicPr>
+          <p:cNvPr id="52" name="図 51">
+            <a:extLst>
+              <a:ext uri="{FF2B5EF4-FFF2-40B4-BE49-F238E27FC236}">
+                <a16:creationId xmlns:a16="http://schemas.microsoft.com/office/drawing/2014/main" id="{3A578337-B95E-4F99-82F3-F458F6B72D82}"/>
+              </a:ext>
+            </a:extLst>
+          </p:cNvPr>
+          <p:cNvPicPr>
+            <a:picLocks noChangeAspect="1"/>
+          </p:cNvPicPr>
+          <p:nvPr/>
+        </p:nvPicPr>
+        <p:blipFill rotWithShape="1">
+          <a:blip r:embed="rId2">
+            <a:extLst>
+              <a:ext uri="{28A0092B-C50C-407E-A947-70E740481C1C}">
+                <a14:useLocalDpi xmlns:a14="http://schemas.microsoft.com/office/drawing/2010/main" val="0"/>
+              </a:ext>
+            </a:extLst>
+          </a:blip>
+          <a:srcRect l="72853" t="69567" r="10673"/>
+          <a:stretch/>
+        </p:blipFill>
+        <p:spPr>
+          <a:xfrm>
+            <a:off x="2523833" y="5567147"/>
+            <a:ext cx="677892" cy="699230"/>
+          </a:xfrm>
+          <a:prstGeom prst="rect">
+            <a:avLst/>
+          </a:prstGeom>
+        </p:spPr>
+      </p:pic>
+      <p:pic>
+        <p:nvPicPr>
+          <p:cNvPr id="53" name="図 52">
+            <a:extLst>
+              <a:ext uri="{FF2B5EF4-FFF2-40B4-BE49-F238E27FC236}">
+                <a16:creationId xmlns:a16="http://schemas.microsoft.com/office/drawing/2014/main" id="{D48E3A91-8114-4DF7-8FC5-7821425BE309}"/>
+              </a:ext>
+            </a:extLst>
+          </p:cNvPr>
+          <p:cNvPicPr>
+            <a:picLocks noChangeAspect="1"/>
+          </p:cNvPicPr>
+          <p:nvPr/>
+        </p:nvPicPr>
+        <p:blipFill rotWithShape="1">
+          <a:blip r:embed="rId2">
+            <a:extLst>
+              <a:ext uri="{28A0092B-C50C-407E-A947-70E740481C1C}">
+                <a14:useLocalDpi xmlns:a14="http://schemas.microsoft.com/office/drawing/2010/main" val="0"/>
+              </a:ext>
+            </a:extLst>
+          </a:blip>
+          <a:srcRect l="72853" t="69567" r="10673"/>
+          <a:stretch/>
+        </p:blipFill>
+        <p:spPr>
+          <a:xfrm>
+            <a:off x="1746319" y="5567147"/>
+            <a:ext cx="777513" cy="699230"/>
+          </a:xfrm>
+          <a:prstGeom prst="rect">
+            <a:avLst/>
+          </a:prstGeom>
+        </p:spPr>
+      </p:pic>
+      <p:pic>
+        <p:nvPicPr>
+          <p:cNvPr id="54" name="図 53">
+            <a:extLst>
+              <a:ext uri="{FF2B5EF4-FFF2-40B4-BE49-F238E27FC236}">
+                <a16:creationId xmlns:a16="http://schemas.microsoft.com/office/drawing/2014/main" id="{F84CB673-6694-4EF8-9A7F-D4A63A4D4F40}"/>
+              </a:ext>
+            </a:extLst>
+          </p:cNvPr>
+          <p:cNvPicPr>
+            <a:picLocks noChangeAspect="1"/>
+          </p:cNvPicPr>
+          <p:nvPr/>
+        </p:nvPicPr>
+        <p:blipFill rotWithShape="1">
+          <a:blip r:embed="rId2">
+            <a:extLst>
+              <a:ext uri="{28A0092B-C50C-407E-A947-70E740481C1C}">
+                <a14:useLocalDpi xmlns:a14="http://schemas.microsoft.com/office/drawing/2010/main" val="0"/>
+              </a:ext>
+            </a:extLst>
+          </a:blip>
+          <a:srcRect l="72853" t="69567" r="10673"/>
+          <a:stretch/>
+        </p:blipFill>
+        <p:spPr>
+          <a:xfrm>
+            <a:off x="7753309" y="5567147"/>
+            <a:ext cx="677892" cy="699230"/>
+          </a:xfrm>
+          <a:prstGeom prst="rect">
+            <a:avLst/>
+          </a:prstGeom>
+        </p:spPr>
+      </p:pic>
+      <p:pic>
+        <p:nvPicPr>
+          <p:cNvPr id="55" name="図 54">
+            <a:extLst>
+              <a:ext uri="{FF2B5EF4-FFF2-40B4-BE49-F238E27FC236}">
+                <a16:creationId xmlns:a16="http://schemas.microsoft.com/office/drawing/2014/main" id="{DE464B0C-D989-4893-B13E-73DB9BB0B27C}"/>
+              </a:ext>
+            </a:extLst>
+          </p:cNvPr>
+          <p:cNvPicPr>
+            <a:picLocks noChangeAspect="1"/>
+          </p:cNvPicPr>
+          <p:nvPr/>
+        </p:nvPicPr>
+        <p:blipFill rotWithShape="1">
+          <a:blip r:embed="rId2">
+            <a:extLst>
+              <a:ext uri="{28A0092B-C50C-407E-A947-70E740481C1C}">
+                <a14:useLocalDpi xmlns:a14="http://schemas.microsoft.com/office/drawing/2010/main" val="0"/>
+              </a:ext>
+            </a:extLst>
+          </a:blip>
+          <a:srcRect l="72853" t="69567" r="10673"/>
+          <a:stretch/>
+        </p:blipFill>
+        <p:spPr>
+          <a:xfrm>
+            <a:off x="6975795" y="5567147"/>
+            <a:ext cx="777513" cy="699230"/>
+          </a:xfrm>
+          <a:prstGeom prst="rect">
+            <a:avLst/>
+          </a:prstGeom>
+        </p:spPr>
+      </p:pic>
+      <p:sp>
+        <p:nvSpPr>
+          <p:cNvPr id="5" name="正方形/長方形 4">
+            <a:extLst>
+              <a:ext uri="{FF2B5EF4-FFF2-40B4-BE49-F238E27FC236}">
+                <a16:creationId xmlns:a16="http://schemas.microsoft.com/office/drawing/2014/main" id="{B3F26F13-79BE-4767-BE35-2F096A80CF9B}"/>
+              </a:ext>
+            </a:extLst>
+          </p:cNvPr>
+          <p:cNvSpPr/>
+          <p:nvPr/>
+        </p:nvSpPr>
+        <p:spPr>
+          <a:xfrm>
+            <a:off x="1813206" y="4894052"/>
+            <a:ext cx="889987" cy="699230"/>
+          </a:xfrm>
+          <a:prstGeom prst="rect">
+            <a:avLst/>
+          </a:prstGeom>
+          <a:solidFill>
+            <a:schemeClr val="accent4">
+              <a:lumMod val="40000"/>
+              <a:lumOff val="60000"/>
+            </a:schemeClr>
+          </a:solidFill>
+          <a:ln>
+            <a:noFill/>
+          </a:ln>
+        </p:spPr>
+        <p:style>
+          <a:lnRef idx="2">
+            <a:schemeClr val="accent1">
+              <a:shade val="50000"/>
+            </a:schemeClr>
+          </a:lnRef>
+          <a:fillRef idx="1">
+            <a:schemeClr val="accent1"/>
+          </a:fillRef>
+          <a:effectRef idx="0">
+            <a:schemeClr val="accent1"/>
+          </a:effectRef>
+          <a:fontRef idx="minor">
+            <a:schemeClr val="lt1"/>
+          </a:fontRef>
+        </p:style>
+        <p:txBody>
+          <a:bodyPr rtlCol="0" anchor="ctr"/>
+          <a:lstStyle/>
+          <a:p>
+            <a:pPr algn="ctr"/>
+            <a:endParaRPr kumimoji="1" lang="ja-JP" altLang="en-US"/>
+          </a:p>
+        </p:txBody>
+      </p:sp>
+      <p:sp>
+        <p:nvSpPr>
+          <p:cNvPr id="69" name="テキスト ボックス 68">
+            <a:extLst>
+              <a:ext uri="{FF2B5EF4-FFF2-40B4-BE49-F238E27FC236}">
+                <a16:creationId xmlns:a16="http://schemas.microsoft.com/office/drawing/2014/main" id="{43CB81C8-EA06-43A3-A2D2-B7A7800D69B7}"/>
+              </a:ext>
+            </a:extLst>
+          </p:cNvPr>
+          <p:cNvSpPr txBox="1"/>
+          <p:nvPr/>
+        </p:nvSpPr>
+        <p:spPr>
+          <a:xfrm>
+            <a:off x="1746319" y="5060574"/>
+            <a:ext cx="1159937" cy="261610"/>
+          </a:xfrm>
+          <a:prstGeom prst="rect">
+            <a:avLst/>
+          </a:prstGeom>
+          <a:noFill/>
+          <a:ln>
+            <a:noFill/>
+          </a:ln>
+        </p:spPr>
+        <p:txBody>
+          <a:bodyPr wrap="square" rtlCol="0">
+            <a:spAutoFit/>
+          </a:bodyPr>
+          <a:lstStyle/>
+          <a:p>
+            <a:r>
+              <a:rPr kumimoji="1" lang="ja-JP" altLang="en-US" sz="1100" b="1" dirty="0">
+                <a:solidFill>
+                  <a:schemeClr val="bg1"/>
+                </a:solidFill>
+                <a:latin typeface="+mn-ea"/>
+              </a:rPr>
+              <a:t>コイン交換所</a:t>
+            </a:r>
+          </a:p>
+        </p:txBody>
+      </p:sp>
+      <p:pic>
+        <p:nvPicPr>
+          <p:cNvPr id="56" name="図 55">
+            <a:extLst>
+              <a:ext uri="{FF2B5EF4-FFF2-40B4-BE49-F238E27FC236}">
+                <a16:creationId xmlns:a16="http://schemas.microsoft.com/office/drawing/2014/main" id="{93AC82B5-F4B5-4DAE-8C9A-80E813F02B49}"/>
+              </a:ext>
+            </a:extLst>
+          </p:cNvPr>
+          <p:cNvPicPr>
+            <a:picLocks noChangeAspect="1"/>
+          </p:cNvPicPr>
+          <p:nvPr/>
+        </p:nvPicPr>
+        <p:blipFill>
+          <a:blip r:embed="rId3">
+            <a:extLst>
+              <a:ext uri="{28A0092B-C50C-407E-A947-70E740481C1C}">
+                <a14:useLocalDpi xmlns:a14="http://schemas.microsoft.com/office/drawing/2010/main" val="0"/>
+              </a:ext>
+            </a:extLst>
+          </a:blip>
+          <a:stretch>
+            <a:fillRect/>
+          </a:stretch>
+        </p:blipFill>
+        <p:spPr>
+          <a:xfrm>
+            <a:off x="2289772" y="4779715"/>
+            <a:ext cx="406402" cy="406402"/>
+          </a:xfrm>
+          <a:prstGeom prst="rect">
+            <a:avLst/>
+          </a:prstGeom>
+        </p:spPr>
+      </p:pic>
+      <p:sp>
+        <p:nvSpPr>
+          <p:cNvPr id="57" name="テキスト ボックス 56">
+            <a:extLst>
+              <a:ext uri="{FF2B5EF4-FFF2-40B4-BE49-F238E27FC236}">
+                <a16:creationId xmlns:a16="http://schemas.microsoft.com/office/drawing/2014/main" id="{D44BD3F0-3F8C-4EBA-83D2-DD2B458FA983}"/>
+              </a:ext>
+            </a:extLst>
+          </p:cNvPr>
+          <p:cNvSpPr txBox="1"/>
+          <p:nvPr/>
+        </p:nvSpPr>
+        <p:spPr>
+          <a:xfrm>
+            <a:off x="2085715" y="4885706"/>
+            <a:ext cx="296709" cy="261610"/>
+          </a:xfrm>
+          <a:prstGeom prst="rect">
+            <a:avLst/>
+          </a:prstGeom>
+          <a:noFill/>
+          <a:ln>
+            <a:noFill/>
+          </a:ln>
+        </p:spPr>
+        <p:txBody>
+          <a:bodyPr wrap="square" rtlCol="0">
+            <a:spAutoFit/>
+          </a:bodyPr>
+          <a:lstStyle/>
+          <a:p>
+            <a:r>
+              <a:rPr kumimoji="1" lang="ja-JP" altLang="en-US" sz="1100" b="1" dirty="0">
+                <a:solidFill>
+                  <a:schemeClr val="bg1"/>
+                </a:solidFill>
+                <a:latin typeface="+mn-ea"/>
+              </a:rPr>
+              <a:t>➡</a:t>
+            </a:r>
+          </a:p>
+        </p:txBody>
+      </p:sp>
+      <p:pic>
+        <p:nvPicPr>
+          <p:cNvPr id="83" name="図 82">
+            <a:extLst>
+              <a:ext uri="{FF2B5EF4-FFF2-40B4-BE49-F238E27FC236}">
+                <a16:creationId xmlns:a16="http://schemas.microsoft.com/office/drawing/2014/main" id="{95C19F02-9F38-420D-BB92-B68B7F2E3332}"/>
+              </a:ext>
+            </a:extLst>
+          </p:cNvPr>
+          <p:cNvPicPr>
+            <a:picLocks noChangeAspect="1"/>
+          </p:cNvPicPr>
+          <p:nvPr/>
+        </p:nvPicPr>
+        <p:blipFill>
+          <a:blip r:embed="rId4">
+            <a:extLst>
+              <a:ext uri="{28A0092B-C50C-407E-A947-70E740481C1C}">
+                <a14:useLocalDpi xmlns:a14="http://schemas.microsoft.com/office/drawing/2010/main" val="0"/>
+              </a:ext>
+            </a:extLst>
+          </a:blip>
+          <a:stretch>
+            <a:fillRect/>
+          </a:stretch>
+        </p:blipFill>
+        <p:spPr>
+          <a:xfrm>
+            <a:off x="1854828" y="4875192"/>
+            <a:ext cx="267667" cy="267667"/>
+          </a:xfrm>
+          <a:prstGeom prst="rect">
+            <a:avLst/>
+          </a:prstGeom>
+        </p:spPr>
+      </p:pic>
+      <p:sp>
+        <p:nvSpPr>
+          <p:cNvPr id="6" name="楕円 5">
+            <a:extLst>
+              <a:ext uri="{FF2B5EF4-FFF2-40B4-BE49-F238E27FC236}">
+                <a16:creationId xmlns:a16="http://schemas.microsoft.com/office/drawing/2014/main" id="{2064FC06-248F-4B79-B52E-FA74F5540E86}"/>
+              </a:ext>
+            </a:extLst>
+          </p:cNvPr>
+          <p:cNvSpPr/>
+          <p:nvPr/>
+        </p:nvSpPr>
+        <p:spPr>
+          <a:xfrm>
+            <a:off x="2145356" y="5246065"/>
+            <a:ext cx="211667" cy="211667"/>
+          </a:xfrm>
+          <a:prstGeom prst="ellipse">
+            <a:avLst/>
+          </a:prstGeom>
+          <a:solidFill>
+            <a:schemeClr val="accent1">
+              <a:lumMod val="60000"/>
+              <a:lumOff val="40000"/>
+            </a:schemeClr>
+          </a:solidFill>
+          <a:ln>
+            <a:noFill/>
+          </a:ln>
+        </p:spPr>
+        <p:style>
+          <a:lnRef idx="2">
+            <a:schemeClr val="accent1">
+              <a:shade val="50000"/>
+            </a:schemeClr>
+          </a:lnRef>
+          <a:fillRef idx="1">
+            <a:schemeClr val="accent1"/>
+          </a:fillRef>
+          <a:effectRef idx="0">
+            <a:schemeClr val="accent1"/>
+          </a:effectRef>
+          <a:fontRef idx="minor">
+            <a:schemeClr val="lt1"/>
+          </a:fontRef>
+        </p:style>
+        <p:txBody>
+          <a:bodyPr rtlCol="0" anchor="ctr"/>
+          <a:lstStyle/>
+          <a:p>
+            <a:pPr algn="ctr"/>
+            <a:endParaRPr kumimoji="1" lang="ja-JP" altLang="en-US"/>
+          </a:p>
+        </p:txBody>
+      </p:sp>
+      <p:sp>
+        <p:nvSpPr>
+          <p:cNvPr id="7" name="正方形/長方形 6">
+            <a:extLst>
+              <a:ext uri="{FF2B5EF4-FFF2-40B4-BE49-F238E27FC236}">
+                <a16:creationId xmlns:a16="http://schemas.microsoft.com/office/drawing/2014/main" id="{692462BC-8E28-47B8-A731-33D7D17CE74D}"/>
+              </a:ext>
+            </a:extLst>
+          </p:cNvPr>
+          <p:cNvSpPr/>
+          <p:nvPr/>
+        </p:nvSpPr>
+        <p:spPr>
+          <a:xfrm>
+            <a:off x="2173915" y="5408267"/>
+            <a:ext cx="154547" cy="185015"/>
+          </a:xfrm>
+          <a:prstGeom prst="rect">
+            <a:avLst/>
+          </a:prstGeom>
+          <a:solidFill>
+            <a:schemeClr val="accent1">
+              <a:lumMod val="60000"/>
+              <a:lumOff val="40000"/>
+            </a:schemeClr>
+          </a:solidFill>
+          <a:ln>
+            <a:noFill/>
+          </a:ln>
+        </p:spPr>
+        <p:style>
+          <a:lnRef idx="2">
+            <a:schemeClr val="accent1">
+              <a:shade val="50000"/>
+            </a:schemeClr>
+          </a:lnRef>
+          <a:fillRef idx="1">
+            <a:schemeClr val="accent1"/>
+          </a:fillRef>
+          <a:effectRef idx="0">
+            <a:schemeClr val="accent1"/>
+          </a:effectRef>
+          <a:fontRef idx="minor">
+            <a:schemeClr val="lt1"/>
+          </a:fontRef>
+        </p:style>
+        <p:txBody>
+          <a:bodyPr rtlCol="0" anchor="ctr"/>
+          <a:lstStyle/>
+          <a:p>
+            <a:pPr algn="ctr"/>
+            <a:endParaRPr kumimoji="1" lang="ja-JP" altLang="en-US"/>
+          </a:p>
+        </p:txBody>
+      </p:sp>
+      <p:sp>
+        <p:nvSpPr>
+          <p:cNvPr id="8" name="吹き出し: 円形 7">
+            <a:extLst>
+              <a:ext uri="{FF2B5EF4-FFF2-40B4-BE49-F238E27FC236}">
+                <a16:creationId xmlns:a16="http://schemas.microsoft.com/office/drawing/2014/main" id="{5BD9FEC0-3122-4C87-81E0-083F2084CFFF}"/>
+              </a:ext>
+            </a:extLst>
+          </p:cNvPr>
+          <p:cNvSpPr/>
+          <p:nvPr/>
+        </p:nvSpPr>
+        <p:spPr>
+          <a:xfrm>
+            <a:off x="2328798" y="3339039"/>
+            <a:ext cx="1971296" cy="541198"/>
+          </a:xfrm>
+          <a:prstGeom prst="wedgeEllipseCallout">
+            <a:avLst>
+              <a:gd name="adj1" fmla="val -33288"/>
+              <a:gd name="adj2" fmla="val 284649"/>
+            </a:avLst>
+          </a:prstGeom>
+          <a:solidFill>
+            <a:schemeClr val="bg1"/>
+          </a:solidFill>
+          <a:ln>
+            <a:solidFill>
+              <a:schemeClr val="tx1"/>
+            </a:solidFill>
+          </a:ln>
+        </p:spPr>
+        <p:style>
+          <a:lnRef idx="2">
+            <a:schemeClr val="accent1">
+              <a:shade val="50000"/>
+            </a:schemeClr>
+          </a:lnRef>
+          <a:fillRef idx="1">
+            <a:schemeClr val="accent1"/>
+          </a:fillRef>
+          <a:effectRef idx="0">
+            <a:schemeClr val="accent1"/>
+          </a:effectRef>
+          <a:fontRef idx="minor">
+            <a:schemeClr val="lt1"/>
+          </a:fontRef>
+        </p:style>
+        <p:txBody>
+          <a:bodyPr rtlCol="0" anchor="ctr"/>
+          <a:lstStyle/>
+          <a:p>
+            <a:pPr algn="ctr"/>
+            <a:endParaRPr kumimoji="1" lang="ja-JP" altLang="en-US"/>
+          </a:p>
+        </p:txBody>
+      </p:sp>
+      <p:sp>
+        <p:nvSpPr>
+          <p:cNvPr id="9" name="テキスト ボックス 8">
+            <a:extLst>
+              <a:ext uri="{FF2B5EF4-FFF2-40B4-BE49-F238E27FC236}">
+                <a16:creationId xmlns:a16="http://schemas.microsoft.com/office/drawing/2014/main" id="{C96FBB85-AF25-493F-99F5-8BC2174B32E4}"/>
+              </a:ext>
+            </a:extLst>
+          </p:cNvPr>
+          <p:cNvSpPr txBox="1"/>
+          <p:nvPr/>
+        </p:nvSpPr>
+        <p:spPr>
+          <a:xfrm>
+            <a:off x="2399584" y="3424972"/>
+            <a:ext cx="2285109" cy="369332"/>
+          </a:xfrm>
+          <a:prstGeom prst="rect">
+            <a:avLst/>
+          </a:prstGeom>
+          <a:noFill/>
+        </p:spPr>
+        <p:txBody>
+          <a:bodyPr wrap="square" rtlCol="0">
+            <a:spAutoFit/>
+          </a:bodyPr>
+          <a:lstStyle/>
+          <a:p>
+            <a:r>
+              <a:rPr kumimoji="1" lang="ja-JP" altLang="en-US" dirty="0"/>
+              <a:t>専用キャラ配置</a:t>
+            </a:r>
+          </a:p>
+        </p:txBody>
+      </p:sp>
+      <p:sp>
+        <p:nvSpPr>
+          <p:cNvPr id="10" name="吹き出し: 角を丸めた四角形 9">
+            <a:extLst>
+              <a:ext uri="{FF2B5EF4-FFF2-40B4-BE49-F238E27FC236}">
+                <a16:creationId xmlns:a16="http://schemas.microsoft.com/office/drawing/2014/main" id="{4B578865-D552-4B57-9A48-81337256CC05}"/>
+              </a:ext>
+            </a:extLst>
+          </p:cNvPr>
+          <p:cNvSpPr/>
+          <p:nvPr/>
+        </p:nvSpPr>
+        <p:spPr>
+          <a:xfrm>
+            <a:off x="1746319" y="4445176"/>
+            <a:ext cx="1038315" cy="376802"/>
+          </a:xfrm>
+          <a:prstGeom prst="wedgeRoundRectCallout">
+            <a:avLst>
+              <a:gd name="adj1" fmla="val -11048"/>
+              <a:gd name="adj2" fmla="val 96205"/>
+              <a:gd name="adj3" fmla="val 16667"/>
+            </a:avLst>
+          </a:prstGeom>
+          <a:solidFill>
+            <a:schemeClr val="bg1"/>
+          </a:solidFill>
+          <a:ln>
+            <a:solidFill>
+              <a:schemeClr val="tx1"/>
+            </a:solidFill>
+          </a:ln>
+        </p:spPr>
+        <p:style>
+          <a:lnRef idx="2">
+            <a:schemeClr val="accent1">
+              <a:shade val="50000"/>
+            </a:schemeClr>
+          </a:lnRef>
+          <a:fillRef idx="1">
+            <a:schemeClr val="accent1"/>
+          </a:fillRef>
+          <a:effectRef idx="0">
+            <a:schemeClr val="accent1"/>
+          </a:effectRef>
+          <a:fontRef idx="minor">
+            <a:schemeClr val="lt1"/>
+          </a:fontRef>
+        </p:style>
+        <p:txBody>
+          <a:bodyPr rtlCol="0" anchor="ctr"/>
+          <a:lstStyle/>
+          <a:p>
+            <a:pPr algn="ctr"/>
+            <a:endParaRPr kumimoji="1" lang="ja-JP" altLang="en-US"/>
+          </a:p>
+        </p:txBody>
+      </p:sp>
+      <p:sp>
+        <p:nvSpPr>
+          <p:cNvPr id="11" name="テキスト ボックス 10">
+            <a:extLst>
+              <a:ext uri="{FF2B5EF4-FFF2-40B4-BE49-F238E27FC236}">
+                <a16:creationId xmlns:a16="http://schemas.microsoft.com/office/drawing/2014/main" id="{E4F2B1E6-7F3E-4ECD-969E-8306F24AAAA7}"/>
+              </a:ext>
+            </a:extLst>
+          </p:cNvPr>
+          <p:cNvSpPr txBox="1"/>
+          <p:nvPr/>
+        </p:nvSpPr>
+        <p:spPr>
+          <a:xfrm>
+            <a:off x="1870200" y="4503345"/>
+            <a:ext cx="902811" cy="307777"/>
+          </a:xfrm>
+          <a:prstGeom prst="rect">
+            <a:avLst/>
+          </a:prstGeom>
+          <a:noFill/>
+        </p:spPr>
+        <p:txBody>
+          <a:bodyPr wrap="none" rtlCol="0">
+            <a:spAutoFit/>
+          </a:bodyPr>
+          <a:lstStyle/>
+          <a:p>
+            <a:r>
+              <a:rPr kumimoji="1" lang="ja-JP" altLang="en-US" sz="700" dirty="0"/>
+              <a:t>〇個で　　１個と</a:t>
+            </a:r>
+            <a:endParaRPr kumimoji="1" lang="en-US" altLang="ja-JP" sz="700" dirty="0"/>
+          </a:p>
+          <a:p>
+            <a:r>
+              <a:rPr kumimoji="1" lang="ja-JP" altLang="en-US" sz="700" dirty="0"/>
+              <a:t>交換できるよ</a:t>
+            </a:r>
+          </a:p>
+        </p:txBody>
+      </p:sp>
+      <p:pic>
+        <p:nvPicPr>
+          <p:cNvPr id="101" name="図 100">
+            <a:extLst>
+              <a:ext uri="{FF2B5EF4-FFF2-40B4-BE49-F238E27FC236}">
+                <a16:creationId xmlns:a16="http://schemas.microsoft.com/office/drawing/2014/main" id="{221F27D3-4389-48DB-B3B9-292D8CAFE918}"/>
+              </a:ext>
+            </a:extLst>
+          </p:cNvPr>
+          <p:cNvPicPr>
+            <a:picLocks noChangeAspect="1"/>
+          </p:cNvPicPr>
+          <p:nvPr/>
+        </p:nvPicPr>
+        <p:blipFill>
+          <a:blip r:embed="rId4">
+            <a:extLst>
+              <a:ext uri="{28A0092B-C50C-407E-A947-70E740481C1C}">
+                <a14:useLocalDpi xmlns:a14="http://schemas.microsoft.com/office/drawing/2010/main" val="0"/>
+              </a:ext>
+            </a:extLst>
+          </a:blip>
+          <a:stretch>
+            <a:fillRect/>
+          </a:stretch>
+        </p:blipFill>
+        <p:spPr>
+          <a:xfrm>
+            <a:off x="1732677" y="4460563"/>
+            <a:ext cx="267667" cy="267667"/>
+          </a:xfrm>
+          <a:prstGeom prst="rect">
+            <a:avLst/>
+          </a:prstGeom>
+        </p:spPr>
+      </p:pic>
+      <p:pic>
+        <p:nvPicPr>
+          <p:cNvPr id="102" name="図 101">
+            <a:extLst>
+              <a:ext uri="{FF2B5EF4-FFF2-40B4-BE49-F238E27FC236}">
+                <a16:creationId xmlns:a16="http://schemas.microsoft.com/office/drawing/2014/main" id="{B67EF7E7-F015-4CA9-B74A-6725A11AD642}"/>
+              </a:ext>
+            </a:extLst>
+          </p:cNvPr>
+          <p:cNvPicPr>
+            <a:picLocks noChangeAspect="1"/>
+          </p:cNvPicPr>
+          <p:nvPr/>
+        </p:nvPicPr>
+        <p:blipFill>
+          <a:blip r:embed="rId3">
+            <a:extLst>
+              <a:ext uri="{28A0092B-C50C-407E-A947-70E740481C1C}">
+                <a14:useLocalDpi xmlns:a14="http://schemas.microsoft.com/office/drawing/2010/main" val="0"/>
+              </a:ext>
+            </a:extLst>
+          </a:blip>
+          <a:stretch>
+            <a:fillRect/>
+          </a:stretch>
+        </p:blipFill>
+        <p:spPr>
+          <a:xfrm>
+            <a:off x="2115770" y="4353523"/>
+            <a:ext cx="406402" cy="406402"/>
+          </a:xfrm>
+          <a:prstGeom prst="rect">
+            <a:avLst/>
+          </a:prstGeom>
+        </p:spPr>
+      </p:pic>
+      <p:sp>
+        <p:nvSpPr>
+          <p:cNvPr id="103" name="矢印: 右 102">
+            <a:extLst>
+              <a:ext uri="{FF2B5EF4-FFF2-40B4-BE49-F238E27FC236}">
+                <a16:creationId xmlns:a16="http://schemas.microsoft.com/office/drawing/2014/main" id="{C723859E-E1FC-4BB2-8C42-53CDCC6F2075}"/>
+              </a:ext>
+            </a:extLst>
+          </p:cNvPr>
+          <p:cNvSpPr/>
+          <p:nvPr/>
+        </p:nvSpPr>
+        <p:spPr>
+          <a:xfrm rot="14124514">
+            <a:off x="2262863" y="5346550"/>
+            <a:ext cx="322094" cy="327994"/>
+          </a:xfrm>
+          <a:prstGeom prst="rightArrow">
+            <a:avLst/>
+          </a:prstGeom>
+          <a:solidFill>
+            <a:schemeClr val="bg1"/>
+          </a:solidFill>
+          <a:ln>
+            <a:solidFill>
+              <a:schemeClr val="tx1"/>
+            </a:solidFill>
+          </a:ln>
+        </p:spPr>
+        <p:style>
+          <a:lnRef idx="2">
+            <a:schemeClr val="accent1">
+              <a:shade val="50000"/>
+            </a:schemeClr>
+          </a:lnRef>
+          <a:fillRef idx="1">
+            <a:schemeClr val="accent1"/>
+          </a:fillRef>
+          <a:effectRef idx="0">
+            <a:schemeClr val="accent1"/>
+          </a:effectRef>
+          <a:fontRef idx="minor">
+            <a:schemeClr val="lt1"/>
+          </a:fontRef>
+        </p:style>
+        <p:txBody>
+          <a:bodyPr rtlCol="0" anchor="ctr"/>
+          <a:lstStyle/>
+          <a:p>
+            <a:pPr algn="ctr"/>
+            <a:endParaRPr kumimoji="1" lang="ja-JP" altLang="en-US"/>
+          </a:p>
+        </p:txBody>
+      </p:sp>
+      <p:sp>
+        <p:nvSpPr>
+          <p:cNvPr id="104" name="正方形/長方形 103">
+            <a:extLst>
+              <a:ext uri="{FF2B5EF4-FFF2-40B4-BE49-F238E27FC236}">
+                <a16:creationId xmlns:a16="http://schemas.microsoft.com/office/drawing/2014/main" id="{F1E05CEB-9E51-4B65-B089-8B7F91842290}"/>
+              </a:ext>
+            </a:extLst>
+          </p:cNvPr>
+          <p:cNvSpPr/>
+          <p:nvPr/>
+        </p:nvSpPr>
+        <p:spPr>
+          <a:xfrm>
+            <a:off x="7149939" y="4879073"/>
+            <a:ext cx="889987" cy="699230"/>
+          </a:xfrm>
+          <a:prstGeom prst="rect">
+            <a:avLst/>
+          </a:prstGeom>
+          <a:solidFill>
+            <a:schemeClr val="accent4">
+              <a:lumMod val="40000"/>
+              <a:lumOff val="60000"/>
+            </a:schemeClr>
+          </a:solidFill>
+          <a:ln>
+            <a:noFill/>
+          </a:ln>
+        </p:spPr>
+        <p:style>
+          <a:lnRef idx="2">
+            <a:schemeClr val="accent1">
+              <a:shade val="50000"/>
+            </a:schemeClr>
+          </a:lnRef>
+          <a:fillRef idx="1">
+            <a:schemeClr val="accent1"/>
+          </a:fillRef>
+          <a:effectRef idx="0">
+            <a:schemeClr val="accent1"/>
+          </a:effectRef>
+          <a:fontRef idx="minor">
+            <a:schemeClr val="lt1"/>
+          </a:fontRef>
+        </p:style>
+        <p:txBody>
+          <a:bodyPr rtlCol="0" anchor="ctr"/>
+          <a:lstStyle/>
+          <a:p>
+            <a:pPr algn="ctr"/>
+            <a:endParaRPr kumimoji="1" lang="ja-JP" altLang="en-US"/>
+          </a:p>
+        </p:txBody>
+      </p:sp>
+      <p:sp>
+        <p:nvSpPr>
+          <p:cNvPr id="105" name="テキスト ボックス 104">
+            <a:extLst>
+              <a:ext uri="{FF2B5EF4-FFF2-40B4-BE49-F238E27FC236}">
+                <a16:creationId xmlns:a16="http://schemas.microsoft.com/office/drawing/2014/main" id="{0DD9EBD4-D2AD-4041-8830-9DDEE28ABD7C}"/>
+              </a:ext>
+            </a:extLst>
+          </p:cNvPr>
+          <p:cNvSpPr txBox="1"/>
+          <p:nvPr/>
+        </p:nvSpPr>
+        <p:spPr>
+          <a:xfrm>
+            <a:off x="7083052" y="5045595"/>
+            <a:ext cx="1159937" cy="261610"/>
+          </a:xfrm>
+          <a:prstGeom prst="rect">
+            <a:avLst/>
+          </a:prstGeom>
+          <a:noFill/>
+          <a:ln>
+            <a:noFill/>
+          </a:ln>
+        </p:spPr>
+        <p:txBody>
+          <a:bodyPr wrap="square" rtlCol="0">
+            <a:spAutoFit/>
+          </a:bodyPr>
+          <a:lstStyle/>
+          <a:p>
+            <a:r>
+              <a:rPr kumimoji="1" lang="ja-JP" altLang="en-US" sz="1100" b="1" dirty="0">
+                <a:solidFill>
+                  <a:schemeClr val="bg1"/>
+                </a:solidFill>
+                <a:latin typeface="+mn-ea"/>
+              </a:rPr>
+              <a:t>コイン交換所</a:t>
+            </a:r>
+          </a:p>
+        </p:txBody>
+      </p:sp>
+      <p:pic>
+        <p:nvPicPr>
+          <p:cNvPr id="106" name="図 105">
+            <a:extLst>
+              <a:ext uri="{FF2B5EF4-FFF2-40B4-BE49-F238E27FC236}">
+                <a16:creationId xmlns:a16="http://schemas.microsoft.com/office/drawing/2014/main" id="{76CC5E1E-70BE-481C-9BDA-8C108BB5B1F9}"/>
+              </a:ext>
+            </a:extLst>
+          </p:cNvPr>
+          <p:cNvPicPr>
+            <a:picLocks noChangeAspect="1"/>
+          </p:cNvPicPr>
+          <p:nvPr/>
+        </p:nvPicPr>
+        <p:blipFill>
+          <a:blip r:embed="rId3">
+            <a:extLst>
+              <a:ext uri="{28A0092B-C50C-407E-A947-70E740481C1C}">
+                <a14:useLocalDpi xmlns:a14="http://schemas.microsoft.com/office/drawing/2010/main" val="0"/>
+              </a:ext>
+            </a:extLst>
+          </a:blip>
+          <a:stretch>
+            <a:fillRect/>
+          </a:stretch>
+        </p:blipFill>
+        <p:spPr>
+          <a:xfrm>
+            <a:off x="7626505" y="4764736"/>
+            <a:ext cx="406402" cy="406402"/>
+          </a:xfrm>
+          <a:prstGeom prst="rect">
+            <a:avLst/>
+          </a:prstGeom>
+        </p:spPr>
+      </p:pic>
+      <p:sp>
+        <p:nvSpPr>
+          <p:cNvPr id="107" name="テキスト ボックス 106">
+            <a:extLst>
+              <a:ext uri="{FF2B5EF4-FFF2-40B4-BE49-F238E27FC236}">
+                <a16:creationId xmlns:a16="http://schemas.microsoft.com/office/drawing/2014/main" id="{4F1982E2-B4CC-46D9-B2C6-969FEA8BAD32}"/>
+              </a:ext>
+            </a:extLst>
+          </p:cNvPr>
+          <p:cNvSpPr txBox="1"/>
+          <p:nvPr/>
+        </p:nvSpPr>
+        <p:spPr>
+          <a:xfrm>
+            <a:off x="7422448" y="4870727"/>
+            <a:ext cx="296709" cy="261610"/>
+          </a:xfrm>
+          <a:prstGeom prst="rect">
+            <a:avLst/>
+          </a:prstGeom>
+          <a:noFill/>
+          <a:ln>
+            <a:noFill/>
+          </a:ln>
+        </p:spPr>
+        <p:txBody>
+          <a:bodyPr wrap="square" rtlCol="0">
+            <a:spAutoFit/>
+          </a:bodyPr>
+          <a:lstStyle/>
+          <a:p>
+            <a:r>
+              <a:rPr kumimoji="1" lang="ja-JP" altLang="en-US" sz="1100" b="1" dirty="0">
+                <a:solidFill>
+                  <a:schemeClr val="bg1"/>
+                </a:solidFill>
+                <a:latin typeface="+mn-ea"/>
+              </a:rPr>
+              <a:t>➡</a:t>
+            </a:r>
+          </a:p>
+        </p:txBody>
+      </p:sp>
+      <p:pic>
+        <p:nvPicPr>
+          <p:cNvPr id="108" name="図 107">
+            <a:extLst>
+              <a:ext uri="{FF2B5EF4-FFF2-40B4-BE49-F238E27FC236}">
+                <a16:creationId xmlns:a16="http://schemas.microsoft.com/office/drawing/2014/main" id="{44FA105E-6CE3-4CDE-A2B4-78283ADB6F05}"/>
+              </a:ext>
+            </a:extLst>
+          </p:cNvPr>
+          <p:cNvPicPr>
+            <a:picLocks noChangeAspect="1"/>
+          </p:cNvPicPr>
+          <p:nvPr/>
+        </p:nvPicPr>
+        <p:blipFill>
+          <a:blip r:embed="rId4">
+            <a:extLst>
+              <a:ext uri="{28A0092B-C50C-407E-A947-70E740481C1C}">
+                <a14:useLocalDpi xmlns:a14="http://schemas.microsoft.com/office/drawing/2010/main" val="0"/>
+              </a:ext>
+            </a:extLst>
+          </a:blip>
+          <a:stretch>
+            <a:fillRect/>
+          </a:stretch>
+        </p:blipFill>
+        <p:spPr>
+          <a:xfrm>
+            <a:off x="7191561" y="4860213"/>
+            <a:ext cx="267667" cy="267667"/>
+          </a:xfrm>
+          <a:prstGeom prst="rect">
+            <a:avLst/>
+          </a:prstGeom>
+        </p:spPr>
+      </p:pic>
+      <p:sp>
+        <p:nvSpPr>
+          <p:cNvPr id="109" name="楕円 108">
+            <a:extLst>
+              <a:ext uri="{FF2B5EF4-FFF2-40B4-BE49-F238E27FC236}">
+                <a16:creationId xmlns:a16="http://schemas.microsoft.com/office/drawing/2014/main" id="{3A7B8963-297E-4ADD-92AF-A7DCD519B5D3}"/>
+              </a:ext>
+            </a:extLst>
+          </p:cNvPr>
+          <p:cNvSpPr/>
+          <p:nvPr/>
+        </p:nvSpPr>
+        <p:spPr>
+          <a:xfrm>
+            <a:off x="7482089" y="5231086"/>
+            <a:ext cx="211667" cy="211667"/>
+          </a:xfrm>
+          <a:prstGeom prst="ellipse">
+            <a:avLst/>
+          </a:prstGeom>
+          <a:solidFill>
+            <a:schemeClr val="accent1">
+              <a:lumMod val="60000"/>
+              <a:lumOff val="40000"/>
+            </a:schemeClr>
+          </a:solidFill>
+          <a:ln>
+            <a:noFill/>
+          </a:ln>
+        </p:spPr>
+        <p:style>
+          <a:lnRef idx="2">
+            <a:schemeClr val="accent1">
+              <a:shade val="50000"/>
+            </a:schemeClr>
+          </a:lnRef>
+          <a:fillRef idx="1">
+            <a:schemeClr val="accent1"/>
+          </a:fillRef>
+          <a:effectRef idx="0">
+            <a:schemeClr val="accent1"/>
+          </a:effectRef>
+          <a:fontRef idx="minor">
+            <a:schemeClr val="lt1"/>
+          </a:fontRef>
+        </p:style>
+        <p:txBody>
+          <a:bodyPr rtlCol="0" anchor="ctr"/>
+          <a:lstStyle/>
+          <a:p>
+            <a:pPr algn="ctr"/>
+            <a:endParaRPr kumimoji="1" lang="ja-JP" altLang="en-US"/>
+          </a:p>
+        </p:txBody>
+      </p:sp>
+      <p:sp>
+        <p:nvSpPr>
+          <p:cNvPr id="110" name="正方形/長方形 109">
+            <a:extLst>
+              <a:ext uri="{FF2B5EF4-FFF2-40B4-BE49-F238E27FC236}">
+                <a16:creationId xmlns:a16="http://schemas.microsoft.com/office/drawing/2014/main" id="{FF62E5EF-5283-4B54-8E5D-A223DDE96DED}"/>
+              </a:ext>
+            </a:extLst>
+          </p:cNvPr>
+          <p:cNvSpPr/>
+          <p:nvPr/>
+        </p:nvSpPr>
+        <p:spPr>
+          <a:xfrm>
+            <a:off x="7510648" y="5393288"/>
+            <a:ext cx="154547" cy="185015"/>
+          </a:xfrm>
+          <a:prstGeom prst="rect">
+            <a:avLst/>
+          </a:prstGeom>
+          <a:solidFill>
+            <a:schemeClr val="accent1">
+              <a:lumMod val="60000"/>
+              <a:lumOff val="40000"/>
+            </a:schemeClr>
+          </a:solidFill>
+          <a:ln>
+            <a:noFill/>
+          </a:ln>
+        </p:spPr>
+        <p:style>
+          <a:lnRef idx="2">
+            <a:schemeClr val="accent1">
+              <a:shade val="50000"/>
+            </a:schemeClr>
+          </a:lnRef>
+          <a:fillRef idx="1">
+            <a:schemeClr val="accent1"/>
+          </a:fillRef>
+          <a:effectRef idx="0">
+            <a:schemeClr val="accent1"/>
+          </a:effectRef>
+          <a:fontRef idx="minor">
+            <a:schemeClr val="lt1"/>
+          </a:fontRef>
+        </p:style>
+        <p:txBody>
+          <a:bodyPr rtlCol="0" anchor="ctr"/>
+          <a:lstStyle/>
+          <a:p>
+            <a:pPr algn="ctr"/>
+            <a:endParaRPr kumimoji="1" lang="ja-JP" altLang="en-US"/>
+          </a:p>
+        </p:txBody>
+      </p:sp>
+    </p:spTree>
+    <p:extLst>
+      <p:ext uri="{BB962C8B-B14F-4D97-AF65-F5344CB8AC3E}">
+        <p14:creationId xmlns:p14="http://schemas.microsoft.com/office/powerpoint/2010/main" val="2319936692"/>
+      </p:ext>
+    </p:extLst>
+  </p:cSld>
+  <p:clrMapOvr>
+    <a:masterClrMapping/>
+  </p:clrMapOvr>
+</p:sld>
+</file>
+
+<file path=ppt/slides/slide8.xml><?xml version="1.0" encoding="utf-8"?>
+<p:sld xmlns:a="http://schemas.openxmlformats.org/drawingml/2006/main" xmlns:r="http://schemas.openxmlformats.org/officeDocument/2006/relationships" xmlns:p="http://schemas.openxmlformats.org/presentationml/2006/main">
+  <p:cSld>
+    <p:spTree>
+      <p:nvGrpSpPr>
+        <p:cNvPr id="1" name=""/>
+        <p:cNvGrpSpPr/>
+        <p:nvPr/>
+      </p:nvGrpSpPr>
+      <p:grpSpPr>
+        <a:xfrm>
+          <a:off x="0" y="0"/>
+          <a:ext cx="0" cy="0"/>
+          <a:chOff x="0" y="0"/>
+          <a:chExt cx="0" cy="0"/>
+        </a:xfrm>
+      </p:grpSpPr>
+      <p:sp>
+        <p:nvSpPr>
+          <p:cNvPr id="3" name="正方形/長方形 2">
+            <a:extLst>
+              <a:ext uri="{FF2B5EF4-FFF2-40B4-BE49-F238E27FC236}">
+                <a16:creationId xmlns:a16="http://schemas.microsoft.com/office/drawing/2014/main" id="{D369A2EB-142F-4BC3-80ED-EF9F44A91188}"/>
+              </a:ext>
+            </a:extLst>
+          </p:cNvPr>
+          <p:cNvSpPr/>
+          <p:nvPr/>
+        </p:nvSpPr>
+        <p:spPr>
+          <a:xfrm>
+            <a:off x="0" y="0"/>
+            <a:ext cx="7899400" cy="702733"/>
+          </a:xfrm>
+          <a:prstGeom prst="rect">
+            <a:avLst/>
+          </a:prstGeom>
+          <a:solidFill>
+            <a:schemeClr val="tx1"/>
+          </a:solidFill>
+        </p:spPr>
+        <p:style>
+          <a:lnRef idx="2">
+            <a:schemeClr val="accent1">
+              <a:shade val="50000"/>
+            </a:schemeClr>
+          </a:lnRef>
+          <a:fillRef idx="1">
+            <a:schemeClr val="accent1"/>
+          </a:fillRef>
+          <a:effectRef idx="0">
+            <a:schemeClr val="accent1"/>
+          </a:effectRef>
+          <a:fontRef idx="minor">
+            <a:schemeClr val="lt1"/>
+          </a:fontRef>
+        </p:style>
+        <p:txBody>
+          <a:bodyPr rtlCol="0" anchor="ctr"/>
+          <a:lstStyle/>
+          <a:p>
+            <a:pPr algn="ctr"/>
+            <a:endParaRPr kumimoji="1" lang="ja-JP" altLang="en-US"/>
+          </a:p>
+        </p:txBody>
+      </p:sp>
+      <p:sp>
+        <p:nvSpPr>
+          <p:cNvPr id="4" name="テキスト ボックス 3">
+            <a:extLst>
+              <a:ext uri="{FF2B5EF4-FFF2-40B4-BE49-F238E27FC236}">
+                <a16:creationId xmlns:a16="http://schemas.microsoft.com/office/drawing/2014/main" id="{C337ADA9-C644-4745-BE26-C38DAC4F65F7}"/>
+              </a:ext>
+            </a:extLst>
+          </p:cNvPr>
+          <p:cNvSpPr txBox="1"/>
+          <p:nvPr/>
+        </p:nvSpPr>
+        <p:spPr>
+          <a:xfrm>
+            <a:off x="296332" y="137178"/>
+            <a:ext cx="4529667" cy="523220"/>
+          </a:xfrm>
+          <a:prstGeom prst="rect">
+            <a:avLst/>
+          </a:prstGeom>
+          <a:noFill/>
+          <a:ln>
+            <a:noFill/>
+          </a:ln>
+        </p:spPr>
+        <p:txBody>
+          <a:bodyPr wrap="square" rtlCol="0">
+            <a:spAutoFit/>
+          </a:bodyPr>
+          <a:lstStyle/>
+          <a:p>
+            <a:r>
+              <a:rPr kumimoji="1" lang="ja-JP" altLang="en-US" sz="2800" dirty="0">
+                <a:solidFill>
+                  <a:schemeClr val="bg1"/>
+                </a:solidFill>
+                <a:latin typeface="+mn-ea"/>
+              </a:rPr>
               <a:t>■敵デザイン</a:t>
             </a:r>
           </a:p>

--- a/Assets/Specs/仕様書.pptx
+++ b/Assets/Specs/仕様書.pptx
@@ -262,7 +262,7 @@
           <a:p>
             <a:fld id="{2103CA96-9EB7-4190-9943-2A446C06CAF1}" type="datetimeFigureOut">
               <a:rPr kumimoji="1" lang="ja-JP" altLang="en-US" smtClean="0"/>
-              <a:t>2025/5/20</a:t>
+              <a:t>2025/5/28</a:t>
             </a:fld>
             <a:endParaRPr kumimoji="1" lang="ja-JP" altLang="en-US"/>
           </a:p>
@@ -464,7 +464,7 @@
           <a:p>
             <a:fld id="{2103CA96-9EB7-4190-9943-2A446C06CAF1}" type="datetimeFigureOut">
               <a:rPr kumimoji="1" lang="ja-JP" altLang="en-US" smtClean="0"/>
-              <a:t>2025/5/20</a:t>
+              <a:t>2025/5/28</a:t>
             </a:fld>
             <a:endParaRPr kumimoji="1" lang="ja-JP" altLang="en-US"/>
           </a:p>
@@ -676,7 +676,7 @@
           <a:p>
             <a:fld id="{2103CA96-9EB7-4190-9943-2A446C06CAF1}" type="datetimeFigureOut">
               <a:rPr kumimoji="1" lang="ja-JP" altLang="en-US" smtClean="0"/>
-              <a:t>2025/5/20</a:t>
+              <a:t>2025/5/28</a:t>
             </a:fld>
             <a:endParaRPr kumimoji="1" lang="ja-JP" altLang="en-US"/>
           </a:p>
@@ -878,7 +878,7 @@
           <a:p>
             <a:fld id="{2103CA96-9EB7-4190-9943-2A446C06CAF1}" type="datetimeFigureOut">
               <a:rPr kumimoji="1" lang="ja-JP" altLang="en-US" smtClean="0"/>
-              <a:t>2025/5/20</a:t>
+              <a:t>2025/5/28</a:t>
             </a:fld>
             <a:endParaRPr kumimoji="1" lang="ja-JP" altLang="en-US"/>
           </a:p>
@@ -1122,7 +1122,7 @@
           <a:p>
             <a:fld id="{2103CA96-9EB7-4190-9943-2A446C06CAF1}" type="datetimeFigureOut">
               <a:rPr kumimoji="1" lang="ja-JP" altLang="en-US" smtClean="0"/>
-              <a:t>2025/5/20</a:t>
+              <a:t>2025/5/28</a:t>
             </a:fld>
             <a:endParaRPr kumimoji="1" lang="ja-JP" altLang="en-US"/>
           </a:p>
@@ -1418,7 +1418,7 @@
           <a:p>
             <a:fld id="{2103CA96-9EB7-4190-9943-2A446C06CAF1}" type="datetimeFigureOut">
               <a:rPr kumimoji="1" lang="ja-JP" altLang="en-US" smtClean="0"/>
-              <a:t>2025/5/20</a:t>
+              <a:t>2025/5/28</a:t>
             </a:fld>
             <a:endParaRPr kumimoji="1" lang="ja-JP" altLang="en-US"/>
           </a:p>
@@ -1849,7 +1849,7 @@
           <a:p>
             <a:fld id="{2103CA96-9EB7-4190-9943-2A446C06CAF1}" type="datetimeFigureOut">
               <a:rPr kumimoji="1" lang="ja-JP" altLang="en-US" smtClean="0"/>
-              <a:t>2025/5/20</a:t>
+              <a:t>2025/5/28</a:t>
             </a:fld>
             <a:endParaRPr kumimoji="1" lang="ja-JP" altLang="en-US"/>
           </a:p>
@@ -1967,7 +1967,7 @@
           <a:p>
             <a:fld id="{2103CA96-9EB7-4190-9943-2A446C06CAF1}" type="datetimeFigureOut">
               <a:rPr kumimoji="1" lang="ja-JP" altLang="en-US" smtClean="0"/>
-              <a:t>2025/5/20</a:t>
+              <a:t>2025/5/28</a:t>
             </a:fld>
             <a:endParaRPr kumimoji="1" lang="ja-JP" altLang="en-US"/>
           </a:p>
@@ -2062,7 +2062,7 @@
           <a:p>
             <a:fld id="{2103CA96-9EB7-4190-9943-2A446C06CAF1}" type="datetimeFigureOut">
               <a:rPr kumimoji="1" lang="ja-JP" altLang="en-US" smtClean="0"/>
-              <a:t>2025/5/20</a:t>
+              <a:t>2025/5/28</a:t>
             </a:fld>
             <a:endParaRPr kumimoji="1" lang="ja-JP" altLang="en-US"/>
           </a:p>
@@ -2371,7 +2371,7 @@
           <a:p>
             <a:fld id="{2103CA96-9EB7-4190-9943-2A446C06CAF1}" type="datetimeFigureOut">
               <a:rPr kumimoji="1" lang="ja-JP" altLang="en-US" smtClean="0"/>
-              <a:t>2025/5/20</a:t>
+              <a:t>2025/5/28</a:t>
             </a:fld>
             <a:endParaRPr kumimoji="1" lang="ja-JP" altLang="en-US"/>
           </a:p>
@@ -2628,7 +2628,7 @@
           <a:p>
             <a:fld id="{2103CA96-9EB7-4190-9943-2A446C06CAF1}" type="datetimeFigureOut">
               <a:rPr kumimoji="1" lang="ja-JP" altLang="en-US" smtClean="0"/>
-              <a:t>2025/5/20</a:t>
+              <a:t>2025/5/28</a:t>
             </a:fld>
             <a:endParaRPr kumimoji="1" lang="ja-JP" altLang="en-US"/>
           </a:p>
@@ -2873,7 +2873,7 @@
           <a:p>
             <a:fld id="{2103CA96-9EB7-4190-9943-2A446C06CAF1}" type="datetimeFigureOut">
               <a:rPr kumimoji="1" lang="ja-JP" altLang="en-US" smtClean="0"/>
-              <a:t>2025/5/20</a:t>
+              <a:t>2025/5/28</a:t>
             </a:fld>
             <a:endParaRPr kumimoji="1" lang="ja-JP" altLang="en-US"/>
           </a:p>
@@ -4023,14 +4023,14 @@
           <p:nvPr>
             <p:extLst>
               <p:ext uri="{D42A27DB-BD31-4B8C-83A1-F6EECF244321}">
-                <p14:modId xmlns:p14="http://schemas.microsoft.com/office/powerpoint/2010/main" val="521218341"/>
+                <p14:modId xmlns:p14="http://schemas.microsoft.com/office/powerpoint/2010/main" val="3317665032"/>
               </p:ext>
             </p:extLst>
           </p:nvPr>
         </p:nvGraphicFramePr>
         <p:xfrm>
           <a:off x="194731" y="4306145"/>
-          <a:ext cx="7382935" cy="1788160"/>
+          <a:ext cx="7382935" cy="1844040"/>
         </p:xfrm>
         <a:graphic>
           <a:graphicData uri="http://schemas.openxmlformats.org/drawingml/2006/table">
@@ -4673,7 +4673,17 @@
                         <a:tabLst/>
                         <a:defRPr/>
                       </a:pPr>
-                      <a:endParaRPr kumimoji="1" lang="ja-JP" altLang="en-US" dirty="0"/>
+                      <a:r>
+                        <a:rPr kumimoji="1" lang="en-US" altLang="ja-JP" sz="1100" dirty="0">
+                          <a:latin typeface="+mn-ea"/>
+                          <a:ea typeface="+mn-ea"/>
+                        </a:rPr>
+                        <a:t>2025/05/28</a:t>
+                      </a:r>
+                      <a:endParaRPr kumimoji="1" lang="ja-JP" altLang="en-US" sz="1100" dirty="0">
+                        <a:latin typeface="+mn-ea"/>
+                        <a:ea typeface="+mn-ea"/>
+                      </a:endParaRPr>
                     </a:p>
                   </a:txBody>
                   <a:tcPr>
@@ -4702,7 +4712,10 @@
                     <a:bodyPr/>
                     <a:lstStyle/>
                     <a:p>
-                      <a:endParaRPr kumimoji="1" lang="ja-JP" altLang="en-US" dirty="0"/>
+                      <a:r>
+                        <a:rPr kumimoji="1" lang="ja-JP" altLang="en-US" sz="1100" dirty="0"/>
+                        <a:t>杉谷</a:t>
+                      </a:r>
                     </a:p>
                   </a:txBody>
                   <a:tcPr>
@@ -4731,7 +4744,10 @@
                     <a:bodyPr/>
                     <a:lstStyle/>
                     <a:p>
-                      <a:endParaRPr kumimoji="1" lang="ja-JP" altLang="en-US" dirty="0"/>
+                      <a:r>
+                        <a:rPr kumimoji="1" lang="ja-JP" altLang="en-US" sz="1100" dirty="0"/>
+                        <a:t>４スライド目</a:t>
+                      </a:r>
                     </a:p>
                   </a:txBody>
                   <a:tcPr>
@@ -4769,7 +4785,17 @@
                     <a:bodyPr/>
                     <a:lstStyle/>
                     <a:p>
-                      <a:endParaRPr kumimoji="1" lang="ja-JP" altLang="en-US" dirty="0"/>
+                      <a:r>
+                        <a:rPr kumimoji="1" lang="ja-JP" altLang="en-US" sz="1100" dirty="0"/>
+                        <a:t>マウスポインタを表示に変更</a:t>
+                      </a:r>
+                      <a:br>
+                        <a:rPr kumimoji="1" lang="en-US" altLang="ja-JP" sz="1100" dirty="0"/>
+                      </a:br>
+                      <a:r>
+                        <a:rPr kumimoji="1" lang="ja-JP" altLang="en-US" sz="1100" dirty="0"/>
+                        <a:t>ワイヤーアクションの操作仕様変更</a:t>
+                      </a:r>
                     </a:p>
                   </a:txBody>
                   <a:tcPr>
@@ -8019,7 +8045,7 @@
           <p:nvPr>
             <p:extLst>
               <p:ext uri="{D42A27DB-BD31-4B8C-83A1-F6EECF244321}">
-                <p14:modId xmlns:p14="http://schemas.microsoft.com/office/powerpoint/2010/main" val="2305541156"/>
+                <p14:modId xmlns:p14="http://schemas.microsoft.com/office/powerpoint/2010/main" val="3958754793"/>
               </p:ext>
             </p:extLst>
           </p:nvPr>
@@ -8151,14 +8177,14 @@
                     <a:p>
                       <a:r>
                         <a:rPr kumimoji="1" lang="ja-JP" altLang="en-US" sz="1200" dirty="0"/>
-                        <a:t>左クリック長押し：ワイヤーの発射場所決め</a:t>
+                        <a:t>マウスカーソルを接続可能な位置に合わせる：ワイヤーの発射場所決め</a:t>
                       </a:r>
                       <a:endParaRPr kumimoji="1" lang="en-US" altLang="ja-JP" sz="1200" dirty="0"/>
                     </a:p>
                     <a:p>
                       <a:r>
                         <a:rPr kumimoji="1" lang="ja-JP" altLang="en-US" sz="1200" dirty="0"/>
-                        <a:t>ワイヤーキャンセル：ワイヤー接続不可の場所にカーソルを合わせて離す</a:t>
+                        <a:t>左クリック単押し：ワイヤー接続</a:t>
                       </a:r>
                       <a:endParaRPr kumimoji="1" lang="en-US" altLang="ja-JP" sz="1200" dirty="0"/>
                     </a:p>
@@ -9048,8 +9074,8 @@
         </p:nvSpPr>
         <p:spPr>
           <a:xfrm>
-            <a:off x="4228268" y="5001840"/>
-            <a:ext cx="1960865" cy="646331"/>
+            <a:off x="4302087" y="5094173"/>
+            <a:ext cx="1960865" cy="461665"/>
           </a:xfrm>
           <a:prstGeom prst="rect">
             <a:avLst/>
@@ -9069,7 +9095,7 @@
               <a:rPr kumimoji="1" lang="ja-JP" altLang="en-US" sz="1200" dirty="0">
                 <a:latin typeface="+mn-ea"/>
               </a:rPr>
-              <a:t>マウスポインタは実機では非表示。</a:t>
+              <a:t>マウスポインタ表示。</a:t>
             </a:r>
             <a:endParaRPr kumimoji="1" lang="en-US" altLang="ja-JP" sz="1200" dirty="0">
               <a:latin typeface="+mn-ea"/>
@@ -9080,7 +9106,7 @@
               <a:rPr kumimoji="1" lang="ja-JP" altLang="en-US" sz="1200" dirty="0">
                 <a:latin typeface="+mn-ea"/>
               </a:rPr>
-              <a:t>予測線は表示。</a:t>
+              <a:t>予測線表示。</a:t>
             </a:r>
           </a:p>
         </p:txBody>
@@ -9132,57 +9158,6 @@
                 <a:latin typeface="+mn-ea"/>
               </a:rPr>
               <a:t>画面イメージ</a:t>
-            </a:r>
-          </a:p>
-        </p:txBody>
-      </p:sp>
-      <p:sp>
-        <p:nvSpPr>
-          <p:cNvPr id="24" name="テキスト ボックス 23">
-            <a:extLst>
-              <a:ext uri="{FF2B5EF4-FFF2-40B4-BE49-F238E27FC236}">
-                <a16:creationId xmlns:a16="http://schemas.microsoft.com/office/drawing/2014/main" id="{B522D3E1-97BB-421F-B6C1-E0219F5F59A8}"/>
-              </a:ext>
-            </a:extLst>
-          </p:cNvPr>
-          <p:cNvSpPr txBox="1"/>
-          <p:nvPr/>
-        </p:nvSpPr>
-        <p:spPr>
-          <a:xfrm>
-            <a:off x="4506235" y="6188174"/>
-            <a:ext cx="2751506" cy="461665"/>
-          </a:xfrm>
-          <a:prstGeom prst="rect">
-            <a:avLst/>
-          </a:prstGeom>
-          <a:noFill/>
-          <a:ln>
-            <a:noFill/>
-          </a:ln>
-        </p:spPr>
-        <p:txBody>
-          <a:bodyPr wrap="square" rtlCol="0">
-            <a:spAutoFit/>
-          </a:bodyPr>
-          <a:lstStyle/>
-          <a:p>
-            <a:r>
-              <a:rPr kumimoji="1" lang="ja-JP" altLang="en-US" sz="1200" dirty="0">
-                <a:latin typeface="+mn-ea"/>
-              </a:rPr>
-              <a:t>位置決め中でも時間は止めない</a:t>
-            </a:r>
-            <a:endParaRPr kumimoji="1" lang="en-US" altLang="ja-JP" sz="1200" dirty="0">
-              <a:latin typeface="+mn-ea"/>
-            </a:endParaRPr>
-          </a:p>
-          <a:p>
-            <a:r>
-              <a:rPr kumimoji="1" lang="ja-JP" altLang="en-US" sz="1200" dirty="0">
-                <a:latin typeface="+mn-ea"/>
-              </a:rPr>
-              <a:t>＝敵から攻撃される可能性あり</a:t>
             </a:r>
           </a:p>
         </p:txBody>
@@ -9569,146 +9544,6 @@
           </p:txBody>
         </p:sp>
       </p:grpSp>
-      <p:cxnSp>
-        <p:nvCxnSpPr>
-          <p:cNvPr id="35" name="直線矢印コネクタ 34">
-            <a:extLst>
-              <a:ext uri="{FF2B5EF4-FFF2-40B4-BE49-F238E27FC236}">
-                <a16:creationId xmlns:a16="http://schemas.microsoft.com/office/drawing/2014/main" id="{5ED9F647-ED79-498B-81CA-C5AA97D51283}"/>
-              </a:ext>
-            </a:extLst>
-          </p:cNvPr>
-          <p:cNvCxnSpPr>
-            <a:cxnSpLocks/>
-          </p:cNvCxnSpPr>
-          <p:nvPr/>
-        </p:nvCxnSpPr>
-        <p:spPr>
-          <a:xfrm flipV="1">
-            <a:off x="7271906" y="5310188"/>
-            <a:ext cx="1083900" cy="139969"/>
-          </a:xfrm>
-          <a:prstGeom prst="straightConnector1">
-            <a:avLst/>
-          </a:prstGeom>
-          <a:ln w="9525" cap="flat" cmpd="sng" algn="ctr">
-            <a:solidFill>
-              <a:srgbClr val="FF0000"/>
-            </a:solidFill>
-            <a:prstDash val="dash"/>
-            <a:round/>
-            <a:headEnd type="none" w="med" len="med"/>
-            <a:tailEnd type="none" w="med" len="med"/>
-          </a:ln>
-        </p:spPr>
-        <p:style>
-          <a:lnRef idx="0">
-            <a:scrgbClr r="0" g="0" b="0"/>
-          </a:lnRef>
-          <a:fillRef idx="0">
-            <a:scrgbClr r="0" g="0" b="0"/>
-          </a:fillRef>
-          <a:effectRef idx="0">
-            <a:scrgbClr r="0" g="0" b="0"/>
-          </a:effectRef>
-          <a:fontRef idx="minor">
-            <a:schemeClr val="tx1"/>
-          </a:fontRef>
-        </p:style>
-      </p:cxnSp>
-      <p:cxnSp>
-        <p:nvCxnSpPr>
-          <p:cNvPr id="36" name="直線矢印コネクタ 35">
-            <a:extLst>
-              <a:ext uri="{FF2B5EF4-FFF2-40B4-BE49-F238E27FC236}">
-                <a16:creationId xmlns:a16="http://schemas.microsoft.com/office/drawing/2014/main" id="{C6C5EFE5-44C4-49FC-AA65-C162B1F5DA03}"/>
-              </a:ext>
-            </a:extLst>
-          </p:cNvPr>
-          <p:cNvCxnSpPr>
-            <a:cxnSpLocks/>
-          </p:cNvCxnSpPr>
-          <p:nvPr/>
-        </p:nvCxnSpPr>
-        <p:spPr>
-          <a:xfrm flipV="1">
-            <a:off x="8369930" y="5280281"/>
-            <a:ext cx="105735" cy="25400"/>
-          </a:xfrm>
-          <a:prstGeom prst="straightConnector1">
-            <a:avLst/>
-          </a:prstGeom>
-          <a:ln>
-            <a:solidFill>
-              <a:srgbClr val="FF0000"/>
-            </a:solidFill>
-            <a:tailEnd type="triangle"/>
-          </a:ln>
-        </p:spPr>
-        <p:style>
-          <a:lnRef idx="1">
-            <a:schemeClr val="accent1"/>
-          </a:lnRef>
-          <a:fillRef idx="0">
-            <a:schemeClr val="accent1"/>
-          </a:fillRef>
-          <a:effectRef idx="0">
-            <a:schemeClr val="accent1"/>
-          </a:effectRef>
-          <a:fontRef idx="minor">
-            <a:schemeClr val="tx1"/>
-          </a:fontRef>
-        </p:style>
-      </p:cxnSp>
-      <p:sp>
-        <p:nvSpPr>
-          <p:cNvPr id="42" name="テキスト ボックス 41">
-            <a:extLst>
-              <a:ext uri="{FF2B5EF4-FFF2-40B4-BE49-F238E27FC236}">
-                <a16:creationId xmlns:a16="http://schemas.microsoft.com/office/drawing/2014/main" id="{45D1B740-951F-485E-908C-D7C9066C08AE}"/>
-              </a:ext>
-            </a:extLst>
-          </p:cNvPr>
-          <p:cNvSpPr txBox="1"/>
-          <p:nvPr/>
-        </p:nvSpPr>
-        <p:spPr>
-          <a:xfrm>
-            <a:off x="8369930" y="5154481"/>
-            <a:ext cx="415154" cy="276999"/>
-          </a:xfrm>
-          <a:prstGeom prst="rect">
-            <a:avLst/>
-          </a:prstGeom>
-          <a:noFill/>
-          <a:ln>
-            <a:noFill/>
-          </a:ln>
-        </p:spPr>
-        <p:txBody>
-          <a:bodyPr wrap="square" rtlCol="0">
-            <a:spAutoFit/>
-          </a:bodyPr>
-          <a:lstStyle/>
-          <a:p>
-            <a:r>
-              <a:rPr kumimoji="1" lang="en-US" altLang="ja-JP" sz="1200" b="1" dirty="0">
-                <a:solidFill>
-                  <a:srgbClr val="FF0000"/>
-                </a:solidFill>
-                <a:latin typeface="+mn-ea"/>
-              </a:rPr>
-              <a:t>×</a:t>
-            </a:r>
-            <a:endParaRPr kumimoji="1" lang="ja-JP" altLang="en-US" sz="1200" b="1" dirty="0">
-              <a:solidFill>
-                <a:srgbClr val="FF0000"/>
-              </a:solidFill>
-              <a:latin typeface="+mn-ea"/>
-            </a:endParaRPr>
-          </a:p>
-        </p:txBody>
-      </p:sp>
       <p:sp>
         <p:nvSpPr>
           <p:cNvPr id="43" name="矢印: 右 42">
@@ -10005,63 +9840,6 @@
       </p:sp>
       <p:sp>
         <p:nvSpPr>
-          <p:cNvPr id="44" name="吹き出し: 円形 43">
-            <a:extLst>
-              <a:ext uri="{FF2B5EF4-FFF2-40B4-BE49-F238E27FC236}">
-                <a16:creationId xmlns:a16="http://schemas.microsoft.com/office/drawing/2014/main" id="{C5D59DD2-D1C4-4566-ACAD-1E719602EAA6}"/>
-              </a:ext>
-            </a:extLst>
-          </p:cNvPr>
-          <p:cNvSpPr/>
-          <p:nvPr/>
-        </p:nvSpPr>
-        <p:spPr>
-          <a:xfrm rot="16411678">
-            <a:off x="7762874" y="2254366"/>
-            <a:ext cx="1185864" cy="2929847"/>
-          </a:xfrm>
-          <a:prstGeom prst="wedgeEllipseCallout">
-            <a:avLst>
-              <a:gd name="adj1" fmla="val -122898"/>
-              <a:gd name="adj2" fmla="val 8882"/>
-            </a:avLst>
-          </a:prstGeom>
-          <a:solidFill>
-            <a:schemeClr val="bg1"/>
-          </a:solidFill>
-          <a:ln>
-            <a:solidFill>
-              <a:schemeClr val="tx1"/>
-            </a:solidFill>
-          </a:ln>
-        </p:spPr>
-        <p:style>
-          <a:lnRef idx="2">
-            <a:schemeClr val="accent1">
-              <a:shade val="50000"/>
-            </a:schemeClr>
-          </a:lnRef>
-          <a:fillRef idx="1">
-            <a:schemeClr val="accent1"/>
-          </a:fillRef>
-          <a:effectRef idx="0">
-            <a:schemeClr val="accent1"/>
-          </a:effectRef>
-          <a:fontRef idx="minor">
-            <a:schemeClr val="lt1"/>
-          </a:fontRef>
-        </p:style>
-        <p:txBody>
-          <a:bodyPr rtlCol="0" anchor="ctr"/>
-          <a:lstStyle/>
-          <a:p>
-            <a:pPr algn="ctr"/>
-            <a:endParaRPr kumimoji="1" lang="ja-JP" altLang="en-US" dirty="0"/>
-          </a:p>
-        </p:txBody>
-      </p:sp>
-      <p:sp>
-        <p:nvSpPr>
           <p:cNvPr id="45" name="テキスト ボックス 44">
             <a:extLst>
               <a:ext uri="{FF2B5EF4-FFF2-40B4-BE49-F238E27FC236}">
@@ -10074,8 +9852,8 @@
         </p:nvSpPr>
         <p:spPr>
           <a:xfrm>
-            <a:off x="7042998" y="3403778"/>
-            <a:ext cx="2712973" cy="646331"/>
+            <a:off x="7222070" y="3652577"/>
+            <a:ext cx="2712973" cy="461665"/>
           </a:xfrm>
           <a:prstGeom prst="rect">
             <a:avLst/>
@@ -10095,19 +9873,7 @@
               <a:rPr kumimoji="1" lang="ja-JP" altLang="en-US" sz="1200" dirty="0">
                 <a:latin typeface="+mn-ea"/>
               </a:rPr>
-              <a:t>ワイヤー接続不可の場所にカーソルを合わせると予測線の色が変わり、</a:t>
-            </a:r>
-            <a:r>
-              <a:rPr kumimoji="1" lang="en-US" altLang="ja-JP" sz="1200" dirty="0">
-                <a:latin typeface="+mn-ea"/>
-              </a:rPr>
-              <a:t>×</a:t>
-            </a:r>
-            <a:r>
-              <a:rPr kumimoji="1" lang="ja-JP" altLang="en-US" sz="1200" dirty="0">
-                <a:latin typeface="+mn-ea"/>
-              </a:rPr>
-              <a:t>マーク表示。</a:t>
+              <a:t>ワイヤー接続不可の場所にカーソルを合わせても予測線は表示されない</a:t>
             </a:r>
           </a:p>
         </p:txBody>

--- a/Assets/Specs/仕様書.pptx
+++ b/Assets/Specs/仕様書.pptx
@@ -262,7 +262,7 @@
           <a:p>
             <a:fld id="{2103CA96-9EB7-4190-9943-2A446C06CAF1}" type="datetimeFigureOut">
               <a:rPr kumimoji="1" lang="ja-JP" altLang="en-US" smtClean="0"/>
-              <a:t>2025/5/28</a:t>
+              <a:t>2025/6/10</a:t>
             </a:fld>
             <a:endParaRPr kumimoji="1" lang="ja-JP" altLang="en-US"/>
           </a:p>
@@ -464,7 +464,7 @@
           <a:p>
             <a:fld id="{2103CA96-9EB7-4190-9943-2A446C06CAF1}" type="datetimeFigureOut">
               <a:rPr kumimoji="1" lang="ja-JP" altLang="en-US" smtClean="0"/>
-              <a:t>2025/5/28</a:t>
+              <a:t>2025/6/10</a:t>
             </a:fld>
             <a:endParaRPr kumimoji="1" lang="ja-JP" altLang="en-US"/>
           </a:p>
@@ -676,7 +676,7 @@
           <a:p>
             <a:fld id="{2103CA96-9EB7-4190-9943-2A446C06CAF1}" type="datetimeFigureOut">
               <a:rPr kumimoji="1" lang="ja-JP" altLang="en-US" smtClean="0"/>
-              <a:t>2025/5/28</a:t>
+              <a:t>2025/6/10</a:t>
             </a:fld>
             <a:endParaRPr kumimoji="1" lang="ja-JP" altLang="en-US"/>
           </a:p>
@@ -878,7 +878,7 @@
           <a:p>
             <a:fld id="{2103CA96-9EB7-4190-9943-2A446C06CAF1}" type="datetimeFigureOut">
               <a:rPr kumimoji="1" lang="ja-JP" altLang="en-US" smtClean="0"/>
-              <a:t>2025/5/28</a:t>
+              <a:t>2025/6/10</a:t>
             </a:fld>
             <a:endParaRPr kumimoji="1" lang="ja-JP" altLang="en-US"/>
           </a:p>
@@ -1122,7 +1122,7 @@
           <a:p>
             <a:fld id="{2103CA96-9EB7-4190-9943-2A446C06CAF1}" type="datetimeFigureOut">
               <a:rPr kumimoji="1" lang="ja-JP" altLang="en-US" smtClean="0"/>
-              <a:t>2025/5/28</a:t>
+              <a:t>2025/6/10</a:t>
             </a:fld>
             <a:endParaRPr kumimoji="1" lang="ja-JP" altLang="en-US"/>
           </a:p>
@@ -1418,7 +1418,7 @@
           <a:p>
             <a:fld id="{2103CA96-9EB7-4190-9943-2A446C06CAF1}" type="datetimeFigureOut">
               <a:rPr kumimoji="1" lang="ja-JP" altLang="en-US" smtClean="0"/>
-              <a:t>2025/5/28</a:t>
+              <a:t>2025/6/10</a:t>
             </a:fld>
             <a:endParaRPr kumimoji="1" lang="ja-JP" altLang="en-US"/>
           </a:p>
@@ -1849,7 +1849,7 @@
           <a:p>
             <a:fld id="{2103CA96-9EB7-4190-9943-2A446C06CAF1}" type="datetimeFigureOut">
               <a:rPr kumimoji="1" lang="ja-JP" altLang="en-US" smtClean="0"/>
-              <a:t>2025/5/28</a:t>
+              <a:t>2025/6/10</a:t>
             </a:fld>
             <a:endParaRPr kumimoji="1" lang="ja-JP" altLang="en-US"/>
           </a:p>
@@ -1967,7 +1967,7 @@
           <a:p>
             <a:fld id="{2103CA96-9EB7-4190-9943-2A446C06CAF1}" type="datetimeFigureOut">
               <a:rPr kumimoji="1" lang="ja-JP" altLang="en-US" smtClean="0"/>
-              <a:t>2025/5/28</a:t>
+              <a:t>2025/6/10</a:t>
             </a:fld>
             <a:endParaRPr kumimoji="1" lang="ja-JP" altLang="en-US"/>
           </a:p>
@@ -2062,7 +2062,7 @@
           <a:p>
             <a:fld id="{2103CA96-9EB7-4190-9943-2A446C06CAF1}" type="datetimeFigureOut">
               <a:rPr kumimoji="1" lang="ja-JP" altLang="en-US" smtClean="0"/>
-              <a:t>2025/5/28</a:t>
+              <a:t>2025/6/10</a:t>
             </a:fld>
             <a:endParaRPr kumimoji="1" lang="ja-JP" altLang="en-US"/>
           </a:p>
@@ -2371,7 +2371,7 @@
           <a:p>
             <a:fld id="{2103CA96-9EB7-4190-9943-2A446C06CAF1}" type="datetimeFigureOut">
               <a:rPr kumimoji="1" lang="ja-JP" altLang="en-US" smtClean="0"/>
-              <a:t>2025/5/28</a:t>
+              <a:t>2025/6/10</a:t>
             </a:fld>
             <a:endParaRPr kumimoji="1" lang="ja-JP" altLang="en-US"/>
           </a:p>
@@ -2628,7 +2628,7 @@
           <a:p>
             <a:fld id="{2103CA96-9EB7-4190-9943-2A446C06CAF1}" type="datetimeFigureOut">
               <a:rPr kumimoji="1" lang="ja-JP" altLang="en-US" smtClean="0"/>
-              <a:t>2025/5/28</a:t>
+              <a:t>2025/6/10</a:t>
             </a:fld>
             <a:endParaRPr kumimoji="1" lang="ja-JP" altLang="en-US"/>
           </a:p>
@@ -2873,7 +2873,7 @@
           <a:p>
             <a:fld id="{2103CA96-9EB7-4190-9943-2A446C06CAF1}" type="datetimeFigureOut">
               <a:rPr kumimoji="1" lang="ja-JP" altLang="en-US" smtClean="0"/>
-              <a:t>2025/5/28</a:t>
+              <a:t>2025/6/10</a:t>
             </a:fld>
             <a:endParaRPr kumimoji="1" lang="ja-JP" altLang="en-US"/>
           </a:p>
@@ -4023,14 +4023,14 @@
           <p:nvPr>
             <p:extLst>
               <p:ext uri="{D42A27DB-BD31-4B8C-83A1-F6EECF244321}">
-                <p14:modId xmlns:p14="http://schemas.microsoft.com/office/powerpoint/2010/main" val="3317665032"/>
+                <p14:modId xmlns:p14="http://schemas.microsoft.com/office/powerpoint/2010/main" val="2345563406"/>
               </p:ext>
             </p:extLst>
           </p:nvPr>
         </p:nvGraphicFramePr>
         <p:xfrm>
           <a:off x="194731" y="4306145"/>
-          <a:ext cx="7382935" cy="1844040"/>
+          <a:ext cx="7382935" cy="2214880"/>
         </p:xfrm>
         <a:graphic>
           <a:graphicData uri="http://schemas.openxmlformats.org/drawingml/2006/table">
@@ -4696,6 +4696,154 @@
                       <a:headEnd type="none" w="med" len="med"/>
                       <a:tailEnd type="none" w="med" len="med"/>
                     </a:lnL>
+                  </a:tcPr>
+                </a:tc>
+                <a:tc>
+                  <a:txBody>
+                    <a:bodyPr/>
+                    <a:lstStyle/>
+                    <a:p>
+                      <a:r>
+                        <a:rPr kumimoji="1" lang="ja-JP" altLang="en-US" sz="1100" dirty="0"/>
+                        <a:t>杉谷</a:t>
+                      </a:r>
+                    </a:p>
+                  </a:txBody>
+                  <a:tcPr>
+                    <a:lnR w="12700" cap="flat" cmpd="sng" algn="ctr">
+                      <a:solidFill>
+                        <a:schemeClr val="bg1"/>
+                      </a:solidFill>
+                      <a:prstDash val="solid"/>
+                      <a:round/>
+                      <a:headEnd type="none" w="med" len="med"/>
+                      <a:tailEnd type="none" w="med" len="med"/>
+                    </a:lnR>
+                  </a:tcPr>
+                </a:tc>
+                <a:tc>
+                  <a:txBody>
+                    <a:bodyPr/>
+                    <a:lstStyle/>
+                    <a:p>
+                      <a:r>
+                        <a:rPr kumimoji="1" lang="ja-JP" altLang="en-US" sz="1100" dirty="0"/>
+                        <a:t>４スライド目</a:t>
+                      </a:r>
+                    </a:p>
+                  </a:txBody>
+                  <a:tcPr>
+                    <a:lnL w="12700" cap="flat" cmpd="sng" algn="ctr">
+                      <a:solidFill>
+                        <a:schemeClr val="bg1"/>
+                      </a:solidFill>
+                      <a:prstDash val="solid"/>
+                      <a:round/>
+                      <a:headEnd type="none" w="med" len="med"/>
+                      <a:tailEnd type="none" w="med" len="med"/>
+                    </a:lnL>
+                    <a:lnR w="12700" cap="flat" cmpd="sng" algn="ctr">
+                      <a:solidFill>
+                        <a:schemeClr val="bg1"/>
+                      </a:solidFill>
+                      <a:prstDash val="solid"/>
+                      <a:round/>
+                      <a:headEnd type="none" w="med" len="med"/>
+                      <a:tailEnd type="none" w="med" len="med"/>
+                    </a:lnR>
+                  </a:tcPr>
+                </a:tc>
+                <a:tc>
+                  <a:txBody>
+                    <a:bodyPr/>
+                    <a:lstStyle/>
+                    <a:p>
+                      <a:r>
+                        <a:rPr kumimoji="1" lang="ja-JP" altLang="en-US" sz="1100" dirty="0"/>
+                        <a:t>マウスポインタを表示に変更</a:t>
+                      </a:r>
+                      <a:br>
+                        <a:rPr kumimoji="1" lang="en-US" altLang="ja-JP" sz="1100" dirty="0"/>
+                      </a:br>
+                      <a:r>
+                        <a:rPr kumimoji="1" lang="ja-JP" altLang="en-US" sz="1100" dirty="0"/>
+                        <a:t>ワイヤーアクションの操作仕様変更</a:t>
+                      </a:r>
+                    </a:p>
+                  </a:txBody>
+                  <a:tcPr>
+                    <a:lnL w="12700" cap="flat" cmpd="sng" algn="ctr">
+                      <a:solidFill>
+                        <a:schemeClr val="bg1"/>
+                      </a:solidFill>
+                      <a:prstDash val="solid"/>
+                      <a:round/>
+                      <a:headEnd type="none" w="med" len="med"/>
+                      <a:tailEnd type="none" w="med" len="med"/>
+                    </a:lnL>
+                    <a:lnR w="12700" cap="flat" cmpd="sng" algn="ctr">
+                      <a:solidFill>
+                        <a:schemeClr val="tx1"/>
+                      </a:solidFill>
+                      <a:prstDash val="solid"/>
+                      <a:round/>
+                      <a:headEnd type="none" w="med" len="med"/>
+                      <a:tailEnd type="none" w="med" len="med"/>
+                    </a:lnR>
+                  </a:tcPr>
+                </a:tc>
+                <a:extLst>
+                  <a:ext uri="{0D108BD9-81ED-4DB2-BD59-A6C34878D82A}">
+                    <a16:rowId xmlns:a16="http://schemas.microsoft.com/office/drawing/2014/main" val="3312778974"/>
+                  </a:ext>
+                </a:extLst>
+              </a:tr>
+              <a:tr h="370840">
+                <a:tc>
+                  <a:txBody>
+                    <a:bodyPr/>
+                    <a:lstStyle/>
+                    <a:p>
+                      <a:pPr marL="0" marR="0" lvl="0" indent="0" algn="l" defTabSz="914400" rtl="0" eaLnBrk="1" fontAlgn="auto" latinLnBrk="0" hangingPunct="1">
+                        <a:lnSpc>
+                          <a:spcPct val="100000"/>
+                        </a:lnSpc>
+                        <a:spcBef>
+                          <a:spcPts val="0"/>
+                        </a:spcBef>
+                        <a:spcAft>
+                          <a:spcPts val="0"/>
+                        </a:spcAft>
+                        <a:buClrTx/>
+                        <a:buSzTx/>
+                        <a:buFontTx/>
+                        <a:buNone/>
+                        <a:tabLst/>
+                        <a:defRPr/>
+                      </a:pPr>
+                      <a:r>
+                        <a:rPr kumimoji="1" lang="en-US" altLang="ja-JP" sz="1100" dirty="0">
+                          <a:latin typeface="+mn-ea"/>
+                          <a:ea typeface="+mn-ea"/>
+                        </a:rPr>
+                        <a:t>2025/06/10</a:t>
+                      </a:r>
+                      <a:endParaRPr kumimoji="1" lang="ja-JP" altLang="en-US" sz="1100" dirty="0">
+                        <a:latin typeface="+mn-ea"/>
+                        <a:ea typeface="+mn-ea"/>
+                      </a:endParaRPr>
+                    </a:p>
+                  </a:txBody>
+                  <a:tcPr>
+                    <a:lnL w="12700" cap="flat" cmpd="sng" algn="ctr">
+                      <a:solidFill>
+                        <a:schemeClr val="tx1"/>
+                      </a:solidFill>
+                      <a:prstDash val="solid"/>
+                      <a:round/>
+                      <a:headEnd type="none" w="med" len="med"/>
+                      <a:tailEnd type="none" w="med" len="med"/>
+                    </a:lnL>
                     <a:lnB w="12700" cap="flat" cmpd="sng" algn="ctr">
                       <a:solidFill>
                         <a:schemeClr val="tx1"/>
@@ -4714,7 +4862,7 @@
                     <a:p>
                       <a:r>
                         <a:rPr kumimoji="1" lang="ja-JP" altLang="en-US" sz="1100" dirty="0"/>
-                        <a:t>杉谷</a:t>
+                        <a:t>石川</a:t>
                       </a:r>
                     </a:p>
                   </a:txBody>
@@ -4746,7 +4894,7 @@
                     <a:p>
                       <a:r>
                         <a:rPr kumimoji="1" lang="ja-JP" altLang="en-US" sz="1100" dirty="0"/>
-                        <a:t>４スライド目</a:t>
+                        <a:t>８スライド目</a:t>
                       </a:r>
                     </a:p>
                   </a:txBody>
@@ -4787,14 +4935,7 @@
                     <a:p>
                       <a:r>
                         <a:rPr kumimoji="1" lang="ja-JP" altLang="en-US" sz="1100" dirty="0"/>
-                        <a:t>マウスポインタを表示に変更</a:t>
-                      </a:r>
-                      <a:br>
-                        <a:rPr kumimoji="1" lang="en-US" altLang="ja-JP" sz="1100" dirty="0"/>
-                      </a:br>
-                      <a:r>
-                        <a:rPr kumimoji="1" lang="ja-JP" altLang="en-US" sz="1100" dirty="0"/>
-                        <a:t>ワイヤーアクションの操作仕様変更</a:t>
+                        <a:t>敵デザインの追加・修正</a:t>
                       </a:r>
                     </a:p>
                   </a:txBody>
@@ -4830,7 +4971,7 @@
                 </a:tc>
                 <a:extLst>
                   <a:ext uri="{0D108BD9-81ED-4DB2-BD59-A6C34878D82A}">
-                    <a16:rowId xmlns:a16="http://schemas.microsoft.com/office/drawing/2014/main" val="3312778974"/>
+                    <a16:rowId xmlns:a16="http://schemas.microsoft.com/office/drawing/2014/main" val="903218070"/>
                   </a:ext>
                 </a:extLst>
               </a:tr>
@@ -16042,14 +16183,14 @@
           <p:nvPr>
             <p:extLst>
               <p:ext uri="{D42A27DB-BD31-4B8C-83A1-F6EECF244321}">
-                <p14:modId xmlns:p14="http://schemas.microsoft.com/office/powerpoint/2010/main" val="2163957066"/>
+                <p14:modId xmlns:p14="http://schemas.microsoft.com/office/powerpoint/2010/main" val="3851905254"/>
               </p:ext>
             </p:extLst>
           </p:nvPr>
         </p:nvGraphicFramePr>
         <p:xfrm>
           <a:off x="193040" y="1066800"/>
-          <a:ext cx="7029030" cy="2682240"/>
+          <a:ext cx="7029030" cy="5020843"/>
         </p:xfrm>
         <a:graphic>
           <a:graphicData uri="http://schemas.openxmlformats.org/drawingml/2006/table">
@@ -16116,7 +16257,7 @@
                   </a:ext>
                 </a:extLst>
               </a:tr>
-              <a:tr h="370840">
+              <a:tr h="1167908">
                 <a:tc>
                   <a:txBody>
                     <a:bodyPr/>
@@ -16124,7 +16265,7 @@
                     <a:p>
                       <a:r>
                         <a:rPr kumimoji="1" lang="ja-JP" altLang="en-US" sz="1200" dirty="0"/>
-                        <a:t>・ワイヤー切る敵</a:t>
+                        <a:t>・トリ</a:t>
                       </a:r>
                     </a:p>
                   </a:txBody>
@@ -16149,7 +16290,7 @@
                   </a:ext>
                 </a:extLst>
               </a:tr>
-              <a:tr h="370840">
+              <a:tr h="1005021">
                 <a:tc>
                   <a:txBody>
                     <a:bodyPr/>
@@ -16213,13 +16354,16 @@
                   </a:ext>
                 </a:extLst>
               </a:tr>
-              <a:tr h="370840">
+              <a:tr h="1364554">
                 <a:tc>
                   <a:txBody>
                     <a:bodyPr/>
                     <a:lstStyle/>
                     <a:p>
-                      <a:endParaRPr kumimoji="1" lang="ja-JP" altLang="en-US" sz="1200" dirty="0"/>
+                      <a:r>
+                        <a:rPr kumimoji="1" lang="ja-JP" altLang="en-US" sz="1200" dirty="0"/>
+                        <a:t>・ウサギ</a:t>
+                      </a:r>
                     </a:p>
                   </a:txBody>
                   <a:tcPr/>
@@ -16229,10 +16373,13 @@
                     <a:bodyPr/>
                     <a:lstStyle/>
                     <a:p>
-                      <a:endParaRPr kumimoji="1" lang="ja-JP" altLang="en-US" sz="1200" dirty="0">
-                        <a:latin typeface="+mn-ea"/>
-                        <a:ea typeface="+mn-ea"/>
-                      </a:endParaRPr>
+                      <a:r>
+                        <a:rPr kumimoji="1" lang="ja-JP" altLang="en-US" sz="1200" dirty="0">
+                          <a:latin typeface="+mn-ea"/>
+                          <a:ea typeface="+mn-ea"/>
+                        </a:rPr>
+                        <a:t>マリオのクリボーみたいな歩くだけのキャラ。攻撃はしてこないがぶつかるとダメージを受ける。青色と黄色の二色いる、黄色は倒したときにコインがもらえる。</a:t>
+                      </a:r>
                     </a:p>
                   </a:txBody>
                   <a:tcPr/>
@@ -16328,6 +16475,181 @@
           </a:graphicData>
         </a:graphic>
       </p:graphicFrame>
+      <p:pic>
+        <p:nvPicPr>
+          <p:cNvPr id="5" name="図 4">
+            <a:extLst>
+              <a:ext uri="{FF2B5EF4-FFF2-40B4-BE49-F238E27FC236}">
+                <a16:creationId xmlns:a16="http://schemas.microsoft.com/office/drawing/2014/main" id="{4A3C9701-5C2D-4AEE-AF7F-43FAA77D55D7}"/>
+              </a:ext>
+            </a:extLst>
+          </p:cNvPr>
+          <p:cNvPicPr>
+            <a:picLocks noChangeAspect="1"/>
+          </p:cNvPicPr>
+          <p:nvPr/>
+        </p:nvPicPr>
+        <p:blipFill rotWithShape="1">
+          <a:blip r:embed="rId2">
+            <a:extLst>
+              <a:ext uri="{28A0092B-C50C-407E-A947-70E740481C1C}">
+                <a14:useLocalDpi xmlns:a14="http://schemas.microsoft.com/office/drawing/2010/main" val="0"/>
+              </a:ext>
+            </a:extLst>
+          </a:blip>
+          <a:srcRect l="14608" t="12968" r="4102"/>
+          <a:stretch/>
+        </p:blipFill>
+        <p:spPr>
+          <a:xfrm>
+            <a:off x="2877936" y="4114305"/>
+            <a:ext cx="766916" cy="821087"/>
+          </a:xfrm>
+          <a:prstGeom prst="rect">
+            <a:avLst/>
+          </a:prstGeom>
+        </p:spPr>
+      </p:pic>
+      <p:pic>
+        <p:nvPicPr>
+          <p:cNvPr id="9" name="図 8">
+            <a:extLst>
+              <a:ext uri="{FF2B5EF4-FFF2-40B4-BE49-F238E27FC236}">
+                <a16:creationId xmlns:a16="http://schemas.microsoft.com/office/drawing/2014/main" id="{3BAD96D1-F8A2-47AC-8D8F-3439ACE9D9F4}"/>
+              </a:ext>
+            </a:extLst>
+          </p:cNvPr>
+          <p:cNvPicPr>
+            <a:picLocks noChangeAspect="1"/>
+          </p:cNvPicPr>
+          <p:nvPr/>
+        </p:nvPicPr>
+        <p:blipFill rotWithShape="1">
+          <a:blip r:embed="rId3">
+            <a:extLst>
+              <a:ext uri="{28A0092B-C50C-407E-A947-70E740481C1C}">
+                <a14:useLocalDpi xmlns:a14="http://schemas.microsoft.com/office/drawing/2010/main" val="0"/>
+              </a:ext>
+            </a:extLst>
+          </a:blip>
+          <a:srcRect l="3623" t="15462" r="9756"/>
+          <a:stretch/>
+        </p:blipFill>
+        <p:spPr>
+          <a:xfrm>
+            <a:off x="2852791" y="1746560"/>
+            <a:ext cx="817206" cy="797561"/>
+          </a:xfrm>
+          <a:prstGeom prst="rect">
+            <a:avLst/>
+          </a:prstGeom>
+        </p:spPr>
+      </p:pic>
+      <p:pic>
+        <p:nvPicPr>
+          <p:cNvPr id="11" name="図 10">
+            <a:extLst>
+              <a:ext uri="{FF2B5EF4-FFF2-40B4-BE49-F238E27FC236}">
+                <a16:creationId xmlns:a16="http://schemas.microsoft.com/office/drawing/2014/main" id="{308D349E-A41B-436E-9994-A6A62EFD016F}"/>
+              </a:ext>
+            </a:extLst>
+          </p:cNvPr>
+          <p:cNvPicPr>
+            <a:picLocks noChangeAspect="1"/>
+          </p:cNvPicPr>
+          <p:nvPr/>
+        </p:nvPicPr>
+        <p:blipFill rotWithShape="1">
+          <a:blip r:embed="rId4">
+            <a:extLst>
+              <a:ext uri="{28A0092B-C50C-407E-A947-70E740481C1C}">
+                <a14:useLocalDpi xmlns:a14="http://schemas.microsoft.com/office/drawing/2010/main" val="0"/>
+              </a:ext>
+            </a:extLst>
+          </a:blip>
+          <a:srcRect l="18111" t="12581" r="7927"/>
+          <a:stretch/>
+        </p:blipFill>
+        <p:spPr>
+          <a:xfrm>
+            <a:off x="3949700" y="1719386"/>
+            <a:ext cx="697768" cy="824735"/>
+          </a:xfrm>
+          <a:prstGeom prst="rect">
+            <a:avLst/>
+          </a:prstGeom>
+        </p:spPr>
+      </p:pic>
+      <p:pic>
+        <p:nvPicPr>
+          <p:cNvPr id="13" name="図 12">
+            <a:extLst>
+              <a:ext uri="{FF2B5EF4-FFF2-40B4-BE49-F238E27FC236}">
+                <a16:creationId xmlns:a16="http://schemas.microsoft.com/office/drawing/2014/main" id="{A2E84ADF-EFDF-466F-8CCA-833E665044EE}"/>
+              </a:ext>
+            </a:extLst>
+          </p:cNvPr>
+          <p:cNvPicPr>
+            <a:picLocks noChangeAspect="1"/>
+          </p:cNvPicPr>
+          <p:nvPr/>
+        </p:nvPicPr>
+        <p:blipFill rotWithShape="1">
+          <a:blip r:embed="rId5">
+            <a:extLst>
+              <a:ext uri="{28A0092B-C50C-407E-A947-70E740481C1C}">
+                <a14:useLocalDpi xmlns:a14="http://schemas.microsoft.com/office/drawing/2010/main" val="0"/>
+              </a:ext>
+            </a:extLst>
+          </a:blip>
+          <a:srcRect t="40115"/>
+          <a:stretch/>
+        </p:blipFill>
+        <p:spPr>
+          <a:xfrm>
+            <a:off x="2852791" y="2932500"/>
+            <a:ext cx="943427" cy="564967"/>
+          </a:xfrm>
+          <a:prstGeom prst="rect">
+            <a:avLst/>
+          </a:prstGeom>
+        </p:spPr>
+      </p:pic>
+      <p:pic>
+        <p:nvPicPr>
+          <p:cNvPr id="15" name="図 14">
+            <a:extLst>
+              <a:ext uri="{FF2B5EF4-FFF2-40B4-BE49-F238E27FC236}">
+                <a16:creationId xmlns:a16="http://schemas.microsoft.com/office/drawing/2014/main" id="{C081506E-E728-4646-8747-C32264333006}"/>
+              </a:ext>
+            </a:extLst>
+          </p:cNvPr>
+          <p:cNvPicPr>
+            <a:picLocks noChangeAspect="1"/>
+          </p:cNvPicPr>
+          <p:nvPr/>
+        </p:nvPicPr>
+        <p:blipFill rotWithShape="1">
+          <a:blip r:embed="rId6">
+            <a:extLst>
+              <a:ext uri="{28A0092B-C50C-407E-A947-70E740481C1C}">
+                <a14:useLocalDpi xmlns:a14="http://schemas.microsoft.com/office/drawing/2010/main" val="0"/>
+              </a:ext>
+            </a:extLst>
+          </a:blip>
+          <a:srcRect l="13436" t="13007" r="1684"/>
+          <a:stretch/>
+        </p:blipFill>
+        <p:spPr>
+          <a:xfrm>
+            <a:off x="3899411" y="4114305"/>
+            <a:ext cx="798346" cy="818232"/>
+          </a:xfrm>
+          <a:prstGeom prst="rect">
+            <a:avLst/>
+          </a:prstGeom>
+        </p:spPr>
+      </p:pic>
     </p:spTree>
     <p:extLst>
       <p:ext uri="{BB962C8B-B14F-4D97-AF65-F5344CB8AC3E}">

--- a/Assets/Specs/仕様書.pptx
+++ b/Assets/Specs/仕様書.pptx
@@ -4023,14 +4023,14 @@
           <p:nvPr>
             <p:extLst>
               <p:ext uri="{D42A27DB-BD31-4B8C-83A1-F6EECF244321}">
-                <p14:modId xmlns:p14="http://schemas.microsoft.com/office/powerpoint/2010/main" val="2345563406"/>
+                <p14:modId xmlns:p14="http://schemas.microsoft.com/office/powerpoint/2010/main" val="4089737015"/>
               </p:ext>
             </p:extLst>
           </p:nvPr>
         </p:nvGraphicFramePr>
         <p:xfrm>
-          <a:off x="194731" y="4306145"/>
-          <a:ext cx="7382935" cy="2214880"/>
+          <a:off x="194731" y="4094470"/>
+          <a:ext cx="7382935" cy="2585720"/>
         </p:xfrm>
         <a:graphic>
           <a:graphicData uri="http://schemas.openxmlformats.org/drawingml/2006/table">
@@ -4844,6 +4844,147 @@
                       <a:headEnd type="none" w="med" len="med"/>
                       <a:tailEnd type="none" w="med" len="med"/>
                     </a:lnL>
+                  </a:tcPr>
+                </a:tc>
+                <a:tc>
+                  <a:txBody>
+                    <a:bodyPr/>
+                    <a:lstStyle/>
+                    <a:p>
+                      <a:r>
+                        <a:rPr kumimoji="1" lang="ja-JP" altLang="en-US" sz="1100" dirty="0"/>
+                        <a:t>石川</a:t>
+                      </a:r>
+                    </a:p>
+                  </a:txBody>
+                  <a:tcPr>
+                    <a:lnR w="12700" cap="flat" cmpd="sng" algn="ctr">
+                      <a:solidFill>
+                        <a:schemeClr val="bg1"/>
+                      </a:solidFill>
+                      <a:prstDash val="solid"/>
+                      <a:round/>
+                      <a:headEnd type="none" w="med" len="med"/>
+                      <a:tailEnd type="none" w="med" len="med"/>
+                    </a:lnR>
+                  </a:tcPr>
+                </a:tc>
+                <a:tc>
+                  <a:txBody>
+                    <a:bodyPr/>
+                    <a:lstStyle/>
+                    <a:p>
+                      <a:r>
+                        <a:rPr kumimoji="1" lang="ja-JP" altLang="en-US" sz="1100" dirty="0"/>
+                        <a:t>８スライド目</a:t>
+                      </a:r>
+                    </a:p>
+                  </a:txBody>
+                  <a:tcPr>
+                    <a:lnL w="12700" cap="flat" cmpd="sng" algn="ctr">
+                      <a:solidFill>
+                        <a:schemeClr val="bg1"/>
+                      </a:solidFill>
+                      <a:prstDash val="solid"/>
+                      <a:round/>
+                      <a:headEnd type="none" w="med" len="med"/>
+                      <a:tailEnd type="none" w="med" len="med"/>
+                    </a:lnL>
+                    <a:lnR w="12700" cap="flat" cmpd="sng" algn="ctr">
+                      <a:solidFill>
+                        <a:schemeClr val="bg1"/>
+                      </a:solidFill>
+                      <a:prstDash val="solid"/>
+                      <a:round/>
+                      <a:headEnd type="none" w="med" len="med"/>
+                      <a:tailEnd type="none" w="med" len="med"/>
+                    </a:lnR>
+                  </a:tcPr>
+                </a:tc>
+                <a:tc>
+                  <a:txBody>
+                    <a:bodyPr/>
+                    <a:lstStyle/>
+                    <a:p>
+                      <a:r>
+                        <a:rPr kumimoji="1" lang="ja-JP" altLang="en-US" sz="1100" dirty="0"/>
+                        <a:t>敵デザインの追加・修正</a:t>
+                      </a:r>
+                    </a:p>
+                  </a:txBody>
+                  <a:tcPr>
+                    <a:lnL w="12700" cap="flat" cmpd="sng" algn="ctr">
+                      <a:solidFill>
+                        <a:schemeClr val="bg1"/>
+                      </a:solidFill>
+                      <a:prstDash val="solid"/>
+                      <a:round/>
+                      <a:headEnd type="none" w="med" len="med"/>
+                      <a:tailEnd type="none" w="med" len="med"/>
+                    </a:lnL>
+                    <a:lnR w="12700" cap="flat" cmpd="sng" algn="ctr">
+                      <a:solidFill>
+                        <a:schemeClr val="tx1"/>
+                      </a:solidFill>
+                      <a:prstDash val="solid"/>
+                      <a:round/>
+                      <a:headEnd type="none" w="med" len="med"/>
+                      <a:tailEnd type="none" w="med" len="med"/>
+                    </a:lnR>
+                  </a:tcPr>
+                </a:tc>
+                <a:extLst>
+                  <a:ext uri="{0D108BD9-81ED-4DB2-BD59-A6C34878D82A}">
+                    <a16:rowId xmlns:a16="http://schemas.microsoft.com/office/drawing/2014/main" val="903218070"/>
+                  </a:ext>
+                </a:extLst>
+              </a:tr>
+              <a:tr h="370840">
+                <a:tc>
+                  <a:txBody>
+                    <a:bodyPr/>
+                    <a:lstStyle/>
+                    <a:p>
+                      <a:pPr marL="0" marR="0" lvl="0" indent="0" algn="l" defTabSz="914400" rtl="0" eaLnBrk="1" fontAlgn="auto" latinLnBrk="0" hangingPunct="1">
+                        <a:lnSpc>
+                          <a:spcPct val="100000"/>
+                        </a:lnSpc>
+                        <a:spcBef>
+                          <a:spcPts val="0"/>
+                        </a:spcBef>
+                        <a:spcAft>
+                          <a:spcPts val="0"/>
+                        </a:spcAft>
+                        <a:buClrTx/>
+                        <a:buSzTx/>
+                        <a:buFontTx/>
+                        <a:buNone/>
+                        <a:tabLst/>
+                        <a:defRPr/>
+                      </a:pPr>
+                      <a:r>
+                        <a:rPr kumimoji="1" lang="en-US" altLang="ja-JP" sz="1100" dirty="0">
+                          <a:latin typeface="+mn-ea"/>
+                          <a:ea typeface="+mn-ea"/>
+                        </a:rPr>
+                        <a:t>2025/06/10</a:t>
+                      </a:r>
+                      <a:endParaRPr kumimoji="1" lang="ja-JP" altLang="en-US" sz="1100" dirty="0">
+                        <a:latin typeface="+mn-ea"/>
+                        <a:ea typeface="+mn-ea"/>
+                      </a:endParaRPr>
+                    </a:p>
+                  </a:txBody>
+                  <a:tcPr>
+                    <a:lnL w="12700" cap="flat" cmpd="sng" algn="ctr">
+                      <a:solidFill>
+                        <a:schemeClr val="tx1"/>
+                      </a:solidFill>
+                      <a:prstDash val="solid"/>
+                      <a:round/>
+                      <a:headEnd type="none" w="med" len="med"/>
+                      <a:tailEnd type="none" w="med" len="med"/>
+                    </a:lnL>
                     <a:lnB w="12700" cap="flat" cmpd="sng" algn="ctr">
                       <a:solidFill>
                         <a:schemeClr val="tx1"/>
@@ -4860,9 +5001,26 @@
                     <a:bodyPr/>
                     <a:lstStyle/>
                     <a:p>
+                      <a:pPr marL="0" marR="0" lvl="0" indent="0" algn="l" defTabSz="914400" rtl="0" eaLnBrk="1" fontAlgn="auto" latinLnBrk="0" hangingPunct="1">
+                        <a:lnSpc>
+                          <a:spcPct val="100000"/>
+                        </a:lnSpc>
+                        <a:spcBef>
+                          <a:spcPts val="0"/>
+                        </a:spcBef>
+                        <a:spcAft>
+                          <a:spcPts val="0"/>
+                        </a:spcAft>
+                        <a:buClrTx/>
+                        <a:buSzTx/>
+                        <a:buFontTx/>
+                        <a:buNone/>
+                        <a:tabLst/>
+                        <a:defRPr/>
+                      </a:pPr>
                       <a:r>
                         <a:rPr kumimoji="1" lang="ja-JP" altLang="en-US" sz="1100" dirty="0"/>
-                        <a:t>石川</a:t>
+                        <a:t>杉谷</a:t>
                       </a:r>
                     </a:p>
                   </a:txBody>
@@ -4892,9 +5050,26 @@
                     <a:bodyPr/>
                     <a:lstStyle/>
                     <a:p>
+                      <a:pPr marL="0" marR="0" lvl="0" indent="0" algn="l" defTabSz="914400" rtl="0" eaLnBrk="1" fontAlgn="auto" latinLnBrk="0" hangingPunct="1">
+                        <a:lnSpc>
+                          <a:spcPct val="100000"/>
+                        </a:lnSpc>
+                        <a:spcBef>
+                          <a:spcPts val="0"/>
+                        </a:spcBef>
+                        <a:spcAft>
+                          <a:spcPts val="0"/>
+                        </a:spcAft>
+                        <a:buClrTx/>
+                        <a:buSzTx/>
+                        <a:buFontTx/>
+                        <a:buNone/>
+                        <a:tabLst/>
+                        <a:defRPr/>
+                      </a:pPr>
                       <a:r>
                         <a:rPr kumimoji="1" lang="ja-JP" altLang="en-US" sz="1100" dirty="0"/>
-                        <a:t>８スライド目</a:t>
+                        <a:t>４スライド目</a:t>
                       </a:r>
                     </a:p>
                   </a:txBody>
@@ -4935,7 +5110,7 @@
                     <a:p>
                       <a:r>
                         <a:rPr kumimoji="1" lang="ja-JP" altLang="en-US" sz="1100" dirty="0"/>
-                        <a:t>敵デザインの追加・修正</a:t>
+                        <a:t>攻撃可能範囲の変更</a:t>
                       </a:r>
                     </a:p>
                   </a:txBody>
@@ -4971,7 +5146,7 @@
                 </a:tc>
                 <a:extLst>
                   <a:ext uri="{0D108BD9-81ED-4DB2-BD59-A6C34878D82A}">
-                    <a16:rowId xmlns:a16="http://schemas.microsoft.com/office/drawing/2014/main" val="903218070"/>
+                    <a16:rowId xmlns:a16="http://schemas.microsoft.com/office/drawing/2014/main" val="1248091657"/>
                   </a:ext>
                 </a:extLst>
               </a:tr>
@@ -8186,7 +8361,7 @@
           <p:nvPr>
             <p:extLst>
               <p:ext uri="{D42A27DB-BD31-4B8C-83A1-F6EECF244321}">
-                <p14:modId xmlns:p14="http://schemas.microsoft.com/office/powerpoint/2010/main" val="3958754793"/>
+                <p14:modId xmlns:p14="http://schemas.microsoft.com/office/powerpoint/2010/main" val="2970291071"/>
               </p:ext>
             </p:extLst>
           </p:nvPr>
@@ -8421,31 +8596,7 @@
                         <a:rPr kumimoji="1" lang="ja-JP" altLang="en-US" sz="1200" dirty="0">
                           <a:sym typeface="Wingdings" panose="05000000000000000000" pitchFamily="2" charset="2"/>
                         </a:rPr>
-                        <a:t>：</a:t>
-                      </a:r>
-                      <a:r>
-                        <a:rPr kumimoji="1" lang="en-US" altLang="ja-JP" sz="1200" dirty="0">
-                          <a:sym typeface="Wingdings" panose="05000000000000000000" pitchFamily="2" charset="2"/>
-                        </a:rPr>
-                        <a:t>(Player</a:t>
-                      </a:r>
-                      <a:r>
-                        <a:rPr kumimoji="1" lang="ja-JP" altLang="en-US" sz="1200" dirty="0">
-                          <a:sym typeface="Wingdings" panose="05000000000000000000" pitchFamily="2" charset="2"/>
-                        </a:rPr>
-                        <a:t>と同一地面上にいる敵をクリック</a:t>
-                      </a:r>
-                      <a:r>
-                        <a:rPr kumimoji="1" lang="en-US" altLang="ja-JP" sz="1200" dirty="0">
-                          <a:sym typeface="Wingdings" panose="05000000000000000000" pitchFamily="2" charset="2"/>
-                        </a:rPr>
-                        <a:t>)</a:t>
-                      </a:r>
-                      <a:r>
-                        <a:rPr kumimoji="1" lang="ja-JP" altLang="en-US" sz="1200" dirty="0">
-                          <a:sym typeface="Wingdings" panose="05000000000000000000" pitchFamily="2" charset="2"/>
-                        </a:rPr>
-                        <a:t>敵に攻撃</a:t>
+                        <a:t>：敵に攻撃</a:t>
                       </a:r>
                       <a:endParaRPr kumimoji="1" lang="en-US" altLang="ja-JP" sz="1200" dirty="0">
                         <a:sym typeface="Wingdings" panose="05000000000000000000" pitchFamily="2" charset="2"/>
@@ -9741,154 +9892,6 @@
       </p:sp>
       <p:sp>
         <p:nvSpPr>
-          <p:cNvPr id="46" name="正方形/長方形 45">
-            <a:extLst>
-              <a:ext uri="{FF2B5EF4-FFF2-40B4-BE49-F238E27FC236}">
-                <a16:creationId xmlns:a16="http://schemas.microsoft.com/office/drawing/2014/main" id="{620AC454-AA82-4E83-B607-E0B1474832E0}"/>
-              </a:ext>
-            </a:extLst>
-          </p:cNvPr>
-          <p:cNvSpPr/>
-          <p:nvPr/>
-        </p:nvSpPr>
-        <p:spPr>
-          <a:xfrm>
-            <a:off x="292006" y="5929792"/>
-            <a:ext cx="1617136" cy="695049"/>
-          </a:xfrm>
-          <a:prstGeom prst="rect">
-            <a:avLst/>
-          </a:prstGeom>
-          <a:solidFill>
-            <a:srgbClr val="C00000">
-              <a:alpha val="45000"/>
-            </a:srgbClr>
-          </a:solidFill>
-          <a:ln>
-            <a:noFill/>
-          </a:ln>
-        </p:spPr>
-        <p:style>
-          <a:lnRef idx="2">
-            <a:schemeClr val="accent1">
-              <a:shade val="50000"/>
-            </a:schemeClr>
-          </a:lnRef>
-          <a:fillRef idx="1">
-            <a:schemeClr val="accent1"/>
-          </a:fillRef>
-          <a:effectRef idx="0">
-            <a:schemeClr val="accent1"/>
-          </a:effectRef>
-          <a:fontRef idx="minor">
-            <a:schemeClr val="lt1"/>
-          </a:fontRef>
-        </p:style>
-        <p:txBody>
-          <a:bodyPr rtlCol="0" anchor="ctr"/>
-          <a:lstStyle/>
-          <a:p>
-            <a:pPr algn="ctr"/>
-            <a:endParaRPr kumimoji="1" lang="ja-JP" altLang="en-US" dirty="0"/>
-          </a:p>
-        </p:txBody>
-      </p:sp>
-      <p:sp>
-        <p:nvSpPr>
-          <p:cNvPr id="47" name="正方形/長方形 46">
-            <a:extLst>
-              <a:ext uri="{FF2B5EF4-FFF2-40B4-BE49-F238E27FC236}">
-                <a16:creationId xmlns:a16="http://schemas.microsoft.com/office/drawing/2014/main" id="{B964C757-F9E5-43D4-9ED5-BAE44D222224}"/>
-              </a:ext>
-            </a:extLst>
-          </p:cNvPr>
-          <p:cNvSpPr/>
-          <p:nvPr/>
-        </p:nvSpPr>
-        <p:spPr>
-          <a:xfrm>
-            <a:off x="3267172" y="5926667"/>
-            <a:ext cx="1143959" cy="695049"/>
-          </a:xfrm>
-          <a:prstGeom prst="rect">
-            <a:avLst/>
-          </a:prstGeom>
-          <a:solidFill>
-            <a:srgbClr val="002060">
-              <a:alpha val="45000"/>
-            </a:srgbClr>
-          </a:solidFill>
-          <a:ln>
-            <a:noFill/>
-          </a:ln>
-        </p:spPr>
-        <p:style>
-          <a:lnRef idx="2">
-            <a:schemeClr val="accent1">
-              <a:shade val="50000"/>
-            </a:schemeClr>
-          </a:lnRef>
-          <a:fillRef idx="1">
-            <a:schemeClr val="accent1"/>
-          </a:fillRef>
-          <a:effectRef idx="0">
-            <a:schemeClr val="accent1"/>
-          </a:effectRef>
-          <a:fontRef idx="minor">
-            <a:schemeClr val="lt1"/>
-          </a:fontRef>
-        </p:style>
-        <p:txBody>
-          <a:bodyPr rtlCol="0" anchor="ctr"/>
-          <a:lstStyle/>
-          <a:p>
-            <a:pPr algn="ctr"/>
-            <a:endParaRPr kumimoji="1" lang="ja-JP" altLang="en-US"/>
-          </a:p>
-        </p:txBody>
-      </p:sp>
-      <p:sp>
-        <p:nvSpPr>
-          <p:cNvPr id="48" name="テキスト ボックス 47">
-            <a:extLst>
-              <a:ext uri="{FF2B5EF4-FFF2-40B4-BE49-F238E27FC236}">
-                <a16:creationId xmlns:a16="http://schemas.microsoft.com/office/drawing/2014/main" id="{F4A8A034-869F-4452-9B7D-7F73CF052B57}"/>
-              </a:ext>
-            </a:extLst>
-          </p:cNvPr>
-          <p:cNvSpPr txBox="1"/>
-          <p:nvPr/>
-        </p:nvSpPr>
-        <p:spPr>
-          <a:xfrm>
-            <a:off x="359118" y="6622969"/>
-            <a:ext cx="2751506" cy="276999"/>
-          </a:xfrm>
-          <a:prstGeom prst="rect">
-            <a:avLst/>
-          </a:prstGeom>
-          <a:noFill/>
-          <a:ln>
-            <a:noFill/>
-          </a:ln>
-        </p:spPr>
-        <p:txBody>
-          <a:bodyPr wrap="square" rtlCol="0">
-            <a:spAutoFit/>
-          </a:bodyPr>
-          <a:lstStyle/>
-          <a:p>
-            <a:r>
-              <a:rPr kumimoji="1" lang="ja-JP" altLang="en-US" sz="1200" dirty="0">
-                <a:latin typeface="+mn-ea"/>
-              </a:rPr>
-              <a:t>同じ色が同一地面</a:t>
-            </a:r>
-          </a:p>
-        </p:txBody>
-      </p:sp>
-      <p:sp>
-        <p:nvSpPr>
           <p:cNvPr id="49" name="テキスト ボックス 48">
             <a:extLst>
               <a:ext uri="{FF2B5EF4-FFF2-40B4-BE49-F238E27FC236}">

--- a/Assets/Specs/仕様書.pptx
+++ b/Assets/Specs/仕様書.pptx
@@ -6,13 +6,14 @@
   </p:sldMasterIdLst>
   <p:sldIdLst>
     <p:sldId id="256" r:id="rId2"/>
-    <p:sldId id="257" r:id="rId3"/>
-    <p:sldId id="258" r:id="rId4"/>
-    <p:sldId id="259" r:id="rId5"/>
-    <p:sldId id="260" r:id="rId6"/>
-    <p:sldId id="261" r:id="rId7"/>
-    <p:sldId id="263" r:id="rId8"/>
-    <p:sldId id="262" r:id="rId9"/>
+    <p:sldId id="264" r:id="rId3"/>
+    <p:sldId id="257" r:id="rId4"/>
+    <p:sldId id="258" r:id="rId5"/>
+    <p:sldId id="259" r:id="rId6"/>
+    <p:sldId id="260" r:id="rId7"/>
+    <p:sldId id="261" r:id="rId8"/>
+    <p:sldId id="263" r:id="rId9"/>
+    <p:sldId id="262" r:id="rId10"/>
   </p:sldIdLst>
   <p:sldSz cx="9906000" cy="6858000" type="A4"/>
   <p:notesSz cx="6858000" cy="9144000"/>
@@ -262,7 +263,7 @@
           <a:p>
             <a:fld id="{2103CA96-9EB7-4190-9943-2A446C06CAF1}" type="datetimeFigureOut">
               <a:rPr kumimoji="1" lang="ja-JP" altLang="en-US" smtClean="0"/>
-              <a:t>2025/6/10</a:t>
+              <a:t>2025/6/11</a:t>
             </a:fld>
             <a:endParaRPr kumimoji="1" lang="ja-JP" altLang="en-US"/>
           </a:p>
@@ -464,7 +465,7 @@
           <a:p>
             <a:fld id="{2103CA96-9EB7-4190-9943-2A446C06CAF1}" type="datetimeFigureOut">
               <a:rPr kumimoji="1" lang="ja-JP" altLang="en-US" smtClean="0"/>
-              <a:t>2025/6/10</a:t>
+              <a:t>2025/6/11</a:t>
             </a:fld>
             <a:endParaRPr kumimoji="1" lang="ja-JP" altLang="en-US"/>
           </a:p>
@@ -676,7 +677,7 @@
           <a:p>
             <a:fld id="{2103CA96-9EB7-4190-9943-2A446C06CAF1}" type="datetimeFigureOut">
               <a:rPr kumimoji="1" lang="ja-JP" altLang="en-US" smtClean="0"/>
-              <a:t>2025/6/10</a:t>
+              <a:t>2025/6/11</a:t>
             </a:fld>
             <a:endParaRPr kumimoji="1" lang="ja-JP" altLang="en-US"/>
           </a:p>
@@ -878,7 +879,7 @@
           <a:p>
             <a:fld id="{2103CA96-9EB7-4190-9943-2A446C06CAF1}" type="datetimeFigureOut">
               <a:rPr kumimoji="1" lang="ja-JP" altLang="en-US" smtClean="0"/>
-              <a:t>2025/6/10</a:t>
+              <a:t>2025/6/11</a:t>
             </a:fld>
             <a:endParaRPr kumimoji="1" lang="ja-JP" altLang="en-US"/>
           </a:p>
@@ -1122,7 +1123,7 @@
           <a:p>
             <a:fld id="{2103CA96-9EB7-4190-9943-2A446C06CAF1}" type="datetimeFigureOut">
               <a:rPr kumimoji="1" lang="ja-JP" altLang="en-US" smtClean="0"/>
-              <a:t>2025/6/10</a:t>
+              <a:t>2025/6/11</a:t>
             </a:fld>
             <a:endParaRPr kumimoji="1" lang="ja-JP" altLang="en-US"/>
           </a:p>
@@ -1418,7 +1419,7 @@
           <a:p>
             <a:fld id="{2103CA96-9EB7-4190-9943-2A446C06CAF1}" type="datetimeFigureOut">
               <a:rPr kumimoji="1" lang="ja-JP" altLang="en-US" smtClean="0"/>
-              <a:t>2025/6/10</a:t>
+              <a:t>2025/6/11</a:t>
             </a:fld>
             <a:endParaRPr kumimoji="1" lang="ja-JP" altLang="en-US"/>
           </a:p>
@@ -1849,7 +1850,7 @@
           <a:p>
             <a:fld id="{2103CA96-9EB7-4190-9943-2A446C06CAF1}" type="datetimeFigureOut">
               <a:rPr kumimoji="1" lang="ja-JP" altLang="en-US" smtClean="0"/>
-              <a:t>2025/6/10</a:t>
+              <a:t>2025/6/11</a:t>
             </a:fld>
             <a:endParaRPr kumimoji="1" lang="ja-JP" altLang="en-US"/>
           </a:p>
@@ -1967,7 +1968,7 @@
           <a:p>
             <a:fld id="{2103CA96-9EB7-4190-9943-2A446C06CAF1}" type="datetimeFigureOut">
               <a:rPr kumimoji="1" lang="ja-JP" altLang="en-US" smtClean="0"/>
-              <a:t>2025/6/10</a:t>
+              <a:t>2025/6/11</a:t>
             </a:fld>
             <a:endParaRPr kumimoji="1" lang="ja-JP" altLang="en-US"/>
           </a:p>
@@ -2062,7 +2063,7 @@
           <a:p>
             <a:fld id="{2103CA96-9EB7-4190-9943-2A446C06CAF1}" type="datetimeFigureOut">
               <a:rPr kumimoji="1" lang="ja-JP" altLang="en-US" smtClean="0"/>
-              <a:t>2025/6/10</a:t>
+              <a:t>2025/6/11</a:t>
             </a:fld>
             <a:endParaRPr kumimoji="1" lang="ja-JP" altLang="en-US"/>
           </a:p>
@@ -2371,7 +2372,7 @@
           <a:p>
             <a:fld id="{2103CA96-9EB7-4190-9943-2A446C06CAF1}" type="datetimeFigureOut">
               <a:rPr kumimoji="1" lang="ja-JP" altLang="en-US" smtClean="0"/>
-              <a:t>2025/6/10</a:t>
+              <a:t>2025/6/11</a:t>
             </a:fld>
             <a:endParaRPr kumimoji="1" lang="ja-JP" altLang="en-US"/>
           </a:p>
@@ -2628,7 +2629,7 @@
           <a:p>
             <a:fld id="{2103CA96-9EB7-4190-9943-2A446C06CAF1}" type="datetimeFigureOut">
               <a:rPr kumimoji="1" lang="ja-JP" altLang="en-US" smtClean="0"/>
-              <a:t>2025/6/10</a:t>
+              <a:t>2025/6/11</a:t>
             </a:fld>
             <a:endParaRPr kumimoji="1" lang="ja-JP" altLang="en-US"/>
           </a:p>
@@ -2873,7 +2874,7 @@
           <a:p>
             <a:fld id="{2103CA96-9EB7-4190-9943-2A446C06CAF1}" type="datetimeFigureOut">
               <a:rPr kumimoji="1" lang="ja-JP" altLang="en-US" smtClean="0"/>
-              <a:t>2025/6/10</a:t>
+              <a:t>2025/6/11</a:t>
             </a:fld>
             <a:endParaRPr kumimoji="1" lang="ja-JP" altLang="en-US"/>
           </a:p>
@@ -4023,7 +4024,7 @@
           <p:nvPr>
             <p:extLst>
               <p:ext uri="{D42A27DB-BD31-4B8C-83A1-F6EECF244321}">
-                <p14:modId xmlns:p14="http://schemas.microsoft.com/office/powerpoint/2010/main" val="4089737015"/>
+                <p14:modId xmlns:p14="http://schemas.microsoft.com/office/powerpoint/2010/main" val="3882960165"/>
               </p:ext>
             </p:extLst>
           </p:nvPr>
@@ -4876,7 +4877,7 @@
                     <a:p>
                       <a:r>
                         <a:rPr kumimoji="1" lang="ja-JP" altLang="en-US" sz="1100" dirty="0"/>
-                        <a:t>８スライド目</a:t>
+                        <a:t>敵デザイン</a:t>
                       </a:r>
                     </a:p>
                   </a:txBody>
@@ -5168,6 +5169,1114 @@
 </file>
 
 <file path=ppt/slides/slide2.xml><?xml version="1.0" encoding="utf-8"?>
+<p:sld xmlns:a="http://schemas.openxmlformats.org/drawingml/2006/main" xmlns:r="http://schemas.openxmlformats.org/officeDocument/2006/relationships" xmlns:p="http://schemas.openxmlformats.org/presentationml/2006/main">
+  <p:cSld>
+    <p:spTree>
+      <p:nvGrpSpPr>
+        <p:cNvPr id="1" name=""/>
+        <p:cNvGrpSpPr/>
+        <p:nvPr/>
+      </p:nvGrpSpPr>
+      <p:grpSpPr>
+        <a:xfrm>
+          <a:off x="0" y="0"/>
+          <a:ext cx="0" cy="0"/>
+          <a:chOff x="0" y="0"/>
+          <a:chExt cx="0" cy="0"/>
+        </a:xfrm>
+      </p:grpSpPr>
+      <p:sp>
+        <p:nvSpPr>
+          <p:cNvPr id="7" name="正方形/長方形 6">
+            <a:extLst>
+              <a:ext uri="{FF2B5EF4-FFF2-40B4-BE49-F238E27FC236}">
+                <a16:creationId xmlns:a16="http://schemas.microsoft.com/office/drawing/2014/main" id="{3D75EC08-24E7-4340-8B1A-C25CF1B60F7A}"/>
+              </a:ext>
+            </a:extLst>
+          </p:cNvPr>
+          <p:cNvSpPr/>
+          <p:nvPr/>
+        </p:nvSpPr>
+        <p:spPr>
+          <a:xfrm>
+            <a:off x="0" y="0"/>
+            <a:ext cx="7899400" cy="702733"/>
+          </a:xfrm>
+          <a:prstGeom prst="rect">
+            <a:avLst/>
+          </a:prstGeom>
+          <a:solidFill>
+            <a:schemeClr val="tx1"/>
+          </a:solidFill>
+        </p:spPr>
+        <p:style>
+          <a:lnRef idx="2">
+            <a:schemeClr val="accent1">
+              <a:shade val="50000"/>
+            </a:schemeClr>
+          </a:lnRef>
+          <a:fillRef idx="1">
+            <a:schemeClr val="accent1"/>
+          </a:fillRef>
+          <a:effectRef idx="0">
+            <a:schemeClr val="accent1"/>
+          </a:effectRef>
+          <a:fontRef idx="minor">
+            <a:schemeClr val="lt1"/>
+          </a:fontRef>
+        </p:style>
+        <p:txBody>
+          <a:bodyPr rtlCol="0" anchor="ctr"/>
+          <a:lstStyle/>
+          <a:p>
+            <a:pPr algn="ctr"/>
+            <a:endParaRPr kumimoji="1" lang="ja-JP" altLang="en-US"/>
+          </a:p>
+        </p:txBody>
+      </p:sp>
+      <p:sp>
+        <p:nvSpPr>
+          <p:cNvPr id="4" name="テキスト ボックス 3">
+            <a:extLst>
+              <a:ext uri="{FF2B5EF4-FFF2-40B4-BE49-F238E27FC236}">
+                <a16:creationId xmlns:a16="http://schemas.microsoft.com/office/drawing/2014/main" id="{CFD0C222-609E-4983-B239-90751E2F9E12}"/>
+              </a:ext>
+            </a:extLst>
+          </p:cNvPr>
+          <p:cNvSpPr txBox="1"/>
+          <p:nvPr/>
+        </p:nvSpPr>
+        <p:spPr>
+          <a:xfrm>
+            <a:off x="296332" y="137178"/>
+            <a:ext cx="4529667" cy="523220"/>
+          </a:xfrm>
+          <a:prstGeom prst="rect">
+            <a:avLst/>
+          </a:prstGeom>
+          <a:noFill/>
+          <a:ln>
+            <a:noFill/>
+          </a:ln>
+        </p:spPr>
+        <p:txBody>
+          <a:bodyPr wrap="square" rtlCol="0">
+            <a:spAutoFit/>
+          </a:bodyPr>
+          <a:lstStyle/>
+          <a:p>
+            <a:r>
+              <a:rPr kumimoji="1" lang="ja-JP" altLang="en-US" sz="2800" dirty="0">
+                <a:solidFill>
+                  <a:schemeClr val="bg1"/>
+                </a:solidFill>
+                <a:latin typeface="+mn-ea"/>
+              </a:rPr>
+              <a:t>■</a:t>
+            </a:r>
+            <a:r>
+              <a:rPr kumimoji="1" lang="en-US" altLang="ja-JP" sz="2800" dirty="0">
+                <a:solidFill>
+                  <a:schemeClr val="bg1"/>
+                </a:solidFill>
+                <a:latin typeface="+mn-ea"/>
+              </a:rPr>
+              <a:t>FLUFF</a:t>
+            </a:r>
+            <a:r>
+              <a:rPr kumimoji="1" lang="ja-JP" altLang="en-US" sz="2800" dirty="0">
+                <a:solidFill>
+                  <a:schemeClr val="bg1"/>
+                </a:solidFill>
+                <a:latin typeface="+mn-ea"/>
+              </a:rPr>
+              <a:t> </a:t>
+            </a:r>
+            <a:r>
+              <a:rPr kumimoji="1" lang="en-US" altLang="ja-JP" sz="2800" dirty="0">
+                <a:solidFill>
+                  <a:schemeClr val="bg1"/>
+                </a:solidFill>
+                <a:latin typeface="+mn-ea"/>
+              </a:rPr>
+              <a:t>SWING </a:t>
+            </a:r>
+            <a:r>
+              <a:rPr kumimoji="1" lang="ja-JP" altLang="en-US" sz="2800" dirty="0">
+                <a:solidFill>
+                  <a:schemeClr val="bg1"/>
+                </a:solidFill>
+                <a:latin typeface="+mn-ea"/>
+              </a:rPr>
+              <a:t>仕様書</a:t>
+            </a:r>
+          </a:p>
+        </p:txBody>
+      </p:sp>
+      <p:graphicFrame>
+        <p:nvGraphicFramePr>
+          <p:cNvPr id="6" name="表 8">
+            <a:extLst>
+              <a:ext uri="{FF2B5EF4-FFF2-40B4-BE49-F238E27FC236}">
+                <a16:creationId xmlns:a16="http://schemas.microsoft.com/office/drawing/2014/main" id="{BE2809E4-1813-4FC0-A3C6-D30F3A9563FA}"/>
+              </a:ext>
+            </a:extLst>
+          </p:cNvPr>
+          <p:cNvGraphicFramePr>
+            <a:graphicFrameLocks noGrp="1"/>
+          </p:cNvGraphicFramePr>
+          <p:nvPr>
+            <p:extLst>
+              <p:ext uri="{D42A27DB-BD31-4B8C-83A1-F6EECF244321}">
+                <p14:modId xmlns:p14="http://schemas.microsoft.com/office/powerpoint/2010/main" val="1694942443"/>
+              </p:ext>
+            </p:extLst>
+          </p:nvPr>
+        </p:nvGraphicFramePr>
+        <p:xfrm>
+          <a:off x="194731" y="1056293"/>
+          <a:ext cx="7382935" cy="2159000"/>
+        </p:xfrm>
+        <a:graphic>
+          <a:graphicData uri="http://schemas.openxmlformats.org/drawingml/2006/table">
+            <a:tbl>
+              <a:tblPr firstRow="1" bandRow="1">
+                <a:tableStyleId>{073A0DAA-6AF3-43AB-8588-CEC1D06C72B9}</a:tableStyleId>
+              </a:tblPr>
+              <a:tblGrid>
+                <a:gridCol w="990601">
+                  <a:extLst>
+                    <a:ext uri="{9D8B030D-6E8A-4147-A177-3AD203B41FA5}">
+                      <a16:colId xmlns:a16="http://schemas.microsoft.com/office/drawing/2014/main" val="2131922858"/>
+                    </a:ext>
+                  </a:extLst>
+                </a:gridCol>
+                <a:gridCol w="922867">
+                  <a:extLst>
+                    <a:ext uri="{9D8B030D-6E8A-4147-A177-3AD203B41FA5}">
+                      <a16:colId xmlns:a16="http://schemas.microsoft.com/office/drawing/2014/main" val="104629227"/>
+                    </a:ext>
+                  </a:extLst>
+                </a:gridCol>
+                <a:gridCol w="1176867">
+                  <a:extLst>
+                    <a:ext uri="{9D8B030D-6E8A-4147-A177-3AD203B41FA5}">
+                      <a16:colId xmlns:a16="http://schemas.microsoft.com/office/drawing/2014/main" val="3302113230"/>
+                    </a:ext>
+                  </a:extLst>
+                </a:gridCol>
+                <a:gridCol w="4292600">
+                  <a:extLst>
+                    <a:ext uri="{9D8B030D-6E8A-4147-A177-3AD203B41FA5}">
+                      <a16:colId xmlns:a16="http://schemas.microsoft.com/office/drawing/2014/main" val="2050053101"/>
+                    </a:ext>
+                  </a:extLst>
+                </a:gridCol>
+              </a:tblGrid>
+              <a:tr h="370840">
+                <a:tc gridSpan="4">
+                  <a:txBody>
+                    <a:bodyPr/>
+                    <a:lstStyle/>
+                    <a:p>
+                      <a:pPr algn="ctr"/>
+                      <a:r>
+                        <a:rPr kumimoji="1" lang="ja-JP" altLang="en-US" dirty="0">
+                          <a:latin typeface="+mn-ea"/>
+                          <a:ea typeface="+mn-ea"/>
+                        </a:rPr>
+                        <a:t>更新履歴</a:t>
+                      </a:r>
+                    </a:p>
+                  </a:txBody>
+                  <a:tcPr>
+                    <a:lnL w="12700" cap="flat" cmpd="sng" algn="ctr">
+                      <a:solidFill>
+                        <a:schemeClr val="tx1"/>
+                      </a:solidFill>
+                      <a:prstDash val="solid"/>
+                      <a:round/>
+                      <a:headEnd type="none" w="med" len="med"/>
+                      <a:tailEnd type="none" w="med" len="med"/>
+                    </a:lnL>
+                    <a:lnR w="12700" cap="flat" cmpd="sng" algn="ctr">
+                      <a:solidFill>
+                        <a:schemeClr val="tx1"/>
+                      </a:solidFill>
+                      <a:prstDash val="solid"/>
+                      <a:round/>
+                      <a:headEnd type="none" w="med" len="med"/>
+                      <a:tailEnd type="none" w="med" len="med"/>
+                    </a:lnR>
+                    <a:lnT w="12700" cap="flat" cmpd="sng" algn="ctr">
+                      <a:solidFill>
+                        <a:schemeClr val="tx1"/>
+                      </a:solidFill>
+                      <a:prstDash val="solid"/>
+                      <a:round/>
+                      <a:headEnd type="none" w="med" len="med"/>
+                      <a:tailEnd type="none" w="med" len="med"/>
+                    </a:lnT>
+                  </a:tcPr>
+                </a:tc>
+                <a:tc hMerge="1">
+                  <a:txBody>
+                    <a:bodyPr/>
+                    <a:lstStyle/>
+                    <a:p>
+                      <a:endParaRPr kumimoji="1" lang="ja-JP" altLang="en-US" dirty="0"/>
+                    </a:p>
+                  </a:txBody>
+                  <a:tcPr/>
+                </a:tc>
+                <a:tc hMerge="1">
+                  <a:txBody>
+                    <a:bodyPr/>
+                    <a:lstStyle/>
+                    <a:p>
+                      <a:endParaRPr kumimoji="1" lang="ja-JP" altLang="en-US"/>
+                    </a:p>
+                  </a:txBody>
+                  <a:tcPr/>
+                </a:tc>
+                <a:tc hMerge="1">
+                  <a:txBody>
+                    <a:bodyPr/>
+                    <a:lstStyle/>
+                    <a:p>
+                      <a:endParaRPr kumimoji="1" lang="ja-JP" altLang="en-US"/>
+                    </a:p>
+                  </a:txBody>
+                  <a:tcPr/>
+                </a:tc>
+                <a:extLst>
+                  <a:ext uri="{0D108BD9-81ED-4DB2-BD59-A6C34878D82A}">
+                    <a16:rowId xmlns:a16="http://schemas.microsoft.com/office/drawing/2014/main" val="4006813097"/>
+                  </a:ext>
+                </a:extLst>
+              </a:tr>
+              <a:tr h="288000">
+                <a:tc>
+                  <a:txBody>
+                    <a:bodyPr/>
+                    <a:lstStyle/>
+                    <a:p>
+                      <a:pPr algn="ctr"/>
+                      <a:r>
+                        <a:rPr kumimoji="1" lang="ja-JP" altLang="en-US" sz="1400" dirty="0">
+                          <a:solidFill>
+                            <a:schemeClr val="bg1"/>
+                          </a:solidFill>
+                          <a:latin typeface="+mn-ea"/>
+                          <a:ea typeface="+mn-ea"/>
+                        </a:rPr>
+                        <a:t>更新日</a:t>
+                      </a:r>
+                    </a:p>
+                  </a:txBody>
+                  <a:tcPr>
+                    <a:lnL w="12700" cap="flat" cmpd="sng" algn="ctr">
+                      <a:solidFill>
+                        <a:schemeClr val="tx1"/>
+                      </a:solidFill>
+                      <a:prstDash val="solid"/>
+                      <a:round/>
+                      <a:headEnd type="none" w="med" len="med"/>
+                      <a:tailEnd type="none" w="med" len="med"/>
+                    </a:lnL>
+                    <a:lnB w="12700" cap="flat" cmpd="sng" algn="ctr">
+                      <a:solidFill>
+                        <a:schemeClr val="bg1"/>
+                      </a:solidFill>
+                      <a:prstDash val="solid"/>
+                      <a:round/>
+                      <a:headEnd type="none" w="med" len="med"/>
+                      <a:tailEnd type="none" w="med" len="med"/>
+                    </a:lnB>
+                    <a:solidFill>
+                      <a:srgbClr val="0070C0"/>
+                    </a:solidFill>
+                  </a:tcPr>
+                </a:tc>
+                <a:tc>
+                  <a:txBody>
+                    <a:bodyPr/>
+                    <a:lstStyle/>
+                    <a:p>
+                      <a:pPr algn="ctr"/>
+                      <a:r>
+                        <a:rPr kumimoji="1" lang="ja-JP" altLang="en-US" sz="1400" dirty="0">
+                          <a:solidFill>
+                            <a:schemeClr val="bg1"/>
+                          </a:solidFill>
+                        </a:rPr>
+                        <a:t>更新者</a:t>
+                      </a:r>
+                    </a:p>
+                  </a:txBody>
+                  <a:tcPr>
+                    <a:lnR w="12700" cap="flat" cmpd="sng" algn="ctr">
+                      <a:solidFill>
+                        <a:schemeClr val="bg1"/>
+                      </a:solidFill>
+                      <a:prstDash val="solid"/>
+                      <a:round/>
+                      <a:headEnd type="none" w="med" len="med"/>
+                      <a:tailEnd type="none" w="med" len="med"/>
+                    </a:lnR>
+                    <a:solidFill>
+                      <a:srgbClr val="0070C0"/>
+                    </a:solidFill>
+                  </a:tcPr>
+                </a:tc>
+                <a:tc>
+                  <a:txBody>
+                    <a:bodyPr/>
+                    <a:lstStyle/>
+                    <a:p>
+                      <a:pPr marL="0" marR="0" lvl="0" indent="0" algn="ctr" defTabSz="914400" rtl="0" eaLnBrk="1" fontAlgn="auto" latinLnBrk="0" hangingPunct="1">
+                        <a:lnSpc>
+                          <a:spcPct val="100000"/>
+                        </a:lnSpc>
+                        <a:spcBef>
+                          <a:spcPts val="0"/>
+                        </a:spcBef>
+                        <a:spcAft>
+                          <a:spcPts val="0"/>
+                        </a:spcAft>
+                        <a:buClrTx/>
+                        <a:buSzTx/>
+                        <a:buFontTx/>
+                        <a:buNone/>
+                        <a:tabLst/>
+                        <a:defRPr/>
+                      </a:pPr>
+                      <a:r>
+                        <a:rPr kumimoji="1" lang="ja-JP" altLang="en-US" sz="1400" dirty="0">
+                          <a:solidFill>
+                            <a:schemeClr val="bg1"/>
+                          </a:solidFill>
+                        </a:rPr>
+                        <a:t>更新ページ</a:t>
+                      </a:r>
+                    </a:p>
+                  </a:txBody>
+                  <a:tcPr>
+                    <a:lnL w="12700" cap="flat" cmpd="sng" algn="ctr">
+                      <a:solidFill>
+                        <a:schemeClr val="bg1"/>
+                      </a:solidFill>
+                      <a:prstDash val="solid"/>
+                      <a:round/>
+                      <a:headEnd type="none" w="med" len="med"/>
+                      <a:tailEnd type="none" w="med" len="med"/>
+                    </a:lnL>
+                    <a:lnR w="12700" cap="flat" cmpd="sng" algn="ctr">
+                      <a:solidFill>
+                        <a:schemeClr val="bg1"/>
+                      </a:solidFill>
+                      <a:prstDash val="solid"/>
+                      <a:round/>
+                      <a:headEnd type="none" w="med" len="med"/>
+                      <a:tailEnd type="none" w="med" len="med"/>
+                    </a:lnR>
+                    <a:solidFill>
+                      <a:srgbClr val="0070C0"/>
+                    </a:solidFill>
+                  </a:tcPr>
+                </a:tc>
+                <a:tc>
+                  <a:txBody>
+                    <a:bodyPr/>
+                    <a:lstStyle/>
+                    <a:p>
+                      <a:pPr marL="0" marR="0" lvl="0" indent="0" algn="ctr" defTabSz="914400" rtl="0" eaLnBrk="1" fontAlgn="auto" latinLnBrk="0" hangingPunct="1">
+                        <a:lnSpc>
+                          <a:spcPct val="100000"/>
+                        </a:lnSpc>
+                        <a:spcBef>
+                          <a:spcPts val="0"/>
+                        </a:spcBef>
+                        <a:spcAft>
+                          <a:spcPts val="0"/>
+                        </a:spcAft>
+                        <a:buClrTx/>
+                        <a:buSzTx/>
+                        <a:buFontTx/>
+                        <a:buNone/>
+                        <a:tabLst/>
+                        <a:defRPr/>
+                      </a:pPr>
+                      <a:r>
+                        <a:rPr kumimoji="1" lang="ja-JP" altLang="en-US" sz="1400" dirty="0">
+                          <a:solidFill>
+                            <a:schemeClr val="bg1"/>
+                          </a:solidFill>
+                        </a:rPr>
+                        <a:t>更新内容</a:t>
+                      </a:r>
+                    </a:p>
+                  </a:txBody>
+                  <a:tcPr>
+                    <a:lnL w="12700" cap="flat" cmpd="sng" algn="ctr">
+                      <a:solidFill>
+                        <a:schemeClr val="bg1"/>
+                      </a:solidFill>
+                      <a:prstDash val="solid"/>
+                      <a:round/>
+                      <a:headEnd type="none" w="med" len="med"/>
+                      <a:tailEnd type="none" w="med" len="med"/>
+                    </a:lnL>
+                    <a:lnR w="12700" cap="flat" cmpd="sng" algn="ctr">
+                      <a:solidFill>
+                        <a:schemeClr val="tx1"/>
+                      </a:solidFill>
+                      <a:prstDash val="solid"/>
+                      <a:round/>
+                      <a:headEnd type="none" w="med" len="med"/>
+                      <a:tailEnd type="none" w="med" len="med"/>
+                    </a:lnR>
+                    <a:solidFill>
+                      <a:srgbClr val="0070C0"/>
+                    </a:solidFill>
+                  </a:tcPr>
+                </a:tc>
+                <a:extLst>
+                  <a:ext uri="{0D108BD9-81ED-4DB2-BD59-A6C34878D82A}">
+                    <a16:rowId xmlns:a16="http://schemas.microsoft.com/office/drawing/2014/main" val="92724622"/>
+                  </a:ext>
+                </a:extLst>
+              </a:tr>
+              <a:tr h="370840">
+                <a:tc>
+                  <a:txBody>
+                    <a:bodyPr/>
+                    <a:lstStyle/>
+                    <a:p>
+                      <a:pPr marL="0" marR="0" lvl="0" indent="0" algn="l" defTabSz="914400" rtl="0" eaLnBrk="1" fontAlgn="auto" latinLnBrk="0" hangingPunct="1">
+                        <a:lnSpc>
+                          <a:spcPct val="100000"/>
+                        </a:lnSpc>
+                        <a:spcBef>
+                          <a:spcPts val="0"/>
+                        </a:spcBef>
+                        <a:spcAft>
+                          <a:spcPts val="0"/>
+                        </a:spcAft>
+                        <a:buClrTx/>
+                        <a:buSzTx/>
+                        <a:buFontTx/>
+                        <a:buNone/>
+                        <a:tabLst/>
+                        <a:defRPr/>
+                      </a:pPr>
+                      <a:r>
+                        <a:rPr kumimoji="1" lang="en-US" altLang="ja-JP" sz="1100" dirty="0">
+                          <a:latin typeface="+mn-ea"/>
+                          <a:ea typeface="+mn-ea"/>
+                        </a:rPr>
+                        <a:t>2025/06/11</a:t>
+                      </a:r>
+                      <a:endParaRPr kumimoji="1" lang="ja-JP" altLang="en-US" sz="1100" dirty="0">
+                        <a:latin typeface="+mn-ea"/>
+                        <a:ea typeface="+mn-ea"/>
+                      </a:endParaRPr>
+                    </a:p>
+                  </a:txBody>
+                  <a:tcPr>
+                    <a:lnL w="12700" cap="flat" cmpd="sng" algn="ctr">
+                      <a:solidFill>
+                        <a:schemeClr val="tx1"/>
+                      </a:solidFill>
+                      <a:prstDash val="solid"/>
+                      <a:round/>
+                      <a:headEnd type="none" w="med" len="med"/>
+                      <a:tailEnd type="none" w="med" len="med"/>
+                    </a:lnL>
+                    <a:lnT w="12700" cap="flat" cmpd="sng" algn="ctr">
+                      <a:solidFill>
+                        <a:schemeClr val="bg1"/>
+                      </a:solidFill>
+                      <a:prstDash val="solid"/>
+                      <a:round/>
+                      <a:headEnd type="none" w="med" len="med"/>
+                      <a:tailEnd type="none" w="med" len="med"/>
+                    </a:lnT>
+                  </a:tcPr>
+                </a:tc>
+                <a:tc>
+                  <a:txBody>
+                    <a:bodyPr/>
+                    <a:lstStyle/>
+                    <a:p>
+                      <a:r>
+                        <a:rPr kumimoji="1" lang="ja-JP" altLang="en-US" sz="1100" dirty="0"/>
+                        <a:t>石川</a:t>
+                      </a:r>
+                    </a:p>
+                  </a:txBody>
+                  <a:tcPr>
+                    <a:lnR w="12700" cap="flat" cmpd="sng" algn="ctr">
+                      <a:solidFill>
+                        <a:schemeClr val="bg1"/>
+                      </a:solidFill>
+                      <a:prstDash val="solid"/>
+                      <a:round/>
+                      <a:headEnd type="none" w="med" len="med"/>
+                      <a:tailEnd type="none" w="med" len="med"/>
+                    </a:lnR>
+                  </a:tcPr>
+                </a:tc>
+                <a:tc>
+                  <a:txBody>
+                    <a:bodyPr/>
+                    <a:lstStyle/>
+                    <a:p>
+                      <a:r>
+                        <a:rPr kumimoji="1" lang="ja-JP" altLang="en-US" sz="1100" dirty="0"/>
+                        <a:t>敵デザイン</a:t>
+                      </a:r>
+                    </a:p>
+                  </a:txBody>
+                  <a:tcPr>
+                    <a:lnL w="12700" cap="flat" cmpd="sng" algn="ctr">
+                      <a:solidFill>
+                        <a:schemeClr val="bg1"/>
+                      </a:solidFill>
+                      <a:prstDash val="solid"/>
+                      <a:round/>
+                      <a:headEnd type="none" w="med" len="med"/>
+                      <a:tailEnd type="none" w="med" len="med"/>
+                    </a:lnL>
+                    <a:lnR w="12700" cap="flat" cmpd="sng" algn="ctr">
+                      <a:solidFill>
+                        <a:schemeClr val="bg1"/>
+                      </a:solidFill>
+                      <a:prstDash val="solid"/>
+                      <a:round/>
+                      <a:headEnd type="none" w="med" len="med"/>
+                      <a:tailEnd type="none" w="med" len="med"/>
+                    </a:lnR>
+                  </a:tcPr>
+                </a:tc>
+                <a:tc>
+                  <a:txBody>
+                    <a:bodyPr/>
+                    <a:lstStyle/>
+                    <a:p>
+                      <a:r>
+                        <a:rPr kumimoji="1" lang="ja-JP" altLang="en-US" sz="1100" dirty="0"/>
+                        <a:t>敵デザインの追加</a:t>
+                      </a:r>
+                    </a:p>
+                  </a:txBody>
+                  <a:tcPr>
+                    <a:lnL w="12700" cap="flat" cmpd="sng" algn="ctr">
+                      <a:solidFill>
+                        <a:schemeClr val="bg1"/>
+                      </a:solidFill>
+                      <a:prstDash val="solid"/>
+                      <a:round/>
+                      <a:headEnd type="none" w="med" len="med"/>
+                      <a:tailEnd type="none" w="med" len="med"/>
+                    </a:lnL>
+                    <a:lnR w="12700" cap="flat" cmpd="sng" algn="ctr">
+                      <a:solidFill>
+                        <a:schemeClr val="tx1"/>
+                      </a:solidFill>
+                      <a:prstDash val="solid"/>
+                      <a:round/>
+                      <a:headEnd type="none" w="med" len="med"/>
+                      <a:tailEnd type="none" w="med" len="med"/>
+                    </a:lnR>
+                  </a:tcPr>
+                </a:tc>
+                <a:extLst>
+                  <a:ext uri="{0D108BD9-81ED-4DB2-BD59-A6C34878D82A}">
+                    <a16:rowId xmlns:a16="http://schemas.microsoft.com/office/drawing/2014/main" val="3675770997"/>
+                  </a:ext>
+                </a:extLst>
+              </a:tr>
+              <a:tr h="370840">
+                <a:tc>
+                  <a:txBody>
+                    <a:bodyPr/>
+                    <a:lstStyle/>
+                    <a:p>
+                      <a:pPr marL="0" marR="0" lvl="0" indent="0" algn="l" defTabSz="914400" rtl="0" eaLnBrk="1" fontAlgn="auto" latinLnBrk="0" hangingPunct="1">
+                        <a:lnSpc>
+                          <a:spcPct val="100000"/>
+                        </a:lnSpc>
+                        <a:spcBef>
+                          <a:spcPts val="0"/>
+                        </a:spcBef>
+                        <a:spcAft>
+                          <a:spcPts val="0"/>
+                        </a:spcAft>
+                        <a:buClrTx/>
+                        <a:buSzTx/>
+                        <a:buFontTx/>
+                        <a:buNone/>
+                        <a:tabLst/>
+                        <a:defRPr/>
+                      </a:pPr>
+                      <a:endParaRPr kumimoji="1" lang="ja-JP" altLang="en-US" sz="1100" dirty="0">
+                        <a:latin typeface="+mn-ea"/>
+                        <a:ea typeface="+mn-ea"/>
+                      </a:endParaRPr>
+                    </a:p>
+                  </a:txBody>
+                  <a:tcPr>
+                    <a:lnL w="12700" cap="flat" cmpd="sng" algn="ctr">
+                      <a:solidFill>
+                        <a:schemeClr val="tx1"/>
+                      </a:solidFill>
+                      <a:prstDash val="solid"/>
+                      <a:round/>
+                      <a:headEnd type="none" w="med" len="med"/>
+                      <a:tailEnd type="none" w="med" len="med"/>
+                    </a:lnL>
+                  </a:tcPr>
+                </a:tc>
+                <a:tc>
+                  <a:txBody>
+                    <a:bodyPr/>
+                    <a:lstStyle/>
+                    <a:p>
+                      <a:endParaRPr kumimoji="1" lang="ja-JP" altLang="en-US" sz="1100" dirty="0"/>
+                    </a:p>
+                  </a:txBody>
+                  <a:tcPr>
+                    <a:lnR w="12700" cap="flat" cmpd="sng" algn="ctr">
+                      <a:solidFill>
+                        <a:schemeClr val="bg1"/>
+                      </a:solidFill>
+                      <a:prstDash val="solid"/>
+                      <a:round/>
+                      <a:headEnd type="none" w="med" len="med"/>
+                      <a:tailEnd type="none" w="med" len="med"/>
+                    </a:lnR>
+                  </a:tcPr>
+                </a:tc>
+                <a:tc>
+                  <a:txBody>
+                    <a:bodyPr/>
+                    <a:lstStyle/>
+                    <a:p>
+                      <a:endParaRPr kumimoji="1" lang="ja-JP" altLang="en-US" sz="1100" dirty="0"/>
+                    </a:p>
+                  </a:txBody>
+                  <a:tcPr>
+                    <a:lnL w="12700" cap="flat" cmpd="sng" algn="ctr">
+                      <a:solidFill>
+                        <a:schemeClr val="bg1"/>
+                      </a:solidFill>
+                      <a:prstDash val="solid"/>
+                      <a:round/>
+                      <a:headEnd type="none" w="med" len="med"/>
+                      <a:tailEnd type="none" w="med" len="med"/>
+                    </a:lnL>
+                    <a:lnR w="12700" cap="flat" cmpd="sng" algn="ctr">
+                      <a:solidFill>
+                        <a:schemeClr val="bg1"/>
+                      </a:solidFill>
+                      <a:prstDash val="solid"/>
+                      <a:round/>
+                      <a:headEnd type="none" w="med" len="med"/>
+                      <a:tailEnd type="none" w="med" len="med"/>
+                    </a:lnR>
+                  </a:tcPr>
+                </a:tc>
+                <a:tc>
+                  <a:txBody>
+                    <a:bodyPr/>
+                    <a:lstStyle/>
+                    <a:p>
+                      <a:pPr marL="0" marR="0" lvl="0" indent="0" algn="l" defTabSz="914400" rtl="0" eaLnBrk="1" fontAlgn="auto" latinLnBrk="0" hangingPunct="1">
+                        <a:lnSpc>
+                          <a:spcPct val="100000"/>
+                        </a:lnSpc>
+                        <a:spcBef>
+                          <a:spcPts val="0"/>
+                        </a:spcBef>
+                        <a:spcAft>
+                          <a:spcPts val="0"/>
+                        </a:spcAft>
+                        <a:buClrTx/>
+                        <a:buSzTx/>
+                        <a:buFontTx/>
+                        <a:buNone/>
+                        <a:tabLst/>
+                        <a:defRPr/>
+                      </a:pPr>
+                      <a:endParaRPr kumimoji="1" lang="ja-JP" altLang="en-US" sz="1100" dirty="0"/>
+                    </a:p>
+                  </a:txBody>
+                  <a:tcPr>
+                    <a:lnL w="12700" cap="flat" cmpd="sng" algn="ctr">
+                      <a:solidFill>
+                        <a:schemeClr val="bg1"/>
+                      </a:solidFill>
+                      <a:prstDash val="solid"/>
+                      <a:round/>
+                      <a:headEnd type="none" w="med" len="med"/>
+                      <a:tailEnd type="none" w="med" len="med"/>
+                    </a:lnL>
+                    <a:lnR w="12700" cap="flat" cmpd="sng" algn="ctr">
+                      <a:solidFill>
+                        <a:schemeClr val="tx1"/>
+                      </a:solidFill>
+                      <a:prstDash val="solid"/>
+                      <a:round/>
+                      <a:headEnd type="none" w="med" len="med"/>
+                      <a:tailEnd type="none" w="med" len="med"/>
+                    </a:lnR>
+                  </a:tcPr>
+                </a:tc>
+                <a:extLst>
+                  <a:ext uri="{0D108BD9-81ED-4DB2-BD59-A6C34878D82A}">
+                    <a16:rowId xmlns:a16="http://schemas.microsoft.com/office/drawing/2014/main" val="1555817461"/>
+                  </a:ext>
+                </a:extLst>
+              </a:tr>
+              <a:tr h="370840">
+                <a:tc>
+                  <a:txBody>
+                    <a:bodyPr/>
+                    <a:lstStyle/>
+                    <a:p>
+                      <a:pPr marL="0" marR="0" lvl="0" indent="0" algn="l" defTabSz="914400" rtl="0" eaLnBrk="1" fontAlgn="auto" latinLnBrk="0" hangingPunct="1">
+                        <a:lnSpc>
+                          <a:spcPct val="100000"/>
+                        </a:lnSpc>
+                        <a:spcBef>
+                          <a:spcPts val="0"/>
+                        </a:spcBef>
+                        <a:spcAft>
+                          <a:spcPts val="0"/>
+                        </a:spcAft>
+                        <a:buClrTx/>
+                        <a:buSzTx/>
+                        <a:buFontTx/>
+                        <a:buNone/>
+                        <a:tabLst/>
+                        <a:defRPr/>
+                      </a:pPr>
+                      <a:endParaRPr kumimoji="1" lang="ja-JP" altLang="en-US" sz="1100" dirty="0">
+                        <a:latin typeface="+mn-ea"/>
+                        <a:ea typeface="+mn-ea"/>
+                      </a:endParaRPr>
+                    </a:p>
+                  </a:txBody>
+                  <a:tcPr>
+                    <a:lnL w="12700" cap="flat" cmpd="sng" algn="ctr">
+                      <a:solidFill>
+                        <a:schemeClr val="tx1"/>
+                      </a:solidFill>
+                      <a:prstDash val="solid"/>
+                      <a:round/>
+                      <a:headEnd type="none" w="med" len="med"/>
+                      <a:tailEnd type="none" w="med" len="med"/>
+                    </a:lnL>
+                  </a:tcPr>
+                </a:tc>
+                <a:tc>
+                  <a:txBody>
+                    <a:bodyPr/>
+                    <a:lstStyle/>
+                    <a:p>
+                      <a:endParaRPr kumimoji="1" lang="ja-JP" altLang="en-US" sz="1100" dirty="0"/>
+                    </a:p>
+                  </a:txBody>
+                  <a:tcPr>
+                    <a:lnR w="12700" cap="flat" cmpd="sng" algn="ctr">
+                      <a:solidFill>
+                        <a:schemeClr val="bg1"/>
+                      </a:solidFill>
+                      <a:prstDash val="solid"/>
+                      <a:round/>
+                      <a:headEnd type="none" w="med" len="med"/>
+                      <a:tailEnd type="none" w="med" len="med"/>
+                    </a:lnR>
+                  </a:tcPr>
+                </a:tc>
+                <a:tc>
+                  <a:txBody>
+                    <a:bodyPr/>
+                    <a:lstStyle/>
+                    <a:p>
+                      <a:endParaRPr kumimoji="1" lang="ja-JP" altLang="en-US" sz="1100" dirty="0"/>
+                    </a:p>
+                  </a:txBody>
+                  <a:tcPr>
+                    <a:lnL w="12700" cap="flat" cmpd="sng" algn="ctr">
+                      <a:solidFill>
+                        <a:schemeClr val="bg1"/>
+                      </a:solidFill>
+                      <a:prstDash val="solid"/>
+                      <a:round/>
+                      <a:headEnd type="none" w="med" len="med"/>
+                      <a:tailEnd type="none" w="med" len="med"/>
+                    </a:lnL>
+                    <a:lnR w="12700" cap="flat" cmpd="sng" algn="ctr">
+                      <a:solidFill>
+                        <a:schemeClr val="bg1"/>
+                      </a:solidFill>
+                      <a:prstDash val="solid"/>
+                      <a:round/>
+                      <a:headEnd type="none" w="med" len="med"/>
+                      <a:tailEnd type="none" w="med" len="med"/>
+                    </a:lnR>
+                  </a:tcPr>
+                </a:tc>
+                <a:tc>
+                  <a:txBody>
+                    <a:bodyPr/>
+                    <a:lstStyle/>
+                    <a:p>
+                      <a:endParaRPr kumimoji="1" lang="ja-JP" altLang="en-US" sz="1100" dirty="0"/>
+                    </a:p>
+                  </a:txBody>
+                  <a:tcPr>
+                    <a:lnL w="12700" cap="flat" cmpd="sng" algn="ctr">
+                      <a:solidFill>
+                        <a:schemeClr val="bg1"/>
+                      </a:solidFill>
+                      <a:prstDash val="solid"/>
+                      <a:round/>
+                      <a:headEnd type="none" w="med" len="med"/>
+                      <a:tailEnd type="none" w="med" len="med"/>
+                    </a:lnL>
+                    <a:lnR w="12700" cap="flat" cmpd="sng" algn="ctr">
+                      <a:solidFill>
+                        <a:schemeClr val="tx1"/>
+                      </a:solidFill>
+                      <a:prstDash val="solid"/>
+                      <a:round/>
+                      <a:headEnd type="none" w="med" len="med"/>
+                      <a:tailEnd type="none" w="med" len="med"/>
+                    </a:lnR>
+                  </a:tcPr>
+                </a:tc>
+                <a:extLst>
+                  <a:ext uri="{0D108BD9-81ED-4DB2-BD59-A6C34878D82A}">
+                    <a16:rowId xmlns:a16="http://schemas.microsoft.com/office/drawing/2014/main" val="3312778974"/>
+                  </a:ext>
+                </a:extLst>
+              </a:tr>
+              <a:tr h="370840">
+                <a:tc>
+                  <a:txBody>
+                    <a:bodyPr/>
+                    <a:lstStyle/>
+                    <a:p>
+                      <a:pPr marL="0" marR="0" lvl="0" indent="0" algn="l" defTabSz="914400" rtl="0" eaLnBrk="1" fontAlgn="auto" latinLnBrk="0" hangingPunct="1">
+                        <a:lnSpc>
+                          <a:spcPct val="100000"/>
+                        </a:lnSpc>
+                        <a:spcBef>
+                          <a:spcPts val="0"/>
+                        </a:spcBef>
+                        <a:spcAft>
+                          <a:spcPts val="0"/>
+                        </a:spcAft>
+                        <a:buClrTx/>
+                        <a:buSzTx/>
+                        <a:buFontTx/>
+                        <a:buNone/>
+                        <a:tabLst/>
+                        <a:defRPr/>
+                      </a:pPr>
+                      <a:endParaRPr kumimoji="1" lang="ja-JP" altLang="en-US" sz="1100" dirty="0">
+                        <a:latin typeface="+mn-ea"/>
+                        <a:ea typeface="+mn-ea"/>
+                      </a:endParaRPr>
+                    </a:p>
+                  </a:txBody>
+                  <a:tcPr>
+                    <a:lnL w="12700" cap="flat" cmpd="sng" algn="ctr">
+                      <a:solidFill>
+                        <a:schemeClr val="tx1"/>
+                      </a:solidFill>
+                      <a:prstDash val="solid"/>
+                      <a:round/>
+                      <a:headEnd type="none" w="med" len="med"/>
+                      <a:tailEnd type="none" w="med" len="med"/>
+                    </a:lnL>
+                    <a:lnB w="12700" cap="flat" cmpd="sng" algn="ctr">
+                      <a:solidFill>
+                        <a:schemeClr val="tx1"/>
+                      </a:solidFill>
+                      <a:prstDash val="solid"/>
+                      <a:round/>
+                      <a:headEnd type="none" w="med" len="med"/>
+                      <a:tailEnd type="none" w="med" len="med"/>
+                    </a:lnB>
+                  </a:tcPr>
+                </a:tc>
+                <a:tc>
+                  <a:txBody>
+                    <a:bodyPr/>
+                    <a:lstStyle/>
+                    <a:p>
+                      <a:pPr marL="0" marR="0" lvl="0" indent="0" algn="l" defTabSz="914400" rtl="0" eaLnBrk="1" fontAlgn="auto" latinLnBrk="0" hangingPunct="1">
+                        <a:lnSpc>
+                          <a:spcPct val="100000"/>
+                        </a:lnSpc>
+                        <a:spcBef>
+                          <a:spcPts val="0"/>
+                        </a:spcBef>
+                        <a:spcAft>
+                          <a:spcPts val="0"/>
+                        </a:spcAft>
+                        <a:buClrTx/>
+                        <a:buSzTx/>
+                        <a:buFontTx/>
+                        <a:buNone/>
+                        <a:tabLst/>
+                        <a:defRPr/>
+                      </a:pPr>
+                      <a:endParaRPr kumimoji="1" lang="ja-JP" altLang="en-US" sz="1100" dirty="0"/>
+                    </a:p>
+                  </a:txBody>
+                  <a:tcPr>
+                    <a:lnR w="12700" cap="flat" cmpd="sng" algn="ctr">
+                      <a:solidFill>
+                        <a:schemeClr val="bg1"/>
+                      </a:solidFill>
+                      <a:prstDash val="solid"/>
+                      <a:round/>
+                      <a:headEnd type="none" w="med" len="med"/>
+                      <a:tailEnd type="none" w="med" len="med"/>
+                    </a:lnR>
+                    <a:lnB w="12700" cap="flat" cmpd="sng" algn="ctr">
+                      <a:solidFill>
+                        <a:schemeClr val="tx1"/>
+                      </a:solidFill>
+                      <a:prstDash val="solid"/>
+                      <a:round/>
+                      <a:headEnd type="none" w="med" len="med"/>
+                      <a:tailEnd type="none" w="med" len="med"/>
+                    </a:lnB>
+                  </a:tcPr>
+                </a:tc>
+                <a:tc>
+                  <a:txBody>
+                    <a:bodyPr/>
+                    <a:lstStyle/>
+                    <a:p>
+                      <a:pPr marL="0" marR="0" lvl="0" indent="0" algn="l" defTabSz="914400" rtl="0" eaLnBrk="1" fontAlgn="auto" latinLnBrk="0" hangingPunct="1">
+                        <a:lnSpc>
+                          <a:spcPct val="100000"/>
+                        </a:lnSpc>
+                        <a:spcBef>
+                          <a:spcPts val="0"/>
+                        </a:spcBef>
+                        <a:spcAft>
+                          <a:spcPts val="0"/>
+                        </a:spcAft>
+                        <a:buClrTx/>
+                        <a:buSzTx/>
+                        <a:buFontTx/>
+                        <a:buNone/>
+                        <a:tabLst/>
+                        <a:defRPr/>
+                      </a:pPr>
+                      <a:endParaRPr kumimoji="1" lang="ja-JP" altLang="en-US" sz="1100" dirty="0"/>
+                    </a:p>
+                  </a:txBody>
+                  <a:tcPr>
+                    <a:lnL w="12700" cap="flat" cmpd="sng" algn="ctr">
+                      <a:solidFill>
+                        <a:schemeClr val="bg1"/>
+                      </a:solidFill>
+                      <a:prstDash val="solid"/>
+                      <a:round/>
+                      <a:headEnd type="none" w="med" len="med"/>
+                      <a:tailEnd type="none" w="med" len="med"/>
+                    </a:lnL>
+                    <a:lnR w="12700" cap="flat" cmpd="sng" algn="ctr">
+                      <a:solidFill>
+                        <a:schemeClr val="bg1"/>
+                      </a:solidFill>
+                      <a:prstDash val="solid"/>
+                      <a:round/>
+                      <a:headEnd type="none" w="med" len="med"/>
+                      <a:tailEnd type="none" w="med" len="med"/>
+                    </a:lnR>
+                    <a:lnB w="12700" cap="flat" cmpd="sng" algn="ctr">
+                      <a:solidFill>
+                        <a:schemeClr val="tx1"/>
+                      </a:solidFill>
+                      <a:prstDash val="solid"/>
+                      <a:round/>
+                      <a:headEnd type="none" w="med" len="med"/>
+                      <a:tailEnd type="none" w="med" len="med"/>
+                    </a:lnB>
+                  </a:tcPr>
+                </a:tc>
+                <a:tc>
+                  <a:txBody>
+                    <a:bodyPr/>
+                    <a:lstStyle/>
+                    <a:p>
+                      <a:endParaRPr kumimoji="1" lang="ja-JP" altLang="en-US" sz="1100" dirty="0"/>
+                    </a:p>
+                  </a:txBody>
+                  <a:tcPr>
+                    <a:lnL w="12700" cap="flat" cmpd="sng" algn="ctr">
+                      <a:solidFill>
+                        <a:schemeClr val="bg1"/>
+                      </a:solidFill>
+                      <a:prstDash val="solid"/>
+                      <a:round/>
+                      <a:headEnd type="none" w="med" len="med"/>
+                      <a:tailEnd type="none" w="med" len="med"/>
+                    </a:lnL>
+                    <a:lnR w="12700" cap="flat" cmpd="sng" algn="ctr">
+                      <a:solidFill>
+                        <a:schemeClr val="tx1"/>
+                      </a:solidFill>
+                      <a:prstDash val="solid"/>
+                      <a:round/>
+                      <a:headEnd type="none" w="med" len="med"/>
+                      <a:tailEnd type="none" w="med" len="med"/>
+                    </a:lnR>
+                    <a:lnB w="12700" cap="flat" cmpd="sng" algn="ctr">
+                      <a:solidFill>
+                        <a:schemeClr val="tx1"/>
+                      </a:solidFill>
+                      <a:prstDash val="solid"/>
+                      <a:round/>
+                      <a:headEnd type="none" w="med" len="med"/>
+                      <a:tailEnd type="none" w="med" len="med"/>
+                    </a:lnB>
+                  </a:tcPr>
+                </a:tc>
+                <a:extLst>
+                  <a:ext uri="{0D108BD9-81ED-4DB2-BD59-A6C34878D82A}">
+                    <a16:rowId xmlns:a16="http://schemas.microsoft.com/office/drawing/2014/main" val="1248091657"/>
+                  </a:ext>
+                </a:extLst>
+              </a:tr>
+            </a:tbl>
+          </a:graphicData>
+        </a:graphic>
+      </p:graphicFrame>
+    </p:spTree>
+    <p:extLst>
+      <p:ext uri="{BB962C8B-B14F-4D97-AF65-F5344CB8AC3E}">
+        <p14:creationId xmlns:p14="http://schemas.microsoft.com/office/powerpoint/2010/main" val="3504038686"/>
+      </p:ext>
+    </p:extLst>
+  </p:cSld>
+  <p:clrMapOvr>
+    <a:masterClrMapping/>
+  </p:clrMapOvr>
+</p:sld>
+</file>
+
+<file path=ppt/slides/slide3.xml><?xml version="1.0" encoding="utf-8"?>
 <p:sld xmlns:a="http://schemas.openxmlformats.org/drawingml/2006/main" xmlns:r="http://schemas.openxmlformats.org/officeDocument/2006/relationships" xmlns:p="http://schemas.openxmlformats.org/presentationml/2006/main">
   <p:cSld>
     <p:spTree>
@@ -5654,7 +6763,7 @@
 </p:sld>
 </file>
 
-<file path=ppt/slides/slide3.xml><?xml version="1.0" encoding="utf-8"?>
+<file path=ppt/slides/slide4.xml><?xml version="1.0" encoding="utf-8"?>
 <p:sld xmlns:a="http://schemas.openxmlformats.org/drawingml/2006/main" xmlns:r="http://schemas.openxmlformats.org/officeDocument/2006/relationships" xmlns:p="http://schemas.openxmlformats.org/presentationml/2006/main">
   <p:cSld>
     <p:spTree>
@@ -8237,7 +9346,7 @@
 </p:sld>
 </file>
 
-<file path=ppt/slides/slide4.xml><?xml version="1.0" encoding="utf-8"?>
+<file path=ppt/slides/slide5.xml><?xml version="1.0" encoding="utf-8"?>
 <p:sld xmlns:a="http://schemas.openxmlformats.org/drawingml/2006/main" xmlns:r="http://schemas.openxmlformats.org/officeDocument/2006/relationships" xmlns:p="http://schemas.openxmlformats.org/presentationml/2006/main">
   <p:cSld>
     <p:spTree>
@@ -10035,7 +11144,7 @@
 </p:sld>
 </file>
 
-<file path=ppt/slides/slide5.xml><?xml version="1.0" encoding="utf-8"?>
+<file path=ppt/slides/slide6.xml><?xml version="1.0" encoding="utf-8"?>
 <p:sld xmlns:a="http://schemas.openxmlformats.org/drawingml/2006/main" xmlns:r="http://schemas.openxmlformats.org/officeDocument/2006/relationships" xmlns:p="http://schemas.openxmlformats.org/presentationml/2006/main">
   <p:cSld>
     <p:spTree>
@@ -11523,7 +12632,7 @@
 </p:sld>
 </file>
 
-<file path=ppt/slides/slide6.xml><?xml version="1.0" encoding="utf-8"?>
+<file path=ppt/slides/slide7.xml><?xml version="1.0" encoding="utf-8"?>
 <p:sld xmlns:a="http://schemas.openxmlformats.org/drawingml/2006/main" xmlns:r="http://schemas.openxmlformats.org/officeDocument/2006/relationships" xmlns:p="http://schemas.openxmlformats.org/presentationml/2006/main">
   <p:cSld>
     <p:spTree>
@@ -13666,7 +14775,7 @@
 </p:sld>
 </file>
 
-<file path=ppt/slides/slide7.xml><?xml version="1.0" encoding="utf-8"?>
+<file path=ppt/slides/slide8.xml><?xml version="1.0" encoding="utf-8"?>
 <p:sld xmlns:a="http://schemas.openxmlformats.org/drawingml/2006/main" xmlns:r="http://schemas.openxmlformats.org/officeDocument/2006/relationships" xmlns:p="http://schemas.openxmlformats.org/presentationml/2006/main">
   <p:cSld>
     <p:spTree>
@@ -16062,7 +17171,7 @@
 </p:sld>
 </file>
 
-<file path=ppt/slides/slide8.xml><?xml version="1.0" encoding="utf-8"?>
+<file path=ppt/slides/slide9.xml><?xml version="1.0" encoding="utf-8"?>
 <p:sld xmlns:a="http://schemas.openxmlformats.org/drawingml/2006/main" xmlns:r="http://schemas.openxmlformats.org/officeDocument/2006/relationships" xmlns:p="http://schemas.openxmlformats.org/presentationml/2006/main">
   <p:cSld>
     <p:spTree>
@@ -16186,14 +17295,14 @@
           <p:nvPr>
             <p:extLst>
               <p:ext uri="{D42A27DB-BD31-4B8C-83A1-F6EECF244321}">
-                <p14:modId xmlns:p14="http://schemas.microsoft.com/office/powerpoint/2010/main" val="3851905254"/>
+                <p14:modId xmlns:p14="http://schemas.microsoft.com/office/powerpoint/2010/main" val="559562895"/>
               </p:ext>
             </p:extLst>
           </p:nvPr>
         </p:nvGraphicFramePr>
         <p:xfrm>
           <a:off x="193040" y="1066800"/>
-          <a:ext cx="7029030" cy="5020843"/>
+          <a:ext cx="7029030" cy="5058697"/>
         </p:xfrm>
         <a:graphic>
           <a:graphicData uri="http://schemas.openxmlformats.org/drawingml/2006/table">
@@ -16393,13 +17502,16 @@
                   </a:ext>
                 </a:extLst>
               </a:tr>
-              <a:tr h="370840">
+              <a:tr h="1150374">
                 <a:tc>
                   <a:txBody>
                     <a:bodyPr/>
                     <a:lstStyle/>
                     <a:p>
-                      <a:endParaRPr kumimoji="1" lang="ja-JP" altLang="en-US" sz="1200" dirty="0"/>
+                      <a:r>
+                        <a:rPr kumimoji="1" lang="ja-JP" altLang="en-US" sz="1200" dirty="0"/>
+                        <a:t>・レッサーパンダ</a:t>
+                      </a:r>
                     </a:p>
                   </a:txBody>
                   <a:tcPr/>
@@ -16409,7 +17521,10 @@
                     <a:bodyPr/>
                     <a:lstStyle/>
                     <a:p>
-                      <a:endParaRPr kumimoji="1" lang="ja-JP" altLang="en-US" sz="1200" dirty="0"/>
+                      <a:r>
+                        <a:rPr kumimoji="1" lang="ja-JP" altLang="en-US" sz="1200" dirty="0"/>
+                        <a:t>遠距離攻撃。リンゴ（爆弾）を投げて攻撃。その場からは動かない。</a:t>
+                      </a:r>
                     </a:p>
                   </a:txBody>
                   <a:tcPr/>
@@ -16420,60 +17535,6 @@
                   </a:ext>
                 </a:extLst>
               </a:tr>
-              <a:tr h="370840">
-                <a:tc>
-                  <a:txBody>
-                    <a:bodyPr/>
-                    <a:lstStyle/>
-                    <a:p>
-                      <a:endParaRPr kumimoji="1" lang="ja-JP" altLang="en-US" dirty="0"/>
-                    </a:p>
-                  </a:txBody>
-                  <a:tcPr/>
-                </a:tc>
-                <a:tc>
-                  <a:txBody>
-                    <a:bodyPr/>
-                    <a:lstStyle/>
-                    <a:p>
-                      <a:endParaRPr kumimoji="1" lang="ja-JP" altLang="en-US" dirty="0"/>
-                    </a:p>
-                  </a:txBody>
-                  <a:tcPr/>
-                </a:tc>
-                <a:extLst>
-                  <a:ext uri="{0D108BD9-81ED-4DB2-BD59-A6C34878D82A}">
-                    <a16:rowId xmlns:a16="http://schemas.microsoft.com/office/drawing/2014/main" val="598331847"/>
-                  </a:ext>
-                </a:extLst>
-              </a:tr>
-              <a:tr h="370840">
-                <a:tc>
-                  <a:txBody>
-                    <a:bodyPr/>
-                    <a:lstStyle/>
-                    <a:p>
-                      <a:endParaRPr kumimoji="1" lang="ja-JP" altLang="en-US" dirty="0"/>
-                    </a:p>
-                  </a:txBody>
-                  <a:tcPr/>
-                </a:tc>
-                <a:tc>
-                  <a:txBody>
-                    <a:bodyPr/>
-                    <a:lstStyle/>
-                    <a:p>
-                      <a:endParaRPr kumimoji="1" lang="ja-JP" altLang="en-US" dirty="0"/>
-                    </a:p>
-                  </a:txBody>
-                  <a:tcPr/>
-                </a:tc>
-                <a:extLst>
-                  <a:ext uri="{0D108BD9-81ED-4DB2-BD59-A6C34878D82A}">
-                    <a16:rowId xmlns:a16="http://schemas.microsoft.com/office/drawing/2014/main" val="3888020169"/>
-                  </a:ext>
-                </a:extLst>
-              </a:tr>
             </a:tbl>
           </a:graphicData>
         </a:graphic>
@@ -16647,6 +17708,149 @@
           <a:xfrm>
             <a:off x="3899411" y="4114305"/>
             <a:ext cx="798346" cy="818232"/>
+          </a:xfrm>
+          <a:prstGeom prst="rect">
+            <a:avLst/>
+          </a:prstGeom>
+        </p:spPr>
+      </p:pic>
+      <p:pic>
+        <p:nvPicPr>
+          <p:cNvPr id="6" name="図 5">
+            <a:extLst>
+              <a:ext uri="{FF2B5EF4-FFF2-40B4-BE49-F238E27FC236}">
+                <a16:creationId xmlns:a16="http://schemas.microsoft.com/office/drawing/2014/main" id="{3D53B59B-8CE3-4A95-83B1-8E53B67CEA33}"/>
+              </a:ext>
+            </a:extLst>
+          </p:cNvPr>
+          <p:cNvPicPr>
+            <a:picLocks noChangeAspect="1"/>
+          </p:cNvPicPr>
+          <p:nvPr/>
+        </p:nvPicPr>
+        <p:blipFill>
+          <a:blip r:embed="rId7">
+            <a:extLst>
+              <a:ext uri="{28A0092B-C50C-407E-A947-70E740481C1C}">
+                <a14:useLocalDpi xmlns:a14="http://schemas.microsoft.com/office/drawing/2010/main" val="0"/>
+              </a:ext>
+            </a:extLst>
+          </a:blip>
+          <a:stretch>
+            <a:fillRect/>
+          </a:stretch>
+        </p:blipFill>
+        <p:spPr>
+          <a:xfrm>
+            <a:off x="2056275" y="5206568"/>
+            <a:ext cx="1309170" cy="818232"/>
+          </a:xfrm>
+          <a:prstGeom prst="rect">
+            <a:avLst/>
+          </a:prstGeom>
+        </p:spPr>
+      </p:pic>
+      <p:pic>
+        <p:nvPicPr>
+          <p:cNvPr id="8" name="図 7">
+            <a:extLst>
+              <a:ext uri="{FF2B5EF4-FFF2-40B4-BE49-F238E27FC236}">
+                <a16:creationId xmlns:a16="http://schemas.microsoft.com/office/drawing/2014/main" id="{3A1B6451-73F2-4BCC-B19F-286A2821ED2C}"/>
+              </a:ext>
+            </a:extLst>
+          </p:cNvPr>
+          <p:cNvPicPr>
+            <a:picLocks noChangeAspect="1"/>
+          </p:cNvPicPr>
+          <p:nvPr/>
+        </p:nvPicPr>
+        <p:blipFill>
+          <a:blip r:embed="rId8">
+            <a:extLst>
+              <a:ext uri="{28A0092B-C50C-407E-A947-70E740481C1C}">
+                <a14:useLocalDpi xmlns:a14="http://schemas.microsoft.com/office/drawing/2010/main" val="0"/>
+              </a:ext>
+            </a:extLst>
+          </a:blip>
+          <a:stretch>
+            <a:fillRect/>
+          </a:stretch>
+        </p:blipFill>
+        <p:spPr>
+          <a:xfrm>
+            <a:off x="3516829" y="5206568"/>
+            <a:ext cx="1309170" cy="818232"/>
+          </a:xfrm>
+          <a:prstGeom prst="rect">
+            <a:avLst/>
+          </a:prstGeom>
+        </p:spPr>
+      </p:pic>
+      <p:pic>
+        <p:nvPicPr>
+          <p:cNvPr id="12" name="図 11">
+            <a:extLst>
+              <a:ext uri="{FF2B5EF4-FFF2-40B4-BE49-F238E27FC236}">
+                <a16:creationId xmlns:a16="http://schemas.microsoft.com/office/drawing/2014/main" id="{E4024A34-C9D8-4EC7-AC71-4C5393A352A6}"/>
+              </a:ext>
+            </a:extLst>
+          </p:cNvPr>
+          <p:cNvPicPr>
+            <a:picLocks noChangeAspect="1"/>
+          </p:cNvPicPr>
+          <p:nvPr/>
+        </p:nvPicPr>
+        <p:blipFill>
+          <a:blip r:embed="rId9">
+            <a:extLst>
+              <a:ext uri="{28A0092B-C50C-407E-A947-70E740481C1C}">
+                <a14:useLocalDpi xmlns:a14="http://schemas.microsoft.com/office/drawing/2010/main" val="0"/>
+              </a:ext>
+            </a:extLst>
+          </a:blip>
+          <a:stretch>
+            <a:fillRect/>
+          </a:stretch>
+        </p:blipFill>
+        <p:spPr>
+          <a:xfrm>
+            <a:off x="5267404" y="5206568"/>
+            <a:ext cx="1309169" cy="818232"/>
+          </a:xfrm>
+          <a:prstGeom prst="rect">
+            <a:avLst/>
+          </a:prstGeom>
+        </p:spPr>
+      </p:pic>
+      <p:pic>
+        <p:nvPicPr>
+          <p:cNvPr id="16" name="図 15">
+            <a:extLst>
+              <a:ext uri="{FF2B5EF4-FFF2-40B4-BE49-F238E27FC236}">
+                <a16:creationId xmlns:a16="http://schemas.microsoft.com/office/drawing/2014/main" id="{A475AA73-D4D2-470A-911F-535D8A17F81E}"/>
+              </a:ext>
+            </a:extLst>
+          </p:cNvPr>
+          <p:cNvPicPr>
+            <a:picLocks noChangeAspect="1"/>
+          </p:cNvPicPr>
+          <p:nvPr/>
+        </p:nvPicPr>
+        <p:blipFill rotWithShape="1">
+          <a:blip r:embed="rId10">
+            <a:extLst>
+              <a:ext uri="{28A0092B-C50C-407E-A947-70E740481C1C}">
+                <a14:useLocalDpi xmlns:a14="http://schemas.microsoft.com/office/drawing/2010/main" val="0"/>
+              </a:ext>
+            </a:extLst>
+          </a:blip>
+          <a:srcRect l="28629" t="14673" r="30276" b="20320"/>
+          <a:stretch/>
+        </p:blipFill>
+        <p:spPr>
+          <a:xfrm>
+            <a:off x="4977383" y="5222422"/>
+            <a:ext cx="397774" cy="393262"/>
           </a:xfrm>
           <a:prstGeom prst="rect">
             <a:avLst/>

--- a/Assets/Specs/仕様書.pptx
+++ b/Assets/Specs/仕様書.pptx
@@ -263,7 +263,7 @@
           <a:p>
             <a:fld id="{2103CA96-9EB7-4190-9943-2A446C06CAF1}" type="datetimeFigureOut">
               <a:rPr kumimoji="1" lang="ja-JP" altLang="en-US" smtClean="0"/>
-              <a:t>2025/6/11</a:t>
+              <a:t>2025/6/13</a:t>
             </a:fld>
             <a:endParaRPr kumimoji="1" lang="ja-JP" altLang="en-US"/>
           </a:p>
@@ -465,7 +465,7 @@
           <a:p>
             <a:fld id="{2103CA96-9EB7-4190-9943-2A446C06CAF1}" type="datetimeFigureOut">
               <a:rPr kumimoji="1" lang="ja-JP" altLang="en-US" smtClean="0"/>
-              <a:t>2025/6/11</a:t>
+              <a:t>2025/6/13</a:t>
             </a:fld>
             <a:endParaRPr kumimoji="1" lang="ja-JP" altLang="en-US"/>
           </a:p>
@@ -677,7 +677,7 @@
           <a:p>
             <a:fld id="{2103CA96-9EB7-4190-9943-2A446C06CAF1}" type="datetimeFigureOut">
               <a:rPr kumimoji="1" lang="ja-JP" altLang="en-US" smtClean="0"/>
-              <a:t>2025/6/11</a:t>
+              <a:t>2025/6/13</a:t>
             </a:fld>
             <a:endParaRPr kumimoji="1" lang="ja-JP" altLang="en-US"/>
           </a:p>
@@ -879,7 +879,7 @@
           <a:p>
             <a:fld id="{2103CA96-9EB7-4190-9943-2A446C06CAF1}" type="datetimeFigureOut">
               <a:rPr kumimoji="1" lang="ja-JP" altLang="en-US" smtClean="0"/>
-              <a:t>2025/6/11</a:t>
+              <a:t>2025/6/13</a:t>
             </a:fld>
             <a:endParaRPr kumimoji="1" lang="ja-JP" altLang="en-US"/>
           </a:p>
@@ -1123,7 +1123,7 @@
           <a:p>
             <a:fld id="{2103CA96-9EB7-4190-9943-2A446C06CAF1}" type="datetimeFigureOut">
               <a:rPr kumimoji="1" lang="ja-JP" altLang="en-US" smtClean="0"/>
-              <a:t>2025/6/11</a:t>
+              <a:t>2025/6/13</a:t>
             </a:fld>
             <a:endParaRPr kumimoji="1" lang="ja-JP" altLang="en-US"/>
           </a:p>
@@ -1419,7 +1419,7 @@
           <a:p>
             <a:fld id="{2103CA96-9EB7-4190-9943-2A446C06CAF1}" type="datetimeFigureOut">
               <a:rPr kumimoji="1" lang="ja-JP" altLang="en-US" smtClean="0"/>
-              <a:t>2025/6/11</a:t>
+              <a:t>2025/6/13</a:t>
             </a:fld>
             <a:endParaRPr kumimoji="1" lang="ja-JP" altLang="en-US"/>
           </a:p>
@@ -1850,7 +1850,7 @@
           <a:p>
             <a:fld id="{2103CA96-9EB7-4190-9943-2A446C06CAF1}" type="datetimeFigureOut">
               <a:rPr kumimoji="1" lang="ja-JP" altLang="en-US" smtClean="0"/>
-              <a:t>2025/6/11</a:t>
+              <a:t>2025/6/13</a:t>
             </a:fld>
             <a:endParaRPr kumimoji="1" lang="ja-JP" altLang="en-US"/>
           </a:p>
@@ -1968,7 +1968,7 @@
           <a:p>
             <a:fld id="{2103CA96-9EB7-4190-9943-2A446C06CAF1}" type="datetimeFigureOut">
               <a:rPr kumimoji="1" lang="ja-JP" altLang="en-US" smtClean="0"/>
-              <a:t>2025/6/11</a:t>
+              <a:t>2025/6/13</a:t>
             </a:fld>
             <a:endParaRPr kumimoji="1" lang="ja-JP" altLang="en-US"/>
           </a:p>
@@ -2063,7 +2063,7 @@
           <a:p>
             <a:fld id="{2103CA96-9EB7-4190-9943-2A446C06CAF1}" type="datetimeFigureOut">
               <a:rPr kumimoji="1" lang="ja-JP" altLang="en-US" smtClean="0"/>
-              <a:t>2025/6/11</a:t>
+              <a:t>2025/6/13</a:t>
             </a:fld>
             <a:endParaRPr kumimoji="1" lang="ja-JP" altLang="en-US"/>
           </a:p>
@@ -2372,7 +2372,7 @@
           <a:p>
             <a:fld id="{2103CA96-9EB7-4190-9943-2A446C06CAF1}" type="datetimeFigureOut">
               <a:rPr kumimoji="1" lang="ja-JP" altLang="en-US" smtClean="0"/>
-              <a:t>2025/6/11</a:t>
+              <a:t>2025/6/13</a:t>
             </a:fld>
             <a:endParaRPr kumimoji="1" lang="ja-JP" altLang="en-US"/>
           </a:p>
@@ -2629,7 +2629,7 @@
           <a:p>
             <a:fld id="{2103CA96-9EB7-4190-9943-2A446C06CAF1}" type="datetimeFigureOut">
               <a:rPr kumimoji="1" lang="ja-JP" altLang="en-US" smtClean="0"/>
-              <a:t>2025/6/11</a:t>
+              <a:t>2025/6/13</a:t>
             </a:fld>
             <a:endParaRPr kumimoji="1" lang="ja-JP" altLang="en-US"/>
           </a:p>
@@ -2874,7 +2874,7 @@
           <a:p>
             <a:fld id="{2103CA96-9EB7-4190-9943-2A446C06CAF1}" type="datetimeFigureOut">
               <a:rPr kumimoji="1" lang="ja-JP" altLang="en-US" smtClean="0"/>
-              <a:t>2025/6/11</a:t>
+              <a:t>2025/6/13</a:t>
             </a:fld>
             <a:endParaRPr kumimoji="1" lang="ja-JP" altLang="en-US"/>
           </a:p>
@@ -4024,7 +4024,7 @@
           <p:nvPr>
             <p:extLst>
               <p:ext uri="{D42A27DB-BD31-4B8C-83A1-F6EECF244321}">
-                <p14:modId xmlns:p14="http://schemas.microsoft.com/office/powerpoint/2010/main" val="3882960165"/>
+                <p14:modId xmlns:p14="http://schemas.microsoft.com/office/powerpoint/2010/main" val="1703222558"/>
               </p:ext>
             </p:extLst>
           </p:nvPr>
@@ -4729,7 +4729,7 @@
                     <a:p>
                       <a:r>
                         <a:rPr kumimoji="1" lang="ja-JP" altLang="en-US" sz="1100" dirty="0"/>
-                        <a:t>４スライド目</a:t>
+                        <a:t>操作説明</a:t>
                       </a:r>
                     </a:p>
                   </a:txBody>
@@ -5070,7 +5070,7 @@
                       </a:pPr>
                       <a:r>
                         <a:rPr kumimoji="1" lang="ja-JP" altLang="en-US" sz="1100" dirty="0"/>
-                        <a:t>４スライド目</a:t>
+                        <a:t>操作説明</a:t>
                       </a:r>
                     </a:p>
                   </a:txBody>
@@ -5328,7 +5328,7 @@
           <p:nvPr>
             <p:extLst>
               <p:ext uri="{D42A27DB-BD31-4B8C-83A1-F6EECF244321}">
-                <p14:modId xmlns:p14="http://schemas.microsoft.com/office/powerpoint/2010/main" val="1694942443"/>
+                <p14:modId xmlns:p14="http://schemas.microsoft.com/office/powerpoint/2010/main" val="1174299039"/>
               </p:ext>
             </p:extLst>
           </p:nvPr>
@@ -5820,6 +5820,13 @@
                         <a:tabLst/>
                         <a:defRPr/>
                       </a:pPr>
+                      <a:r>
+                        <a:rPr kumimoji="1" lang="en-US" altLang="ja-JP" sz="1100" dirty="0">
+                          <a:latin typeface="+mn-ea"/>
+                          <a:ea typeface="+mn-ea"/>
+                        </a:rPr>
+                        <a:t>2025/06/13</a:t>
+                      </a:r>
                       <a:endParaRPr kumimoji="1" lang="ja-JP" altLang="en-US" sz="1100" dirty="0">
                         <a:latin typeface="+mn-ea"/>
                         <a:ea typeface="+mn-ea"/>
@@ -5843,7 +5850,10 @@
                     <a:bodyPr/>
                     <a:lstStyle/>
                     <a:p>
-                      <a:endParaRPr kumimoji="1" lang="ja-JP" altLang="en-US" sz="1100" dirty="0"/>
+                      <a:r>
+                        <a:rPr kumimoji="1" lang="ja-JP" altLang="en-US" sz="1100" dirty="0"/>
+                        <a:t>石川</a:t>
+                      </a:r>
                     </a:p>
                   </a:txBody>
                   <a:tcPr>
@@ -5863,7 +5873,10 @@
                     <a:bodyPr/>
                     <a:lstStyle/>
                     <a:p>
-                      <a:endParaRPr kumimoji="1" lang="ja-JP" altLang="en-US" sz="1100" dirty="0"/>
+                      <a:r>
+                        <a:rPr kumimoji="1" lang="ja-JP" altLang="en-US" sz="1100" dirty="0"/>
+                        <a:t>敵デザイン</a:t>
+                      </a:r>
                     </a:p>
                   </a:txBody>
                   <a:tcPr>
@@ -5909,7 +5922,10 @@
                         <a:tabLst/>
                         <a:defRPr/>
                       </a:pPr>
-                      <a:endParaRPr kumimoji="1" lang="ja-JP" altLang="en-US" sz="1100" dirty="0"/>
+                      <a:r>
+                        <a:rPr kumimoji="1" lang="ja-JP" altLang="en-US" sz="1100" dirty="0"/>
+                        <a:t>敵デザインの修正</a:t>
+                      </a:r>
                     </a:p>
                   </a:txBody>
                   <a:tcPr>
@@ -17295,14 +17311,14 @@
           <p:nvPr>
             <p:extLst>
               <p:ext uri="{D42A27DB-BD31-4B8C-83A1-F6EECF244321}">
-                <p14:modId xmlns:p14="http://schemas.microsoft.com/office/powerpoint/2010/main" val="559562895"/>
+                <p14:modId xmlns:p14="http://schemas.microsoft.com/office/powerpoint/2010/main" val="1839428661"/>
               </p:ext>
             </p:extLst>
           </p:nvPr>
         </p:nvGraphicFramePr>
         <p:xfrm>
           <a:off x="193040" y="1066800"/>
-          <a:ext cx="7029030" cy="5058697"/>
+          <a:ext cx="7029030" cy="5304503"/>
         </p:xfrm>
         <a:graphic>
           <a:graphicData uri="http://schemas.openxmlformats.org/drawingml/2006/table">
@@ -17502,7 +17518,7 @@
                   </a:ext>
                 </a:extLst>
               </a:tr>
-              <a:tr h="1150374">
+              <a:tr h="1396180">
                 <a:tc>
                   <a:txBody>
                     <a:bodyPr/>
@@ -17525,6 +17541,13 @@
                         <a:rPr kumimoji="1" lang="ja-JP" altLang="en-US" sz="1200" dirty="0"/>
                         <a:t>遠距離攻撃。リンゴ（爆弾）を投げて攻撃。その場からは動かない。</a:t>
                       </a:r>
+                      <a:endParaRPr kumimoji="1" lang="en-US" altLang="ja-JP" sz="1200" dirty="0"/>
+                    </a:p>
+                    <a:p>
+                      <a:r>
+                        <a:rPr kumimoji="1" lang="ja-JP" altLang="en-US" sz="1200" dirty="0"/>
+                        <a:t>デザイン、色を修正中。</a:t>
+                      </a:r>
                     </a:p>
                   </a:txBody>
                   <a:tcPr/>
@@ -17742,7 +17765,7 @@
         </p:blipFill>
         <p:spPr>
           <a:xfrm>
-            <a:off x="2056275" y="5206568"/>
+            <a:off x="2056275" y="5540864"/>
             <a:ext cx="1309170" cy="818232"/>
           </a:xfrm>
           <a:prstGeom prst="rect">
@@ -17778,7 +17801,7 @@
         </p:blipFill>
         <p:spPr>
           <a:xfrm>
-            <a:off x="3516829" y="5206568"/>
+            <a:off x="3516829" y="5540864"/>
             <a:ext cx="1309170" cy="818232"/>
           </a:xfrm>
           <a:prstGeom prst="rect">
@@ -17814,7 +17837,7 @@
         </p:blipFill>
         <p:spPr>
           <a:xfrm>
-            <a:off x="5267404" y="5206568"/>
+            <a:off x="5267404" y="5540864"/>
             <a:ext cx="1309169" cy="818232"/>
           </a:xfrm>
           <a:prstGeom prst="rect">
@@ -17849,7 +17872,7 @@
         </p:blipFill>
         <p:spPr>
           <a:xfrm>
-            <a:off x="4977383" y="5222422"/>
+            <a:off x="4977383" y="5556718"/>
             <a:ext cx="397774" cy="393262"/>
           </a:xfrm>
           <a:prstGeom prst="rect">
@@ -17857,6 +17880,77 @@
           </a:prstGeom>
         </p:spPr>
       </p:pic>
+      <p:pic>
+        <p:nvPicPr>
+          <p:cNvPr id="7" name="図 6">
+            <a:extLst>
+              <a:ext uri="{FF2B5EF4-FFF2-40B4-BE49-F238E27FC236}">
+                <a16:creationId xmlns:a16="http://schemas.microsoft.com/office/drawing/2014/main" id="{5AA4E30A-A1A6-461D-930B-F09006C48108}"/>
+              </a:ext>
+            </a:extLst>
+          </p:cNvPr>
+          <p:cNvPicPr>
+            <a:picLocks noChangeAspect="1"/>
+          </p:cNvPicPr>
+          <p:nvPr/>
+        </p:nvPicPr>
+        <p:blipFill>
+          <a:blip r:embed="rId11">
+            <a:extLst>
+              <a:ext uri="{28A0092B-C50C-407E-A947-70E740481C1C}">
+                <a14:useLocalDpi xmlns:a14="http://schemas.microsoft.com/office/drawing/2010/main" val="0"/>
+              </a:ext>
+            </a:extLst>
+          </a:blip>
+          <a:stretch>
+            <a:fillRect/>
+          </a:stretch>
+        </p:blipFill>
+        <p:spPr>
+          <a:xfrm>
+            <a:off x="7512091" y="5344746"/>
+            <a:ext cx="817206" cy="817206"/>
+          </a:xfrm>
+          <a:prstGeom prst="rect">
+            <a:avLst/>
+          </a:prstGeom>
+        </p:spPr>
+      </p:pic>
+      <p:sp>
+        <p:nvSpPr>
+          <p:cNvPr id="10" name="テキスト ボックス 9">
+            <a:extLst>
+              <a:ext uri="{FF2B5EF4-FFF2-40B4-BE49-F238E27FC236}">
+                <a16:creationId xmlns:a16="http://schemas.microsoft.com/office/drawing/2014/main" id="{F8E317B5-EFF5-4EEF-8E1A-55BF05F6A38E}"/>
+              </a:ext>
+            </a:extLst>
+          </p:cNvPr>
+          <p:cNvSpPr txBox="1"/>
+          <p:nvPr/>
+        </p:nvSpPr>
+        <p:spPr>
+          <a:xfrm>
+            <a:off x="7252428" y="5004619"/>
+            <a:ext cx="1293944" cy="369332"/>
+          </a:xfrm>
+          <a:prstGeom prst="rect">
+            <a:avLst/>
+          </a:prstGeom>
+          <a:noFill/>
+        </p:spPr>
+        <p:txBody>
+          <a:bodyPr wrap="none" rtlCol="0">
+            <a:spAutoFit/>
+          </a:bodyPr>
+          <a:lstStyle/>
+          <a:p>
+            <a:r>
+              <a:rPr kumimoji="1" lang="ja-JP" altLang="en-US" dirty="0"/>
+              <a:t>↓修正例↓</a:t>
+            </a:r>
+          </a:p>
+        </p:txBody>
+      </p:sp>
     </p:spTree>
     <p:extLst>
       <p:ext uri="{BB962C8B-B14F-4D97-AF65-F5344CB8AC3E}">

--- a/Assets/Specs/仕様書.pptx
+++ b/Assets/Specs/仕様書.pptx
@@ -263,7 +263,7 @@
           <a:p>
             <a:fld id="{2103CA96-9EB7-4190-9943-2A446C06CAF1}" type="datetimeFigureOut">
               <a:rPr kumimoji="1" lang="ja-JP" altLang="en-US" smtClean="0"/>
-              <a:t>2025/6/13</a:t>
+              <a:t>2025/6/17</a:t>
             </a:fld>
             <a:endParaRPr kumimoji="1" lang="ja-JP" altLang="en-US"/>
           </a:p>
@@ -465,7 +465,7 @@
           <a:p>
             <a:fld id="{2103CA96-9EB7-4190-9943-2A446C06CAF1}" type="datetimeFigureOut">
               <a:rPr kumimoji="1" lang="ja-JP" altLang="en-US" smtClean="0"/>
-              <a:t>2025/6/13</a:t>
+              <a:t>2025/6/17</a:t>
             </a:fld>
             <a:endParaRPr kumimoji="1" lang="ja-JP" altLang="en-US"/>
           </a:p>
@@ -677,7 +677,7 @@
           <a:p>
             <a:fld id="{2103CA96-9EB7-4190-9943-2A446C06CAF1}" type="datetimeFigureOut">
               <a:rPr kumimoji="1" lang="ja-JP" altLang="en-US" smtClean="0"/>
-              <a:t>2025/6/13</a:t>
+              <a:t>2025/6/17</a:t>
             </a:fld>
             <a:endParaRPr kumimoji="1" lang="ja-JP" altLang="en-US"/>
           </a:p>
@@ -879,7 +879,7 @@
           <a:p>
             <a:fld id="{2103CA96-9EB7-4190-9943-2A446C06CAF1}" type="datetimeFigureOut">
               <a:rPr kumimoji="1" lang="ja-JP" altLang="en-US" smtClean="0"/>
-              <a:t>2025/6/13</a:t>
+              <a:t>2025/6/17</a:t>
             </a:fld>
             <a:endParaRPr kumimoji="1" lang="ja-JP" altLang="en-US"/>
           </a:p>
@@ -1123,7 +1123,7 @@
           <a:p>
             <a:fld id="{2103CA96-9EB7-4190-9943-2A446C06CAF1}" type="datetimeFigureOut">
               <a:rPr kumimoji="1" lang="ja-JP" altLang="en-US" smtClean="0"/>
-              <a:t>2025/6/13</a:t>
+              <a:t>2025/6/17</a:t>
             </a:fld>
             <a:endParaRPr kumimoji="1" lang="ja-JP" altLang="en-US"/>
           </a:p>
@@ -1419,7 +1419,7 @@
           <a:p>
             <a:fld id="{2103CA96-9EB7-4190-9943-2A446C06CAF1}" type="datetimeFigureOut">
               <a:rPr kumimoji="1" lang="ja-JP" altLang="en-US" smtClean="0"/>
-              <a:t>2025/6/13</a:t>
+              <a:t>2025/6/17</a:t>
             </a:fld>
             <a:endParaRPr kumimoji="1" lang="ja-JP" altLang="en-US"/>
           </a:p>
@@ -1850,7 +1850,7 @@
           <a:p>
             <a:fld id="{2103CA96-9EB7-4190-9943-2A446C06CAF1}" type="datetimeFigureOut">
               <a:rPr kumimoji="1" lang="ja-JP" altLang="en-US" smtClean="0"/>
-              <a:t>2025/6/13</a:t>
+              <a:t>2025/6/17</a:t>
             </a:fld>
             <a:endParaRPr kumimoji="1" lang="ja-JP" altLang="en-US"/>
           </a:p>
@@ -1968,7 +1968,7 @@
           <a:p>
             <a:fld id="{2103CA96-9EB7-4190-9943-2A446C06CAF1}" type="datetimeFigureOut">
               <a:rPr kumimoji="1" lang="ja-JP" altLang="en-US" smtClean="0"/>
-              <a:t>2025/6/13</a:t>
+              <a:t>2025/6/17</a:t>
             </a:fld>
             <a:endParaRPr kumimoji="1" lang="ja-JP" altLang="en-US"/>
           </a:p>
@@ -2063,7 +2063,7 @@
           <a:p>
             <a:fld id="{2103CA96-9EB7-4190-9943-2A446C06CAF1}" type="datetimeFigureOut">
               <a:rPr kumimoji="1" lang="ja-JP" altLang="en-US" smtClean="0"/>
-              <a:t>2025/6/13</a:t>
+              <a:t>2025/6/17</a:t>
             </a:fld>
             <a:endParaRPr kumimoji="1" lang="ja-JP" altLang="en-US"/>
           </a:p>
@@ -2372,7 +2372,7 @@
           <a:p>
             <a:fld id="{2103CA96-9EB7-4190-9943-2A446C06CAF1}" type="datetimeFigureOut">
               <a:rPr kumimoji="1" lang="ja-JP" altLang="en-US" smtClean="0"/>
-              <a:t>2025/6/13</a:t>
+              <a:t>2025/6/17</a:t>
             </a:fld>
             <a:endParaRPr kumimoji="1" lang="ja-JP" altLang="en-US"/>
           </a:p>
@@ -2629,7 +2629,7 @@
           <a:p>
             <a:fld id="{2103CA96-9EB7-4190-9943-2A446C06CAF1}" type="datetimeFigureOut">
               <a:rPr kumimoji="1" lang="ja-JP" altLang="en-US" smtClean="0"/>
-              <a:t>2025/6/13</a:t>
+              <a:t>2025/6/17</a:t>
             </a:fld>
             <a:endParaRPr kumimoji="1" lang="ja-JP" altLang="en-US"/>
           </a:p>
@@ -2874,7 +2874,7 @@
           <a:p>
             <a:fld id="{2103CA96-9EB7-4190-9943-2A446C06CAF1}" type="datetimeFigureOut">
               <a:rPr kumimoji="1" lang="ja-JP" altLang="en-US" smtClean="0"/>
-              <a:t>2025/6/13</a:t>
+              <a:t>2025/6/17</a:t>
             </a:fld>
             <a:endParaRPr kumimoji="1" lang="ja-JP" altLang="en-US"/>
           </a:p>
@@ -5328,7 +5328,7 @@
           <p:nvPr>
             <p:extLst>
               <p:ext uri="{D42A27DB-BD31-4B8C-83A1-F6EECF244321}">
-                <p14:modId xmlns:p14="http://schemas.microsoft.com/office/powerpoint/2010/main" val="1174299039"/>
+                <p14:modId xmlns:p14="http://schemas.microsoft.com/office/powerpoint/2010/main" val="613216341"/>
               </p:ext>
             </p:extLst>
           </p:nvPr>
@@ -5978,6 +5978,13 @@
                         <a:tabLst/>
                         <a:defRPr/>
                       </a:pPr>
+                      <a:r>
+                        <a:rPr kumimoji="1" lang="en-US" altLang="ja-JP" sz="1100" dirty="0">
+                          <a:latin typeface="+mn-ea"/>
+                          <a:ea typeface="+mn-ea"/>
+                        </a:rPr>
+                        <a:t>2025/06/17</a:t>
+                      </a:r>
                       <a:endParaRPr kumimoji="1" lang="ja-JP" altLang="en-US" sz="1100" dirty="0">
                         <a:latin typeface="+mn-ea"/>
                         <a:ea typeface="+mn-ea"/>
@@ -6001,7 +6008,10 @@
                     <a:bodyPr/>
                     <a:lstStyle/>
                     <a:p>
-                      <a:endParaRPr kumimoji="1" lang="ja-JP" altLang="en-US" sz="1100" dirty="0"/>
+                      <a:r>
+                        <a:rPr kumimoji="1" lang="ja-JP" altLang="en-US" sz="1100" dirty="0"/>
+                        <a:t>石川</a:t>
+                      </a:r>
                     </a:p>
                   </a:txBody>
                   <a:tcPr>
@@ -6021,7 +6031,10 @@
                     <a:bodyPr/>
                     <a:lstStyle/>
                     <a:p>
-                      <a:endParaRPr kumimoji="1" lang="ja-JP" altLang="en-US" sz="1100" dirty="0"/>
+                      <a:r>
+                        <a:rPr kumimoji="1" lang="ja-JP" altLang="en-US" sz="1100" dirty="0"/>
+                        <a:t>敵デザイン</a:t>
+                      </a:r>
                     </a:p>
                   </a:txBody>
                   <a:tcPr>
@@ -6050,7 +6063,27 @@
                     <a:bodyPr/>
                     <a:lstStyle/>
                     <a:p>
-                      <a:endParaRPr kumimoji="1" lang="ja-JP" altLang="en-US" sz="1100" dirty="0"/>
+                      <a:pPr marL="0" marR="0" lvl="0" indent="0" algn="l" defTabSz="914400" rtl="0" eaLnBrk="1" fontAlgn="auto" latinLnBrk="0" hangingPunct="1">
+                        <a:lnSpc>
+                          <a:spcPct val="100000"/>
+                        </a:lnSpc>
+                        <a:spcBef>
+                          <a:spcPts val="0"/>
+                        </a:spcBef>
+                        <a:spcAft>
+                          <a:spcPts val="0"/>
+                        </a:spcAft>
+                        <a:buClrTx/>
+                        <a:buSzTx/>
+                        <a:buFontTx/>
+                        <a:buNone/>
+                        <a:tabLst/>
+                        <a:defRPr/>
+                      </a:pPr>
+                      <a:r>
+                        <a:rPr kumimoji="1" lang="ja-JP" altLang="en-US" sz="1100" dirty="0"/>
+                        <a:t>敵デザインの修正</a:t>
+                      </a:r>
                     </a:p>
                   </a:txBody>
                   <a:tcPr>
@@ -17311,7 +17344,7 @@
           <p:nvPr>
             <p:extLst>
               <p:ext uri="{D42A27DB-BD31-4B8C-83A1-F6EECF244321}">
-                <p14:modId xmlns:p14="http://schemas.microsoft.com/office/powerpoint/2010/main" val="1839428661"/>
+                <p14:modId xmlns:p14="http://schemas.microsoft.com/office/powerpoint/2010/main" val="808682147"/>
               </p:ext>
             </p:extLst>
           </p:nvPr>
@@ -17543,12 +17576,6 @@
                       </a:r>
                       <a:endParaRPr kumimoji="1" lang="en-US" altLang="ja-JP" sz="1200" dirty="0"/>
                     </a:p>
-                    <a:p>
-                      <a:r>
-                        <a:rPr kumimoji="1" lang="ja-JP" altLang="en-US" sz="1200" dirty="0"/>
-                        <a:t>デザイン、色を修正中。</a:t>
-                      </a:r>
-                    </a:p>
                   </a:txBody>
                   <a:tcPr/>
                 </a:tc>
@@ -17739,10 +17766,10 @@
       </p:pic>
       <p:pic>
         <p:nvPicPr>
-          <p:cNvPr id="6" name="図 5">
+          <p:cNvPr id="16" name="図 15">
             <a:extLst>
               <a:ext uri="{FF2B5EF4-FFF2-40B4-BE49-F238E27FC236}">
-                <a16:creationId xmlns:a16="http://schemas.microsoft.com/office/drawing/2014/main" id="{3D53B59B-8CE3-4A95-83B1-8E53B67CEA33}"/>
+                <a16:creationId xmlns:a16="http://schemas.microsoft.com/office/drawing/2014/main" id="{A475AA73-D4D2-470A-911F-535D8A17F81E}"/>
               </a:ext>
             </a:extLst>
           </p:cNvPr>
@@ -17751,7 +17778,7 @@
           </p:cNvPicPr>
           <p:nvPr/>
         </p:nvPicPr>
-        <p:blipFill>
+        <p:blipFill rotWithShape="1">
           <a:blip r:embed="rId7">
             <a:extLst>
               <a:ext uri="{28A0092B-C50C-407E-A947-70E740481C1C}">
@@ -17759,14 +17786,13 @@
               </a:ext>
             </a:extLst>
           </a:blip>
-          <a:stretch>
-            <a:fillRect/>
-          </a:stretch>
+          <a:srcRect l="28629" t="14673" r="30276" b="20320"/>
+          <a:stretch/>
         </p:blipFill>
         <p:spPr>
           <a:xfrm>
-            <a:off x="2056275" y="5540864"/>
-            <a:ext cx="1309170" cy="818232"/>
+            <a:off x="4883630" y="5345534"/>
+            <a:ext cx="397774" cy="393262"/>
           </a:xfrm>
           <a:prstGeom prst="rect">
             <a:avLst/>
@@ -17775,10 +17801,10 @@
       </p:pic>
       <p:pic>
         <p:nvPicPr>
-          <p:cNvPr id="8" name="図 7">
+          <p:cNvPr id="14" name="図 13">
             <a:extLst>
               <a:ext uri="{FF2B5EF4-FFF2-40B4-BE49-F238E27FC236}">
-                <a16:creationId xmlns:a16="http://schemas.microsoft.com/office/drawing/2014/main" id="{3A1B6451-73F2-4BCC-B19F-286A2821ED2C}"/>
+                <a16:creationId xmlns:a16="http://schemas.microsoft.com/office/drawing/2014/main" id="{0B77E666-152D-4A42-9C16-5B1EE22D33BC}"/>
               </a:ext>
             </a:extLst>
           </p:cNvPr>
@@ -17801,8 +17827,8 @@
         </p:blipFill>
         <p:spPr>
           <a:xfrm>
-            <a:off x="3516829" y="5540864"/>
-            <a:ext cx="1309170" cy="818232"/>
+            <a:off x="4953000" y="5289232"/>
+            <a:ext cx="1468528" cy="917830"/>
           </a:xfrm>
           <a:prstGeom prst="rect">
             <a:avLst/>
@@ -17811,10 +17837,10 @@
       </p:pic>
       <p:pic>
         <p:nvPicPr>
-          <p:cNvPr id="12" name="図 11">
+          <p:cNvPr id="18" name="図 17">
             <a:extLst>
               <a:ext uri="{FF2B5EF4-FFF2-40B4-BE49-F238E27FC236}">
-                <a16:creationId xmlns:a16="http://schemas.microsoft.com/office/drawing/2014/main" id="{E4024A34-C9D8-4EC7-AC71-4C5393A352A6}"/>
+                <a16:creationId xmlns:a16="http://schemas.microsoft.com/office/drawing/2014/main" id="{254AE798-8A44-4892-82C3-F019EB155912}"/>
               </a:ext>
             </a:extLst>
           </p:cNvPr>
@@ -17837,8 +17863,8 @@
         </p:blipFill>
         <p:spPr>
           <a:xfrm>
-            <a:off x="5267404" y="5540864"/>
-            <a:ext cx="1309169" cy="818232"/>
+            <a:off x="1868201" y="5289232"/>
+            <a:ext cx="1468528" cy="917830"/>
           </a:xfrm>
           <a:prstGeom prst="rect">
             <a:avLst/>
@@ -17847,45 +17873,10 @@
       </p:pic>
       <p:pic>
         <p:nvPicPr>
-          <p:cNvPr id="16" name="図 15">
+          <p:cNvPr id="20" name="図 19">
             <a:extLst>
               <a:ext uri="{FF2B5EF4-FFF2-40B4-BE49-F238E27FC236}">
-                <a16:creationId xmlns:a16="http://schemas.microsoft.com/office/drawing/2014/main" id="{A475AA73-D4D2-470A-911F-535D8A17F81E}"/>
-              </a:ext>
-            </a:extLst>
-          </p:cNvPr>
-          <p:cNvPicPr>
-            <a:picLocks noChangeAspect="1"/>
-          </p:cNvPicPr>
-          <p:nvPr/>
-        </p:nvPicPr>
-        <p:blipFill rotWithShape="1">
-          <a:blip r:embed="rId10">
-            <a:extLst>
-              <a:ext uri="{28A0092B-C50C-407E-A947-70E740481C1C}">
-                <a14:useLocalDpi xmlns:a14="http://schemas.microsoft.com/office/drawing/2010/main" val="0"/>
-              </a:ext>
-            </a:extLst>
-          </a:blip>
-          <a:srcRect l="28629" t="14673" r="30276" b="20320"/>
-          <a:stretch/>
-        </p:blipFill>
-        <p:spPr>
-          <a:xfrm>
-            <a:off x="4977383" y="5556718"/>
-            <a:ext cx="397774" cy="393262"/>
-          </a:xfrm>
-          <a:prstGeom prst="rect">
-            <a:avLst/>
-          </a:prstGeom>
-        </p:spPr>
-      </p:pic>
-      <p:pic>
-        <p:nvPicPr>
-          <p:cNvPr id="7" name="図 6">
-            <a:extLst>
-              <a:ext uri="{FF2B5EF4-FFF2-40B4-BE49-F238E27FC236}">
-                <a16:creationId xmlns:a16="http://schemas.microsoft.com/office/drawing/2014/main" id="{5AA4E30A-A1A6-461D-930B-F09006C48108}"/>
+                <a16:creationId xmlns:a16="http://schemas.microsoft.com/office/drawing/2014/main" id="{0D8B4E6C-F984-4819-9D61-9517B2880FC9}"/>
               </a:ext>
             </a:extLst>
           </p:cNvPr>
@@ -17895,7 +17886,7 @@
           <p:nvPr/>
         </p:nvPicPr>
         <p:blipFill>
-          <a:blip r:embed="rId11">
+          <a:blip r:embed="rId10">
             <a:extLst>
               <a:ext uri="{28A0092B-C50C-407E-A947-70E740481C1C}">
                 <a14:useLocalDpi xmlns:a14="http://schemas.microsoft.com/office/drawing/2010/main" val="0"/>
@@ -17908,49 +17899,14 @@
         </p:blipFill>
         <p:spPr>
           <a:xfrm>
-            <a:off x="7512091" y="5344746"/>
-            <a:ext cx="817206" cy="817206"/>
+            <a:off x="3410600" y="5289232"/>
+            <a:ext cx="1468528" cy="917830"/>
           </a:xfrm>
           <a:prstGeom prst="rect">
             <a:avLst/>
           </a:prstGeom>
         </p:spPr>
       </p:pic>
-      <p:sp>
-        <p:nvSpPr>
-          <p:cNvPr id="10" name="テキスト ボックス 9">
-            <a:extLst>
-              <a:ext uri="{FF2B5EF4-FFF2-40B4-BE49-F238E27FC236}">
-                <a16:creationId xmlns:a16="http://schemas.microsoft.com/office/drawing/2014/main" id="{F8E317B5-EFF5-4EEF-8E1A-55BF05F6A38E}"/>
-              </a:ext>
-            </a:extLst>
-          </p:cNvPr>
-          <p:cNvSpPr txBox="1"/>
-          <p:nvPr/>
-        </p:nvSpPr>
-        <p:spPr>
-          <a:xfrm>
-            <a:off x="7252428" y="5004619"/>
-            <a:ext cx="1293944" cy="369332"/>
-          </a:xfrm>
-          <a:prstGeom prst="rect">
-            <a:avLst/>
-          </a:prstGeom>
-          <a:noFill/>
-        </p:spPr>
-        <p:txBody>
-          <a:bodyPr wrap="none" rtlCol="0">
-            <a:spAutoFit/>
-          </a:bodyPr>
-          <a:lstStyle/>
-          <a:p>
-            <a:r>
-              <a:rPr kumimoji="1" lang="ja-JP" altLang="en-US" dirty="0"/>
-              <a:t>↓修正例↓</a:t>
-            </a:r>
-          </a:p>
-        </p:txBody>
-      </p:sp>
     </p:spTree>
     <p:extLst>
       <p:ext uri="{BB962C8B-B14F-4D97-AF65-F5344CB8AC3E}">

--- a/Assets/Specs/仕様書.pptx
+++ b/Assets/Specs/仕様書.pptx
@@ -263,7 +263,7 @@
           <a:p>
             <a:fld id="{2103CA96-9EB7-4190-9943-2A446C06CAF1}" type="datetimeFigureOut">
               <a:rPr kumimoji="1" lang="ja-JP" altLang="en-US" smtClean="0"/>
-              <a:t>2025/6/17</a:t>
+              <a:t>2025/10/29</a:t>
             </a:fld>
             <a:endParaRPr kumimoji="1" lang="ja-JP" altLang="en-US"/>
           </a:p>
@@ -465,7 +465,7 @@
           <a:p>
             <a:fld id="{2103CA96-9EB7-4190-9943-2A446C06CAF1}" type="datetimeFigureOut">
               <a:rPr kumimoji="1" lang="ja-JP" altLang="en-US" smtClean="0"/>
-              <a:t>2025/6/17</a:t>
+              <a:t>2025/10/29</a:t>
             </a:fld>
             <a:endParaRPr kumimoji="1" lang="ja-JP" altLang="en-US"/>
           </a:p>
@@ -677,7 +677,7 @@
           <a:p>
             <a:fld id="{2103CA96-9EB7-4190-9943-2A446C06CAF1}" type="datetimeFigureOut">
               <a:rPr kumimoji="1" lang="ja-JP" altLang="en-US" smtClean="0"/>
-              <a:t>2025/6/17</a:t>
+              <a:t>2025/10/29</a:t>
             </a:fld>
             <a:endParaRPr kumimoji="1" lang="ja-JP" altLang="en-US"/>
           </a:p>
@@ -879,7 +879,7 @@
           <a:p>
             <a:fld id="{2103CA96-9EB7-4190-9943-2A446C06CAF1}" type="datetimeFigureOut">
               <a:rPr kumimoji="1" lang="ja-JP" altLang="en-US" smtClean="0"/>
-              <a:t>2025/6/17</a:t>
+              <a:t>2025/10/29</a:t>
             </a:fld>
             <a:endParaRPr kumimoji="1" lang="ja-JP" altLang="en-US"/>
           </a:p>
@@ -1123,7 +1123,7 @@
           <a:p>
             <a:fld id="{2103CA96-9EB7-4190-9943-2A446C06CAF1}" type="datetimeFigureOut">
               <a:rPr kumimoji="1" lang="ja-JP" altLang="en-US" smtClean="0"/>
-              <a:t>2025/6/17</a:t>
+              <a:t>2025/10/29</a:t>
             </a:fld>
             <a:endParaRPr kumimoji="1" lang="ja-JP" altLang="en-US"/>
           </a:p>
@@ -1419,7 +1419,7 @@
           <a:p>
             <a:fld id="{2103CA96-9EB7-4190-9943-2A446C06CAF1}" type="datetimeFigureOut">
               <a:rPr kumimoji="1" lang="ja-JP" altLang="en-US" smtClean="0"/>
-              <a:t>2025/6/17</a:t>
+              <a:t>2025/10/29</a:t>
             </a:fld>
             <a:endParaRPr kumimoji="1" lang="ja-JP" altLang="en-US"/>
           </a:p>
@@ -1850,7 +1850,7 @@
           <a:p>
             <a:fld id="{2103CA96-9EB7-4190-9943-2A446C06CAF1}" type="datetimeFigureOut">
               <a:rPr kumimoji="1" lang="ja-JP" altLang="en-US" smtClean="0"/>
-              <a:t>2025/6/17</a:t>
+              <a:t>2025/10/29</a:t>
             </a:fld>
             <a:endParaRPr kumimoji="1" lang="ja-JP" altLang="en-US"/>
           </a:p>
@@ -1968,7 +1968,7 @@
           <a:p>
             <a:fld id="{2103CA96-9EB7-4190-9943-2A446C06CAF1}" type="datetimeFigureOut">
               <a:rPr kumimoji="1" lang="ja-JP" altLang="en-US" smtClean="0"/>
-              <a:t>2025/6/17</a:t>
+              <a:t>2025/10/29</a:t>
             </a:fld>
             <a:endParaRPr kumimoji="1" lang="ja-JP" altLang="en-US"/>
           </a:p>
@@ -2063,7 +2063,7 @@
           <a:p>
             <a:fld id="{2103CA96-9EB7-4190-9943-2A446C06CAF1}" type="datetimeFigureOut">
               <a:rPr kumimoji="1" lang="ja-JP" altLang="en-US" smtClean="0"/>
-              <a:t>2025/6/17</a:t>
+              <a:t>2025/10/29</a:t>
             </a:fld>
             <a:endParaRPr kumimoji="1" lang="ja-JP" altLang="en-US"/>
           </a:p>
@@ -2372,7 +2372,7 @@
           <a:p>
             <a:fld id="{2103CA96-9EB7-4190-9943-2A446C06CAF1}" type="datetimeFigureOut">
               <a:rPr kumimoji="1" lang="ja-JP" altLang="en-US" smtClean="0"/>
-              <a:t>2025/6/17</a:t>
+              <a:t>2025/10/29</a:t>
             </a:fld>
             <a:endParaRPr kumimoji="1" lang="ja-JP" altLang="en-US"/>
           </a:p>
@@ -2629,7 +2629,7 @@
           <a:p>
             <a:fld id="{2103CA96-9EB7-4190-9943-2A446C06CAF1}" type="datetimeFigureOut">
               <a:rPr kumimoji="1" lang="ja-JP" altLang="en-US" smtClean="0"/>
-              <a:t>2025/6/17</a:t>
+              <a:t>2025/10/29</a:t>
             </a:fld>
             <a:endParaRPr kumimoji="1" lang="ja-JP" altLang="en-US"/>
           </a:p>
@@ -2874,7 +2874,7 @@
           <a:p>
             <a:fld id="{2103CA96-9EB7-4190-9943-2A446C06CAF1}" type="datetimeFigureOut">
               <a:rPr kumimoji="1" lang="ja-JP" altLang="en-US" smtClean="0"/>
-              <a:t>2025/6/17</a:t>
+              <a:t>2025/10/29</a:t>
             </a:fld>
             <a:endParaRPr kumimoji="1" lang="ja-JP" altLang="en-US"/>
           </a:p>
@@ -5328,7 +5328,7 @@
           <p:nvPr>
             <p:extLst>
               <p:ext uri="{D42A27DB-BD31-4B8C-83A1-F6EECF244321}">
-                <p14:modId xmlns:p14="http://schemas.microsoft.com/office/powerpoint/2010/main" val="613216341"/>
+                <p14:modId xmlns:p14="http://schemas.microsoft.com/office/powerpoint/2010/main" val="1530007877"/>
               </p:ext>
             </p:extLst>
           </p:nvPr>
@@ -6136,6 +6136,13 @@
                         <a:tabLst/>
                         <a:defRPr/>
                       </a:pPr>
+                      <a:r>
+                        <a:rPr kumimoji="1" lang="en-US" altLang="ja-JP" sz="1100" dirty="0">
+                          <a:latin typeface="+mn-ea"/>
+                          <a:ea typeface="+mn-ea"/>
+                        </a:rPr>
+                        <a:t>2025/10/29</a:t>
+                      </a:r>
                       <a:endParaRPr kumimoji="1" lang="ja-JP" altLang="en-US" sz="1100" dirty="0">
                         <a:latin typeface="+mn-ea"/>
                         <a:ea typeface="+mn-ea"/>
@@ -6185,7 +6192,10 @@
                         <a:tabLst/>
                         <a:defRPr/>
                       </a:pPr>
-                      <a:endParaRPr kumimoji="1" lang="ja-JP" altLang="en-US" sz="1100" dirty="0"/>
+                      <a:r>
+                        <a:rPr kumimoji="1" lang="ja-JP" altLang="en-US" sz="1100" dirty="0"/>
+                        <a:t>杉谷</a:t>
+                      </a:r>
                     </a:p>
                   </a:txBody>
                   <a:tcPr>
@@ -6231,7 +6241,10 @@
                         <a:tabLst/>
                         <a:defRPr/>
                       </a:pPr>
-                      <a:endParaRPr kumimoji="1" lang="ja-JP" altLang="en-US" sz="1100" dirty="0"/>
+                      <a:r>
+                        <a:rPr kumimoji="1" lang="ja-JP" altLang="en-US" sz="1100" dirty="0"/>
+                        <a:t>操作説明</a:t>
+                      </a:r>
                     </a:p>
                   </a:txBody>
                   <a:tcPr>
@@ -6269,7 +6282,10 @@
                     <a:bodyPr/>
                     <a:lstStyle/>
                     <a:p>
-                      <a:endParaRPr kumimoji="1" lang="ja-JP" altLang="en-US" sz="1100" dirty="0"/>
+                      <a:r>
+                        <a:rPr kumimoji="1" lang="ja-JP" altLang="en-US" sz="1100" dirty="0"/>
+                        <a:t>遠距離攻撃の補足説明追加</a:t>
+                      </a:r>
                     </a:p>
                   </a:txBody>
                   <a:tcPr>
@@ -9519,14 +9535,14 @@
           <p:nvPr>
             <p:extLst>
               <p:ext uri="{D42A27DB-BD31-4B8C-83A1-F6EECF244321}">
-                <p14:modId xmlns:p14="http://schemas.microsoft.com/office/powerpoint/2010/main" val="2970291071"/>
+                <p14:modId xmlns:p14="http://schemas.microsoft.com/office/powerpoint/2010/main" val="2317996795"/>
               </p:ext>
             </p:extLst>
           </p:nvPr>
         </p:nvGraphicFramePr>
         <p:xfrm>
           <a:off x="193040" y="1066800"/>
-          <a:ext cx="7029030" cy="3047442"/>
+          <a:ext cx="7029030" cy="3413202"/>
         </p:xfrm>
         <a:graphic>
           <a:graphicData uri="http://schemas.openxmlformats.org/drawingml/2006/table">
@@ -9797,6 +9813,37 @@
                         </a:rPr>
                         <a:t>)</a:t>
                       </a:r>
+                      <a:br>
+                        <a:rPr kumimoji="1" lang="en-US" altLang="ja-JP" sz="1200" dirty="0">
+                          <a:sym typeface="Wingdings" panose="05000000000000000000" pitchFamily="2" charset="2"/>
+                        </a:rPr>
+                      </a:br>
+                      <a:r>
+                        <a:rPr kumimoji="1" lang="en-US" altLang="ja-JP" sz="1200" dirty="0">
+                          <a:sym typeface="Wingdings" panose="05000000000000000000" pitchFamily="2" charset="2"/>
+                        </a:rPr>
+                        <a:t>※</a:t>
+                      </a:r>
+                      <a:r>
+                        <a:rPr kumimoji="1" lang="ja-JP" altLang="en-US" sz="1200" dirty="0">
+                          <a:sym typeface="Wingdings" panose="05000000000000000000" pitchFamily="2" charset="2"/>
+                        </a:rPr>
+                        <a:t>補足</a:t>
+                      </a:r>
+                      <a:br>
+                        <a:rPr kumimoji="1" lang="en-US" altLang="ja-JP" sz="1200" dirty="0">
+                          <a:sym typeface="Wingdings" panose="05000000000000000000" pitchFamily="2" charset="2"/>
+                        </a:rPr>
+                      </a:br>
+                      <a:r>
+                        <a:rPr kumimoji="1" lang="ja-JP" altLang="en-US" sz="1200" dirty="0">
+                          <a:sym typeface="Wingdings" panose="05000000000000000000" pitchFamily="2" charset="2"/>
+                        </a:rPr>
+                        <a:t>遠距離攻撃は自機が向いている方向で一番近い敵に向かってする</a:t>
+                      </a:r>
+                      <a:endParaRPr kumimoji="1" lang="en-US" altLang="ja-JP" sz="1200" dirty="0">
+                        <a:sym typeface="Wingdings" panose="05000000000000000000" pitchFamily="2" charset="2"/>
+                      </a:endParaRPr>
                     </a:p>
                   </a:txBody>
                   <a:tcPr/>
